--- a/Seismic Drones/CASE-2016/pictures/TraditionalCabeledSystem.pptx
+++ b/Seismic Drones/CASE-2016/pictures/TraditionalCabeledSystem.pptx
@@ -243,7 +243,7 @@
           <a:p>
             <a:fld id="{72A6CF2C-CEEB-4F05-A35E-FAC0B9832724}" type="datetimeFigureOut">
               <a:rPr lang="en-US" smtClean="0"/>
-              <a:t>2/22/2016</a:t>
+              <a:t>3/5/2016</a:t>
             </a:fld>
             <a:endParaRPr lang="en-US"/>
           </a:p>
@@ -413,7 +413,7 @@
           <a:p>
             <a:fld id="{72A6CF2C-CEEB-4F05-A35E-FAC0B9832724}" type="datetimeFigureOut">
               <a:rPr lang="en-US" smtClean="0"/>
-              <a:t>2/22/2016</a:t>
+              <a:t>3/5/2016</a:t>
             </a:fld>
             <a:endParaRPr lang="en-US"/>
           </a:p>
@@ -593,7 +593,7 @@
           <a:p>
             <a:fld id="{72A6CF2C-CEEB-4F05-A35E-FAC0B9832724}" type="datetimeFigureOut">
               <a:rPr lang="en-US" smtClean="0"/>
-              <a:t>2/22/2016</a:t>
+              <a:t>3/5/2016</a:t>
             </a:fld>
             <a:endParaRPr lang="en-US"/>
           </a:p>
@@ -763,7 +763,7 @@
           <a:p>
             <a:fld id="{72A6CF2C-CEEB-4F05-A35E-FAC0B9832724}" type="datetimeFigureOut">
               <a:rPr lang="en-US" smtClean="0"/>
-              <a:t>2/22/2016</a:t>
+              <a:t>3/5/2016</a:t>
             </a:fld>
             <a:endParaRPr lang="en-US"/>
           </a:p>
@@ -1009,7 +1009,7 @@
           <a:p>
             <a:fld id="{72A6CF2C-CEEB-4F05-A35E-FAC0B9832724}" type="datetimeFigureOut">
               <a:rPr lang="en-US" smtClean="0"/>
-              <a:t>2/22/2016</a:t>
+              <a:t>3/5/2016</a:t>
             </a:fld>
             <a:endParaRPr lang="en-US"/>
           </a:p>
@@ -1241,7 +1241,7 @@
           <a:p>
             <a:fld id="{72A6CF2C-CEEB-4F05-A35E-FAC0B9832724}" type="datetimeFigureOut">
               <a:rPr lang="en-US" smtClean="0"/>
-              <a:t>2/22/2016</a:t>
+              <a:t>3/5/2016</a:t>
             </a:fld>
             <a:endParaRPr lang="en-US"/>
           </a:p>
@@ -1608,7 +1608,7 @@
           <a:p>
             <a:fld id="{72A6CF2C-CEEB-4F05-A35E-FAC0B9832724}" type="datetimeFigureOut">
               <a:rPr lang="en-US" smtClean="0"/>
-              <a:t>2/22/2016</a:t>
+              <a:t>3/5/2016</a:t>
             </a:fld>
             <a:endParaRPr lang="en-US"/>
           </a:p>
@@ -1726,7 +1726,7 @@
           <a:p>
             <a:fld id="{72A6CF2C-CEEB-4F05-A35E-FAC0B9832724}" type="datetimeFigureOut">
               <a:rPr lang="en-US" smtClean="0"/>
-              <a:t>2/22/2016</a:t>
+              <a:t>3/5/2016</a:t>
             </a:fld>
             <a:endParaRPr lang="en-US"/>
           </a:p>
@@ -1821,7 +1821,7 @@
           <a:p>
             <a:fld id="{72A6CF2C-CEEB-4F05-A35E-FAC0B9832724}" type="datetimeFigureOut">
               <a:rPr lang="en-US" smtClean="0"/>
-              <a:t>2/22/2016</a:t>
+              <a:t>3/5/2016</a:t>
             </a:fld>
             <a:endParaRPr lang="en-US"/>
           </a:p>
@@ -2098,7 +2098,7 @@
           <a:p>
             <a:fld id="{72A6CF2C-CEEB-4F05-A35E-FAC0B9832724}" type="datetimeFigureOut">
               <a:rPr lang="en-US" smtClean="0"/>
-              <a:t>2/22/2016</a:t>
+              <a:t>3/5/2016</a:t>
             </a:fld>
             <a:endParaRPr lang="en-US"/>
           </a:p>
@@ -2351,7 +2351,7 @@
           <a:p>
             <a:fld id="{72A6CF2C-CEEB-4F05-A35E-FAC0B9832724}" type="datetimeFigureOut">
               <a:rPr lang="en-US" smtClean="0"/>
-              <a:t>2/22/2016</a:t>
+              <a:t>3/5/2016</a:t>
             </a:fld>
             <a:endParaRPr lang="en-US"/>
           </a:p>
@@ -2564,7 +2564,7 @@
           <a:p>
             <a:fld id="{72A6CF2C-CEEB-4F05-A35E-FAC0B9832724}" type="datetimeFigureOut">
               <a:rPr lang="en-US" smtClean="0"/>
-              <a:t>2/22/2016</a:t>
+              <a:t>3/5/2016</a:t>
             </a:fld>
             <a:endParaRPr lang="en-US"/>
           </a:p>
@@ -2977,7 +2977,7 @@
         </p:nvSpPr>
         <p:spPr>
           <a:xfrm>
-            <a:off x="-5117" y="736517"/>
+            <a:off x="8535" y="727256"/>
             <a:ext cx="12192000" cy="3696923"/>
           </a:xfrm>
           <a:prstGeom prst="rect">
@@ -3046,7 +3046,7 @@
         </p:nvSpPr>
         <p:spPr>
           <a:xfrm>
-            <a:off x="-10936" y="4458618"/>
+            <a:off x="0" y="4458618"/>
             <a:ext cx="12192000" cy="2399382"/>
           </a:xfrm>
           <a:prstGeom prst="rect">
@@ -3084,123 +3084,16 @@
       </p:sp>
       <p:grpSp>
         <p:nvGrpSpPr>
-          <p:cNvPr id="8" name="Group 7"/>
-          <p:cNvGrpSpPr>
-            <a:grpSpLocks noChangeAspect="1"/>
-          </p:cNvGrpSpPr>
-          <p:nvPr/>
-        </p:nvGrpSpPr>
-        <p:grpSpPr>
-          <a:xfrm rot="3653352">
-            <a:off x="330726" y="2598731"/>
-            <a:ext cx="822055" cy="1541354"/>
-            <a:chOff x="1201271" y="1021976"/>
-            <a:chExt cx="1506070" cy="2823883"/>
-          </a:xfrm>
-        </p:grpSpPr>
-        <p:sp>
-          <p:nvSpPr>
-            <p:cNvPr id="5" name="Rounded Rectangle 4"/>
-            <p:cNvSpPr/>
-            <p:nvPr/>
-          </p:nvSpPr>
-          <p:spPr>
-            <a:xfrm>
-              <a:off x="1201271" y="1021976"/>
-              <a:ext cx="1506070" cy="833718"/>
-            </a:xfrm>
-            <a:prstGeom prst="roundRect">
-              <a:avLst/>
-            </a:prstGeom>
-            <a:solidFill>
-              <a:schemeClr val="bg1">
-                <a:lumMod val="50000"/>
-              </a:schemeClr>
-            </a:solidFill>
-          </p:spPr>
-          <p:style>
-            <a:lnRef idx="2">
-              <a:schemeClr val="accent1">
-                <a:shade val="50000"/>
-              </a:schemeClr>
-            </a:lnRef>
-            <a:fillRef idx="1">
-              <a:schemeClr val="accent1"/>
-            </a:fillRef>
-            <a:effectRef idx="0">
-              <a:schemeClr val="accent1"/>
-            </a:effectRef>
-            <a:fontRef idx="minor">
-              <a:schemeClr val="lt1"/>
-            </a:fontRef>
-          </p:style>
-          <p:txBody>
-            <a:bodyPr rtlCol="0" anchor="ctr"/>
-            <a:lstStyle/>
-            <a:p>
-              <a:pPr algn="ctr"/>
-              <a:endParaRPr lang="en-US"/>
-            </a:p>
-          </p:txBody>
-        </p:sp>
-        <p:sp>
-          <p:nvSpPr>
-            <p:cNvPr id="7" name="Rectangle 6"/>
-            <p:cNvSpPr/>
-            <p:nvPr/>
-          </p:nvSpPr>
-          <p:spPr>
-            <a:xfrm>
-              <a:off x="1775012" y="1855694"/>
-              <a:ext cx="358588" cy="1990165"/>
-            </a:xfrm>
-            <a:prstGeom prst="rect">
-              <a:avLst/>
-            </a:prstGeom>
-            <a:solidFill>
-              <a:schemeClr val="accent2">
-                <a:lumMod val="75000"/>
-              </a:schemeClr>
-            </a:solidFill>
-          </p:spPr>
-          <p:style>
-            <a:lnRef idx="2">
-              <a:schemeClr val="accent1">
-                <a:shade val="50000"/>
-              </a:schemeClr>
-            </a:lnRef>
-            <a:fillRef idx="1">
-              <a:schemeClr val="accent1"/>
-            </a:fillRef>
-            <a:effectRef idx="0">
-              <a:schemeClr val="accent1"/>
-            </a:effectRef>
-            <a:fontRef idx="minor">
-              <a:schemeClr val="lt1"/>
-            </a:fontRef>
-          </p:style>
-          <p:txBody>
-            <a:bodyPr rtlCol="0" anchor="ctr"/>
-            <a:lstStyle/>
-            <a:p>
-              <a:pPr algn="ctr"/>
-              <a:endParaRPr lang="en-US"/>
-            </a:p>
-          </p:txBody>
-        </p:sp>
-      </p:grpSp>
-      <p:grpSp>
-        <p:nvGrpSpPr>
-          <p:cNvPr id="12" name="Group 11"/>
+          <p:cNvPr id="6" name="Group 5"/>
           <p:cNvGrpSpPr/>
           <p:nvPr/>
         </p:nvGrpSpPr>
         <p:grpSpPr>
           <a:xfrm>
-            <a:off x="3077498" y="3828145"/>
-            <a:ext cx="432619" cy="619431"/>
-            <a:chOff x="3018502" y="2241756"/>
-            <a:chExt cx="432619" cy="619431"/>
+            <a:off x="3356839" y="2056488"/>
+            <a:ext cx="448876" cy="2351861"/>
+            <a:chOff x="2998842" y="2095715"/>
+            <a:chExt cx="448876" cy="2351861"/>
           </a:xfrm>
         </p:grpSpPr>
         <p:cxnSp>
@@ -3210,9 +3103,9 @@
             <p:nvPr/>
           </p:nvCxnSpPr>
           <p:spPr>
-            <a:xfrm>
-              <a:off x="3018503" y="2251587"/>
-              <a:ext cx="0" cy="609600"/>
+            <a:xfrm flipH="1">
+              <a:off x="2998842" y="2108457"/>
+              <a:ext cx="10118" cy="2339119"/>
             </a:xfrm>
             <a:prstGeom prst="line">
               <a:avLst/>
@@ -3246,7 +3139,7 @@
           </p:nvSpPr>
           <p:spPr>
             <a:xfrm rot="5400000">
-              <a:off x="3097160" y="2163098"/>
+              <a:off x="3093757" y="2017057"/>
               <a:ext cx="275304" cy="432619"/>
             </a:xfrm>
             <a:prstGeom prst="triangle">
@@ -3322,30 +3215,1101 @@
           </a:fontRef>
         </p:style>
       </p:cxnSp>
+      <p:cxnSp>
+        <p:nvCxnSpPr>
+          <p:cNvPr id="84" name="Curved Connector 83"/>
+          <p:cNvCxnSpPr/>
+          <p:nvPr/>
+        </p:nvCxnSpPr>
+        <p:spPr>
+          <a:xfrm rot="10800000" flipV="1">
+            <a:off x="180411" y="4580797"/>
+            <a:ext cx="1280435" cy="217578"/>
+          </a:xfrm>
+          <a:prstGeom prst="curvedConnector3">
+            <a:avLst/>
+          </a:prstGeom>
+          <a:ln w="28575">
+            <a:solidFill>
+              <a:schemeClr val="bg1"/>
+            </a:solidFill>
+            <a:tailEnd type="triangle"/>
+          </a:ln>
+        </p:spPr>
+        <p:style>
+          <a:lnRef idx="1">
+            <a:schemeClr val="accent1"/>
+          </a:lnRef>
+          <a:fillRef idx="0">
+            <a:schemeClr val="accent1"/>
+          </a:fillRef>
+          <a:effectRef idx="0">
+            <a:schemeClr val="accent1"/>
+          </a:effectRef>
+          <a:fontRef idx="minor">
+            <a:schemeClr val="tx1"/>
+          </a:fontRef>
+        </p:style>
+      </p:cxnSp>
+      <p:cxnSp>
+        <p:nvCxnSpPr>
+          <p:cNvPr id="85" name="Curved Connector 84"/>
+          <p:cNvCxnSpPr/>
+          <p:nvPr/>
+        </p:nvCxnSpPr>
+        <p:spPr>
+          <a:xfrm rot="10800000" flipV="1">
+            <a:off x="193152" y="4739992"/>
+            <a:ext cx="1362934" cy="360149"/>
+          </a:xfrm>
+          <a:prstGeom prst="curvedConnector3">
+            <a:avLst/>
+          </a:prstGeom>
+          <a:ln w="28575">
+            <a:solidFill>
+              <a:schemeClr val="bg1"/>
+            </a:solidFill>
+            <a:tailEnd type="triangle"/>
+          </a:ln>
+        </p:spPr>
+        <p:style>
+          <a:lnRef idx="1">
+            <a:schemeClr val="accent1"/>
+          </a:lnRef>
+          <a:fillRef idx="0">
+            <a:schemeClr val="accent1"/>
+          </a:fillRef>
+          <a:effectRef idx="0">
+            <a:schemeClr val="accent1"/>
+          </a:effectRef>
+          <a:fontRef idx="minor">
+            <a:schemeClr val="tx1"/>
+          </a:fontRef>
+        </p:style>
+      </p:cxnSp>
+      <p:cxnSp>
+        <p:nvCxnSpPr>
+          <p:cNvPr id="86" name="Curved Connector 85"/>
+          <p:cNvCxnSpPr/>
+          <p:nvPr/>
+        </p:nvCxnSpPr>
+        <p:spPr>
+          <a:xfrm rot="10800000" flipV="1">
+            <a:off x="257798" y="4892392"/>
+            <a:ext cx="1450689" cy="397065"/>
+          </a:xfrm>
+          <a:prstGeom prst="curvedConnector3">
+            <a:avLst/>
+          </a:prstGeom>
+          <a:ln w="28575">
+            <a:solidFill>
+              <a:schemeClr val="bg1"/>
+            </a:solidFill>
+            <a:tailEnd type="triangle"/>
+          </a:ln>
+        </p:spPr>
+        <p:style>
+          <a:lnRef idx="1">
+            <a:schemeClr val="accent1"/>
+          </a:lnRef>
+          <a:fillRef idx="0">
+            <a:schemeClr val="accent1"/>
+          </a:fillRef>
+          <a:effectRef idx="0">
+            <a:schemeClr val="accent1"/>
+          </a:effectRef>
+          <a:fontRef idx="minor">
+            <a:schemeClr val="tx1"/>
+          </a:fontRef>
+        </p:style>
+      </p:cxnSp>
+      <p:cxnSp>
+        <p:nvCxnSpPr>
+          <p:cNvPr id="87" name="Curved Connector 86"/>
+          <p:cNvCxnSpPr/>
+          <p:nvPr/>
+        </p:nvCxnSpPr>
+        <p:spPr>
+          <a:xfrm rot="10800000" flipV="1">
+            <a:off x="179026" y="5044792"/>
+            <a:ext cx="1681861" cy="441959"/>
+          </a:xfrm>
+          <a:prstGeom prst="curvedConnector3">
+            <a:avLst/>
+          </a:prstGeom>
+          <a:ln w="28575">
+            <a:solidFill>
+              <a:schemeClr val="bg1"/>
+            </a:solidFill>
+            <a:tailEnd type="triangle"/>
+          </a:ln>
+        </p:spPr>
+        <p:style>
+          <a:lnRef idx="1">
+            <a:schemeClr val="accent1"/>
+          </a:lnRef>
+          <a:fillRef idx="0">
+            <a:schemeClr val="accent1"/>
+          </a:fillRef>
+          <a:effectRef idx="0">
+            <a:schemeClr val="accent1"/>
+          </a:effectRef>
+          <a:fontRef idx="minor">
+            <a:schemeClr val="tx1"/>
+          </a:fontRef>
+        </p:style>
+      </p:cxnSp>
+      <p:cxnSp>
+        <p:nvCxnSpPr>
+          <p:cNvPr id="88" name="Curved Connector 87"/>
+          <p:cNvCxnSpPr/>
+          <p:nvPr/>
+        </p:nvCxnSpPr>
+        <p:spPr>
+          <a:xfrm rot="10800000" flipV="1">
+            <a:off x="257798" y="5197193"/>
+            <a:ext cx="1755489" cy="495600"/>
+          </a:xfrm>
+          <a:prstGeom prst="curvedConnector3">
+            <a:avLst/>
+          </a:prstGeom>
+          <a:ln w="28575">
+            <a:solidFill>
+              <a:schemeClr val="bg1"/>
+            </a:solidFill>
+            <a:tailEnd type="triangle"/>
+          </a:ln>
+        </p:spPr>
+        <p:style>
+          <a:lnRef idx="1">
+            <a:schemeClr val="accent1"/>
+          </a:lnRef>
+          <a:fillRef idx="0">
+            <a:schemeClr val="accent1"/>
+          </a:fillRef>
+          <a:effectRef idx="0">
+            <a:schemeClr val="accent1"/>
+          </a:effectRef>
+          <a:fontRef idx="minor">
+            <a:schemeClr val="tx1"/>
+          </a:fontRef>
+        </p:style>
+      </p:cxnSp>
+      <p:cxnSp>
+        <p:nvCxnSpPr>
+          <p:cNvPr id="89" name="Curved Connector 88"/>
+          <p:cNvCxnSpPr/>
+          <p:nvPr/>
+        </p:nvCxnSpPr>
+        <p:spPr>
+          <a:xfrm rot="10800000" flipV="1">
+            <a:off x="177400" y="5349593"/>
+            <a:ext cx="1988287" cy="576578"/>
+          </a:xfrm>
+          <a:prstGeom prst="curvedConnector3">
+            <a:avLst/>
+          </a:prstGeom>
+          <a:ln w="28575">
+            <a:solidFill>
+              <a:schemeClr val="bg1"/>
+            </a:solidFill>
+            <a:tailEnd type="triangle"/>
+          </a:ln>
+        </p:spPr>
+        <p:style>
+          <a:lnRef idx="1">
+            <a:schemeClr val="accent1"/>
+          </a:lnRef>
+          <a:fillRef idx="0">
+            <a:schemeClr val="accent1"/>
+          </a:fillRef>
+          <a:effectRef idx="0">
+            <a:schemeClr val="accent1"/>
+          </a:effectRef>
+          <a:fontRef idx="minor">
+            <a:schemeClr val="tx1"/>
+          </a:fontRef>
+        </p:style>
+      </p:cxnSp>
+      <p:cxnSp>
+        <p:nvCxnSpPr>
+          <p:cNvPr id="90" name="Curved Connector 89"/>
+          <p:cNvCxnSpPr/>
+          <p:nvPr/>
+        </p:nvCxnSpPr>
+        <p:spPr>
+          <a:xfrm rot="10800000" flipV="1">
+            <a:off x="257797" y="5490052"/>
+            <a:ext cx="1886594" cy="697823"/>
+          </a:xfrm>
+          <a:prstGeom prst="curvedConnector3">
+            <a:avLst/>
+          </a:prstGeom>
+          <a:ln w="28575">
+            <a:solidFill>
+              <a:schemeClr val="bg1"/>
+            </a:solidFill>
+            <a:tailEnd type="triangle"/>
+          </a:ln>
+        </p:spPr>
+        <p:style>
+          <a:lnRef idx="1">
+            <a:schemeClr val="accent1"/>
+          </a:lnRef>
+          <a:fillRef idx="0">
+            <a:schemeClr val="accent1"/>
+          </a:fillRef>
+          <a:effectRef idx="0">
+            <a:schemeClr val="accent1"/>
+          </a:effectRef>
+          <a:fontRef idx="minor">
+            <a:schemeClr val="tx1"/>
+          </a:fontRef>
+        </p:style>
+      </p:cxnSp>
+      <p:cxnSp>
+        <p:nvCxnSpPr>
+          <p:cNvPr id="98" name="Curved Connector 97"/>
+          <p:cNvCxnSpPr/>
+          <p:nvPr/>
+        </p:nvCxnSpPr>
+        <p:spPr>
+          <a:xfrm>
+            <a:off x="2036518" y="4530092"/>
+            <a:ext cx="9888528" cy="818226"/>
+          </a:xfrm>
+          <a:prstGeom prst="curvedConnector3">
+            <a:avLst/>
+          </a:prstGeom>
+          <a:ln w="28575">
+            <a:solidFill>
+              <a:schemeClr val="bg1"/>
+            </a:solidFill>
+            <a:tailEnd type="triangle"/>
+          </a:ln>
+        </p:spPr>
+        <p:style>
+          <a:lnRef idx="1">
+            <a:schemeClr val="accent1"/>
+          </a:lnRef>
+          <a:fillRef idx="0">
+            <a:schemeClr val="accent1"/>
+          </a:fillRef>
+          <a:effectRef idx="0">
+            <a:schemeClr val="accent1"/>
+          </a:effectRef>
+          <a:fontRef idx="minor">
+            <a:schemeClr val="tx1"/>
+          </a:fontRef>
+        </p:style>
+      </p:cxnSp>
+      <p:cxnSp>
+        <p:nvCxnSpPr>
+          <p:cNvPr id="99" name="Curved Connector 98"/>
+          <p:cNvCxnSpPr/>
+          <p:nvPr/>
+        </p:nvCxnSpPr>
+        <p:spPr>
+          <a:xfrm>
+            <a:off x="2071994" y="4702524"/>
+            <a:ext cx="9882801" cy="993571"/>
+          </a:xfrm>
+          <a:prstGeom prst="curvedConnector3">
+            <a:avLst/>
+          </a:prstGeom>
+          <a:ln w="28575">
+            <a:solidFill>
+              <a:schemeClr val="bg1"/>
+            </a:solidFill>
+            <a:tailEnd type="triangle"/>
+          </a:ln>
+        </p:spPr>
+        <p:style>
+          <a:lnRef idx="1">
+            <a:schemeClr val="accent1"/>
+          </a:lnRef>
+          <a:fillRef idx="0">
+            <a:schemeClr val="accent1"/>
+          </a:fillRef>
+          <a:effectRef idx="0">
+            <a:schemeClr val="accent1"/>
+          </a:effectRef>
+          <a:fontRef idx="minor">
+            <a:schemeClr val="tx1"/>
+          </a:fontRef>
+        </p:style>
+      </p:cxnSp>
+      <p:cxnSp>
+        <p:nvCxnSpPr>
+          <p:cNvPr id="100" name="Curved Connector 99"/>
+          <p:cNvCxnSpPr/>
+          <p:nvPr/>
+        </p:nvCxnSpPr>
+        <p:spPr>
+          <a:xfrm>
+            <a:off x="1882116" y="4882860"/>
+            <a:ext cx="10082568" cy="1114717"/>
+          </a:xfrm>
+          <a:prstGeom prst="curvedConnector3">
+            <a:avLst/>
+          </a:prstGeom>
+          <a:ln w="28575">
+            <a:solidFill>
+              <a:schemeClr val="bg1"/>
+            </a:solidFill>
+            <a:tailEnd type="triangle"/>
+          </a:ln>
+        </p:spPr>
+        <p:style>
+          <a:lnRef idx="1">
+            <a:schemeClr val="accent1"/>
+          </a:lnRef>
+          <a:fillRef idx="0">
+            <a:schemeClr val="accent1"/>
+          </a:fillRef>
+          <a:effectRef idx="0">
+            <a:schemeClr val="accent1"/>
+          </a:effectRef>
+          <a:fontRef idx="minor">
+            <a:schemeClr val="tx1"/>
+          </a:fontRef>
+        </p:style>
+      </p:cxnSp>
+      <p:cxnSp>
+        <p:nvCxnSpPr>
+          <p:cNvPr id="101" name="Curved Connector 100"/>
+          <p:cNvCxnSpPr/>
+          <p:nvPr/>
+        </p:nvCxnSpPr>
+        <p:spPr>
+          <a:xfrm>
+            <a:off x="1961211" y="5045719"/>
+            <a:ext cx="9967758" cy="1294149"/>
+          </a:xfrm>
+          <a:prstGeom prst="curvedConnector3">
+            <a:avLst/>
+          </a:prstGeom>
+          <a:ln w="28575">
+            <a:solidFill>
+              <a:schemeClr val="bg1"/>
+            </a:solidFill>
+            <a:tailEnd type="triangle"/>
+          </a:ln>
+        </p:spPr>
+        <p:style>
+          <a:lnRef idx="1">
+            <a:schemeClr val="accent1"/>
+          </a:lnRef>
+          <a:fillRef idx="0">
+            <a:schemeClr val="accent1"/>
+          </a:fillRef>
+          <a:effectRef idx="0">
+            <a:schemeClr val="accent1"/>
+          </a:effectRef>
+          <a:fontRef idx="minor">
+            <a:schemeClr val="tx1"/>
+          </a:fontRef>
+        </p:style>
+      </p:cxnSp>
+      <p:cxnSp>
+        <p:nvCxnSpPr>
+          <p:cNvPr id="102" name="Curved Connector 101"/>
+          <p:cNvCxnSpPr/>
+          <p:nvPr/>
+        </p:nvCxnSpPr>
+        <p:spPr>
+          <a:xfrm>
+            <a:off x="1996602" y="5238192"/>
+            <a:ext cx="9853595" cy="1398807"/>
+          </a:xfrm>
+          <a:prstGeom prst="curvedConnector3">
+            <a:avLst/>
+          </a:prstGeom>
+          <a:ln w="28575">
+            <a:solidFill>
+              <a:schemeClr val="bg1"/>
+            </a:solidFill>
+            <a:tailEnd type="triangle"/>
+          </a:ln>
+        </p:spPr>
+        <p:style>
+          <a:lnRef idx="1">
+            <a:schemeClr val="accent1"/>
+          </a:lnRef>
+          <a:fillRef idx="0">
+            <a:schemeClr val="accent1"/>
+          </a:fillRef>
+          <a:effectRef idx="0">
+            <a:schemeClr val="accent1"/>
+          </a:effectRef>
+          <a:fontRef idx="minor">
+            <a:schemeClr val="tx1"/>
+          </a:fontRef>
+        </p:style>
+      </p:cxnSp>
+      <p:cxnSp>
+        <p:nvCxnSpPr>
+          <p:cNvPr id="103" name="Curved Connector 102"/>
+          <p:cNvCxnSpPr/>
+          <p:nvPr/>
+        </p:nvCxnSpPr>
+        <p:spPr>
+          <a:xfrm>
+            <a:off x="2376548" y="5493149"/>
+            <a:ext cx="9358944" cy="1303541"/>
+          </a:xfrm>
+          <a:prstGeom prst="curvedConnector3">
+            <a:avLst/>
+          </a:prstGeom>
+          <a:ln w="28575">
+            <a:solidFill>
+              <a:schemeClr val="bg1"/>
+            </a:solidFill>
+            <a:tailEnd type="triangle"/>
+          </a:ln>
+        </p:spPr>
+        <p:style>
+          <a:lnRef idx="1">
+            <a:schemeClr val="accent1"/>
+          </a:lnRef>
+          <a:fillRef idx="0">
+            <a:schemeClr val="accent1"/>
+          </a:fillRef>
+          <a:effectRef idx="0">
+            <a:schemeClr val="accent1"/>
+          </a:effectRef>
+          <a:fontRef idx="minor">
+            <a:schemeClr val="tx1"/>
+          </a:fontRef>
+        </p:style>
+      </p:cxnSp>
+      <p:cxnSp>
+        <p:nvCxnSpPr>
+          <p:cNvPr id="105" name="Curved Connector 104"/>
+          <p:cNvCxnSpPr/>
+          <p:nvPr/>
+        </p:nvCxnSpPr>
+        <p:spPr>
+          <a:xfrm rot="5400000">
+            <a:off x="1437386" y="6041884"/>
+            <a:ext cx="1271890" cy="382429"/>
+          </a:xfrm>
+          <a:prstGeom prst="curvedConnector3">
+            <a:avLst/>
+          </a:prstGeom>
+          <a:ln w="28575">
+            <a:solidFill>
+              <a:schemeClr val="bg1"/>
+            </a:solidFill>
+            <a:tailEnd type="triangle"/>
+          </a:ln>
+        </p:spPr>
+        <p:style>
+          <a:lnRef idx="1">
+            <a:schemeClr val="accent1"/>
+          </a:lnRef>
+          <a:fillRef idx="0">
+            <a:schemeClr val="accent1"/>
+          </a:fillRef>
+          <a:effectRef idx="0">
+            <a:schemeClr val="accent1"/>
+          </a:effectRef>
+          <a:fontRef idx="minor">
+            <a:schemeClr val="tx1"/>
+          </a:fontRef>
+        </p:style>
+      </p:cxnSp>
+      <p:cxnSp>
+        <p:nvCxnSpPr>
+          <p:cNvPr id="106" name="Curved Connector 105"/>
+          <p:cNvCxnSpPr/>
+          <p:nvPr/>
+        </p:nvCxnSpPr>
+        <p:spPr>
+          <a:xfrm rot="16200000" flipH="1">
+            <a:off x="1865652" y="6099293"/>
+            <a:ext cx="1157964" cy="136173"/>
+          </a:xfrm>
+          <a:prstGeom prst="curvedConnector3">
+            <a:avLst/>
+          </a:prstGeom>
+          <a:ln w="28575">
+            <a:solidFill>
+              <a:schemeClr val="bg1"/>
+            </a:solidFill>
+            <a:tailEnd type="triangle"/>
+          </a:ln>
+        </p:spPr>
+        <p:style>
+          <a:lnRef idx="1">
+            <a:schemeClr val="accent1"/>
+          </a:lnRef>
+          <a:fillRef idx="0">
+            <a:schemeClr val="accent1"/>
+          </a:fillRef>
+          <a:effectRef idx="0">
+            <a:schemeClr val="accent1"/>
+          </a:effectRef>
+          <a:fontRef idx="minor">
+            <a:schemeClr val="tx1"/>
+          </a:fontRef>
+        </p:style>
+      </p:cxnSp>
+      <p:cxnSp>
+        <p:nvCxnSpPr>
+          <p:cNvPr id="113" name="Curved Connector 112"/>
+          <p:cNvCxnSpPr/>
+          <p:nvPr/>
+        </p:nvCxnSpPr>
+        <p:spPr>
+          <a:xfrm rot="16200000" flipH="1">
+            <a:off x="2185886" y="5946958"/>
+            <a:ext cx="1163253" cy="482894"/>
+          </a:xfrm>
+          <a:prstGeom prst="curvedConnector3">
+            <a:avLst/>
+          </a:prstGeom>
+          <a:ln w="28575">
+            <a:solidFill>
+              <a:schemeClr val="bg1"/>
+            </a:solidFill>
+            <a:tailEnd type="triangle"/>
+          </a:ln>
+        </p:spPr>
+        <p:style>
+          <a:lnRef idx="1">
+            <a:schemeClr val="accent1"/>
+          </a:lnRef>
+          <a:fillRef idx="0">
+            <a:schemeClr val="accent1"/>
+          </a:fillRef>
+          <a:effectRef idx="0">
+            <a:schemeClr val="accent1"/>
+          </a:effectRef>
+          <a:fontRef idx="minor">
+            <a:schemeClr val="tx1"/>
+          </a:fontRef>
+        </p:style>
+      </p:cxnSp>
+      <p:cxnSp>
+        <p:nvCxnSpPr>
+          <p:cNvPr id="114" name="Curved Connector 113"/>
+          <p:cNvCxnSpPr/>
+          <p:nvPr/>
+        </p:nvCxnSpPr>
+        <p:spPr>
+          <a:xfrm>
+            <a:off x="2637782" y="5635960"/>
+            <a:ext cx="1129818" cy="1110402"/>
+          </a:xfrm>
+          <a:prstGeom prst="curvedConnector3">
+            <a:avLst/>
+          </a:prstGeom>
+          <a:ln w="28575">
+            <a:solidFill>
+              <a:schemeClr val="bg1"/>
+            </a:solidFill>
+            <a:tailEnd type="triangle"/>
+          </a:ln>
+        </p:spPr>
+        <p:style>
+          <a:lnRef idx="1">
+            <a:schemeClr val="accent1"/>
+          </a:lnRef>
+          <a:fillRef idx="0">
+            <a:schemeClr val="accent1"/>
+          </a:fillRef>
+          <a:effectRef idx="0">
+            <a:schemeClr val="accent1"/>
+          </a:effectRef>
+          <a:fontRef idx="minor">
+            <a:schemeClr val="tx1"/>
+          </a:fontRef>
+        </p:style>
+      </p:cxnSp>
+      <p:cxnSp>
+        <p:nvCxnSpPr>
+          <p:cNvPr id="115" name="Curved Connector 114"/>
+          <p:cNvCxnSpPr/>
+          <p:nvPr/>
+        </p:nvCxnSpPr>
+        <p:spPr>
+          <a:xfrm rot="10800000" flipV="1">
+            <a:off x="516040" y="5696095"/>
+            <a:ext cx="1498874" cy="952562"/>
+          </a:xfrm>
+          <a:prstGeom prst="curvedConnector3">
+            <a:avLst/>
+          </a:prstGeom>
+          <a:ln w="28575">
+            <a:solidFill>
+              <a:schemeClr val="bg1"/>
+            </a:solidFill>
+            <a:tailEnd type="triangle"/>
+          </a:ln>
+        </p:spPr>
+        <p:style>
+          <a:lnRef idx="1">
+            <a:schemeClr val="accent1"/>
+          </a:lnRef>
+          <a:fillRef idx="0">
+            <a:schemeClr val="accent1"/>
+          </a:fillRef>
+          <a:effectRef idx="0">
+            <a:schemeClr val="accent1"/>
+          </a:effectRef>
+          <a:fontRef idx="minor">
+            <a:schemeClr val="tx1"/>
+          </a:fontRef>
+        </p:style>
+      </p:cxnSp>
+      <p:cxnSp>
+        <p:nvCxnSpPr>
+          <p:cNvPr id="116" name="Curved Connector 115"/>
+          <p:cNvCxnSpPr/>
+          <p:nvPr/>
+        </p:nvCxnSpPr>
+        <p:spPr>
+          <a:xfrm rot="5400000">
+            <a:off x="1176381" y="5836426"/>
+            <a:ext cx="1116535" cy="750673"/>
+          </a:xfrm>
+          <a:prstGeom prst="curvedConnector3">
+            <a:avLst/>
+          </a:prstGeom>
+          <a:ln w="28575">
+            <a:solidFill>
+              <a:schemeClr val="bg1"/>
+            </a:solidFill>
+            <a:tailEnd type="triangle"/>
+          </a:ln>
+        </p:spPr>
+        <p:style>
+          <a:lnRef idx="1">
+            <a:schemeClr val="accent1"/>
+          </a:lnRef>
+          <a:fillRef idx="0">
+            <a:schemeClr val="accent1"/>
+          </a:fillRef>
+          <a:effectRef idx="0">
+            <a:schemeClr val="accent1"/>
+          </a:effectRef>
+          <a:fontRef idx="minor">
+            <a:schemeClr val="tx1"/>
+          </a:fontRef>
+        </p:style>
+      </p:cxnSp>
+      <p:cxnSp>
+        <p:nvCxnSpPr>
+          <p:cNvPr id="129" name="Curved Connector 128"/>
+          <p:cNvCxnSpPr/>
+          <p:nvPr/>
+        </p:nvCxnSpPr>
+        <p:spPr>
+          <a:xfrm>
+            <a:off x="2945209" y="5664892"/>
+            <a:ext cx="2683431" cy="1092511"/>
+          </a:xfrm>
+          <a:prstGeom prst="curvedConnector3">
+            <a:avLst/>
+          </a:prstGeom>
+          <a:ln w="28575">
+            <a:solidFill>
+              <a:schemeClr val="bg1"/>
+            </a:solidFill>
+            <a:tailEnd type="triangle"/>
+          </a:ln>
+        </p:spPr>
+        <p:style>
+          <a:lnRef idx="1">
+            <a:schemeClr val="accent1"/>
+          </a:lnRef>
+          <a:fillRef idx="0">
+            <a:schemeClr val="accent1"/>
+          </a:fillRef>
+          <a:effectRef idx="0">
+            <a:schemeClr val="accent1"/>
+          </a:effectRef>
+          <a:fontRef idx="minor">
+            <a:schemeClr val="tx1"/>
+          </a:fontRef>
+        </p:style>
+      </p:cxnSp>
+      <p:cxnSp>
+        <p:nvCxnSpPr>
+          <p:cNvPr id="130" name="Curved Connector 129"/>
+          <p:cNvCxnSpPr/>
+          <p:nvPr/>
+        </p:nvCxnSpPr>
+        <p:spPr>
+          <a:xfrm>
+            <a:off x="2872370" y="5595198"/>
+            <a:ext cx="4341230" cy="1185357"/>
+          </a:xfrm>
+          <a:prstGeom prst="curvedConnector3">
+            <a:avLst/>
+          </a:prstGeom>
+          <a:ln w="28575">
+            <a:solidFill>
+              <a:schemeClr val="bg1"/>
+            </a:solidFill>
+            <a:tailEnd type="triangle"/>
+          </a:ln>
+        </p:spPr>
+        <p:style>
+          <a:lnRef idx="1">
+            <a:schemeClr val="accent1"/>
+          </a:lnRef>
+          <a:fillRef idx="0">
+            <a:schemeClr val="accent1"/>
+          </a:fillRef>
+          <a:effectRef idx="0">
+            <a:schemeClr val="accent1"/>
+          </a:effectRef>
+          <a:fontRef idx="minor">
+            <a:schemeClr val="tx1"/>
+          </a:fontRef>
+        </p:style>
+      </p:cxnSp>
+      <p:cxnSp>
+        <p:nvCxnSpPr>
+          <p:cNvPr id="131" name="Curved Connector 130"/>
+          <p:cNvCxnSpPr/>
+          <p:nvPr/>
+        </p:nvCxnSpPr>
+        <p:spPr>
+          <a:xfrm>
+            <a:off x="2728899" y="5545468"/>
+            <a:ext cx="6872305" cy="1262263"/>
+          </a:xfrm>
+          <a:prstGeom prst="curvedConnector3">
+            <a:avLst/>
+          </a:prstGeom>
+          <a:ln w="28575">
+            <a:solidFill>
+              <a:schemeClr val="bg1"/>
+            </a:solidFill>
+            <a:tailEnd type="triangle"/>
+          </a:ln>
+        </p:spPr>
+        <p:style>
+          <a:lnRef idx="1">
+            <a:schemeClr val="accent1"/>
+          </a:lnRef>
+          <a:fillRef idx="0">
+            <a:schemeClr val="accent1"/>
+          </a:fillRef>
+          <a:effectRef idx="0">
+            <a:schemeClr val="accent1"/>
+          </a:effectRef>
+          <a:fontRef idx="minor">
+            <a:schemeClr val="tx1"/>
+          </a:fontRef>
+        </p:style>
+      </p:cxnSp>
+      <p:sp>
+        <p:nvSpPr>
+          <p:cNvPr id="1070" name="TextBox 1069"/>
+          <p:cNvSpPr txBox="1"/>
+          <p:nvPr/>
+        </p:nvSpPr>
+        <p:spPr>
+          <a:xfrm>
+            <a:off x="2317144" y="224241"/>
+            <a:ext cx="7377974" cy="461665"/>
+          </a:xfrm>
+          <a:prstGeom prst="rect">
+            <a:avLst/>
+          </a:prstGeom>
+          <a:noFill/>
+        </p:spPr>
+        <p:txBody>
+          <a:bodyPr wrap="square" rtlCol="0">
+            <a:spAutoFit/>
+          </a:bodyPr>
+          <a:lstStyle/>
+          <a:p>
+            <a:pPr algn="ctr"/>
+            <a:r>
+              <a:rPr lang="en-US" sz="2400" dirty="0" smtClean="0"/>
+              <a:t>Traditional Cabled Geophone Data Acquisition </a:t>
+            </a:r>
+            <a:r>
+              <a:rPr lang="en-US" sz="2400" dirty="0" smtClean="0"/>
+              <a:t>System</a:t>
+            </a:r>
+            <a:endParaRPr lang="en-US" sz="2400" dirty="0"/>
+          </a:p>
+        </p:txBody>
+      </p:sp>
+      <p:cxnSp>
+        <p:nvCxnSpPr>
+          <p:cNvPr id="1072" name="Straight Arrow Connector 1071"/>
+          <p:cNvCxnSpPr/>
+          <p:nvPr/>
+        </p:nvCxnSpPr>
+        <p:spPr>
+          <a:xfrm flipV="1">
+            <a:off x="3112404" y="1306518"/>
+            <a:ext cx="14621" cy="2538487"/>
+          </a:xfrm>
+          <a:prstGeom prst="straightConnector1">
+            <a:avLst/>
+          </a:prstGeom>
+          <a:ln>
+            <a:solidFill>
+              <a:schemeClr val="tx1"/>
+            </a:solidFill>
+            <a:tailEnd type="triangle"/>
+          </a:ln>
+        </p:spPr>
+        <p:style>
+          <a:lnRef idx="1">
+            <a:schemeClr val="accent1"/>
+          </a:lnRef>
+          <a:fillRef idx="0">
+            <a:schemeClr val="accent1"/>
+          </a:fillRef>
+          <a:effectRef idx="0">
+            <a:schemeClr val="accent1"/>
+          </a:effectRef>
+          <a:fontRef idx="minor">
+            <a:schemeClr val="tx1"/>
+          </a:fontRef>
+        </p:style>
+      </p:cxnSp>
+      <p:cxnSp>
+        <p:nvCxnSpPr>
+          <p:cNvPr id="1077" name="Straight Arrow Connector 1076"/>
+          <p:cNvCxnSpPr/>
+          <p:nvPr/>
+        </p:nvCxnSpPr>
+        <p:spPr>
+          <a:xfrm flipV="1">
+            <a:off x="1123461" y="4258260"/>
+            <a:ext cx="290354" cy="188090"/>
+          </a:xfrm>
+          <a:prstGeom prst="straightConnector1">
+            <a:avLst/>
+          </a:prstGeom>
+          <a:ln>
+            <a:solidFill>
+              <a:schemeClr val="tx1"/>
+            </a:solidFill>
+            <a:tailEnd type="triangle"/>
+          </a:ln>
+        </p:spPr>
+        <p:style>
+          <a:lnRef idx="1">
+            <a:schemeClr val="accent1"/>
+          </a:lnRef>
+          <a:fillRef idx="0">
+            <a:schemeClr val="accent1"/>
+          </a:fillRef>
+          <a:effectRef idx="0">
+            <a:schemeClr val="accent1"/>
+          </a:effectRef>
+          <a:fontRef idx="minor">
+            <a:schemeClr val="tx1"/>
+          </a:fontRef>
+        </p:style>
+      </p:cxnSp>
+      <p:sp>
+        <p:nvSpPr>
+          <p:cNvPr id="1078" name="TextBox 1077"/>
+          <p:cNvSpPr txBox="1"/>
+          <p:nvPr/>
+        </p:nvSpPr>
+        <p:spPr>
+          <a:xfrm>
+            <a:off x="1090815" y="3614964"/>
+            <a:ext cx="2184593" cy="707886"/>
+          </a:xfrm>
+          <a:prstGeom prst="rect">
+            <a:avLst/>
+          </a:prstGeom>
+          <a:noFill/>
+        </p:spPr>
+        <p:txBody>
+          <a:bodyPr wrap="square" rtlCol="0">
+            <a:spAutoFit/>
+          </a:bodyPr>
+          <a:lstStyle/>
+          <a:p>
+            <a:pPr algn="ctr"/>
+            <a:r>
+              <a:rPr lang="en-US" sz="2000" dirty="0" smtClean="0"/>
+              <a:t>Vibrating Plate(Epicenter)</a:t>
+            </a:r>
+            <a:endParaRPr lang="en-US" sz="2000" dirty="0"/>
+          </a:p>
+        </p:txBody>
+      </p:sp>
+      <p:cxnSp>
+        <p:nvCxnSpPr>
+          <p:cNvPr id="152" name="Straight Arrow Connector 151"/>
+          <p:cNvCxnSpPr/>
+          <p:nvPr/>
+        </p:nvCxnSpPr>
+        <p:spPr>
+          <a:xfrm flipV="1">
+            <a:off x="807564" y="2107174"/>
+            <a:ext cx="81440" cy="310815"/>
+          </a:xfrm>
+          <a:prstGeom prst="straightConnector1">
+            <a:avLst/>
+          </a:prstGeom>
+          <a:ln>
+            <a:solidFill>
+              <a:schemeClr val="tx1"/>
+            </a:solidFill>
+            <a:tailEnd type="triangle"/>
+          </a:ln>
+        </p:spPr>
+        <p:style>
+          <a:lnRef idx="1">
+            <a:schemeClr val="accent1"/>
+          </a:lnRef>
+          <a:fillRef idx="0">
+            <a:schemeClr val="accent1"/>
+          </a:fillRef>
+          <a:effectRef idx="0">
+            <a:schemeClr val="accent1"/>
+          </a:effectRef>
+          <a:fontRef idx="minor">
+            <a:schemeClr val="tx1"/>
+          </a:fontRef>
+        </p:style>
+      </p:cxnSp>
+      <p:sp>
+        <p:nvSpPr>
+          <p:cNvPr id="1079" name="TextBox 1078"/>
+          <p:cNvSpPr txBox="1"/>
+          <p:nvPr/>
+        </p:nvSpPr>
+        <p:spPr>
+          <a:xfrm>
+            <a:off x="522090" y="1556642"/>
+            <a:ext cx="1795054" cy="830997"/>
+          </a:xfrm>
+          <a:prstGeom prst="rect">
+            <a:avLst/>
+          </a:prstGeom>
+          <a:noFill/>
+        </p:spPr>
+        <p:txBody>
+          <a:bodyPr wrap="square" rtlCol="0">
+            <a:spAutoFit/>
+          </a:bodyPr>
+          <a:lstStyle/>
+          <a:p>
+            <a:pPr algn="ctr"/>
+            <a:r>
+              <a:rPr lang="en-US" sz="1600" dirty="0" smtClean="0"/>
+              <a:t>Source </a:t>
+            </a:r>
+            <a:r>
+              <a:rPr lang="en-US" sz="1600" dirty="0" smtClean="0"/>
+              <a:t>(</a:t>
+            </a:r>
+            <a:r>
+              <a:rPr lang="en-US" sz="1600" dirty="0" err="1" smtClean="0"/>
+              <a:t>Veibroseis</a:t>
+            </a:r>
+            <a:r>
+              <a:rPr lang="en-US" sz="1600" dirty="0" smtClean="0"/>
+              <a:t>  </a:t>
+            </a:r>
+            <a:r>
+              <a:rPr lang="en-US" sz="1600" dirty="0"/>
+              <a:t>s</a:t>
+            </a:r>
+            <a:r>
+              <a:rPr lang="en-US" sz="1600" dirty="0" smtClean="0"/>
+              <a:t>etup, Motor with Piston</a:t>
+            </a:r>
+            <a:r>
+              <a:rPr lang="en-US" sz="1600" dirty="0" smtClean="0"/>
+              <a:t>)</a:t>
+            </a:r>
+            <a:endParaRPr lang="en-US" sz="1600" dirty="0"/>
+          </a:p>
+        </p:txBody>
+      </p:sp>
+      <p:sp>
+        <p:nvSpPr>
+          <p:cNvPr id="1080" name="TextBox 1079"/>
+          <p:cNvSpPr txBox="1"/>
+          <p:nvPr/>
+        </p:nvSpPr>
+        <p:spPr>
+          <a:xfrm>
+            <a:off x="10144609" y="4497880"/>
+            <a:ext cx="2354049" cy="830997"/>
+          </a:xfrm>
+          <a:prstGeom prst="rect">
+            <a:avLst/>
+          </a:prstGeom>
+          <a:noFill/>
+        </p:spPr>
+        <p:txBody>
+          <a:bodyPr wrap="square" rtlCol="0">
+            <a:spAutoFit/>
+          </a:bodyPr>
+          <a:lstStyle/>
+          <a:p>
+            <a:pPr algn="ctr"/>
+            <a:r>
+              <a:rPr lang="en-US" sz="2400" b="1" dirty="0" smtClean="0">
+                <a:solidFill>
+                  <a:schemeClr val="bg1"/>
+                </a:solidFill>
+              </a:rPr>
+              <a:t>Vibrational </a:t>
+            </a:r>
+          </a:p>
+          <a:p>
+            <a:pPr algn="ctr"/>
+            <a:r>
+              <a:rPr lang="en-US" sz="2400" b="1" dirty="0" smtClean="0">
+                <a:solidFill>
+                  <a:schemeClr val="bg1"/>
+                </a:solidFill>
+              </a:rPr>
+              <a:t>Waves</a:t>
+            </a:r>
+            <a:endParaRPr lang="en-US" sz="2400" b="1" dirty="0">
+              <a:solidFill>
+                <a:schemeClr val="bg1"/>
+              </a:solidFill>
+            </a:endParaRPr>
+          </a:p>
+        </p:txBody>
+      </p:sp>
       <p:grpSp>
         <p:nvGrpSpPr>
-          <p:cNvPr id="18" name="Group 17"/>
+          <p:cNvPr id="91" name="Group 90"/>
           <p:cNvGrpSpPr/>
           <p:nvPr/>
         </p:nvGrpSpPr>
         <p:grpSpPr>
           <a:xfrm>
-            <a:off x="4654347" y="3852721"/>
-            <a:ext cx="432619" cy="619431"/>
-            <a:chOff x="3018502" y="2241756"/>
-            <a:chExt cx="432619" cy="619431"/>
+            <a:off x="10501081" y="2093539"/>
+            <a:ext cx="448876" cy="2351861"/>
+            <a:chOff x="2998842" y="2095715"/>
+            <a:chExt cx="448876" cy="2351861"/>
           </a:xfrm>
         </p:grpSpPr>
         <p:cxnSp>
           <p:nvCxnSpPr>
-            <p:cNvPr id="19" name="Straight Connector 18"/>
+            <p:cNvPr id="92" name="Straight Connector 91"/>
             <p:cNvCxnSpPr/>
             <p:nvPr/>
           </p:nvCxnSpPr>
           <p:spPr>
-            <a:xfrm>
-              <a:off x="3018503" y="2251587"/>
-              <a:ext cx="0" cy="609600"/>
+            <a:xfrm flipH="1">
+              <a:off x="2998842" y="2108457"/>
+              <a:ext cx="10118" cy="2339119"/>
             </a:xfrm>
             <a:prstGeom prst="line">
               <a:avLst/>
@@ -3373,13 +4337,13 @@
         </p:cxnSp>
         <p:sp>
           <p:nvSpPr>
-            <p:cNvPr id="20" name="Isosceles Triangle 19"/>
+            <p:cNvPr id="93" name="Isosceles Triangle 92"/>
             <p:cNvSpPr/>
             <p:nvPr/>
           </p:nvSpPr>
           <p:spPr>
             <a:xfrm rot="5400000">
-              <a:off x="3097160" y="2163098"/>
+              <a:off x="3093757" y="2017057"/>
               <a:ext cx="275304" cy="432619"/>
             </a:xfrm>
             <a:prstGeom prst="triangle">
@@ -3422,28 +4386,28 @@
       </p:grpSp>
       <p:grpSp>
         <p:nvGrpSpPr>
-          <p:cNvPr id="21" name="Group 20"/>
+          <p:cNvPr id="94" name="Group 93"/>
           <p:cNvGrpSpPr/>
           <p:nvPr/>
         </p:nvGrpSpPr>
         <p:grpSpPr>
           <a:xfrm>
-            <a:off x="6231196" y="3847806"/>
-            <a:ext cx="432619" cy="619431"/>
-            <a:chOff x="3018502" y="2241756"/>
-            <a:chExt cx="432619" cy="619431"/>
+            <a:off x="9401310" y="2077706"/>
+            <a:ext cx="448876" cy="2351861"/>
+            <a:chOff x="2998842" y="2095715"/>
+            <a:chExt cx="448876" cy="2351861"/>
           </a:xfrm>
         </p:grpSpPr>
         <p:cxnSp>
           <p:nvCxnSpPr>
-            <p:cNvPr id="22" name="Straight Connector 21"/>
+            <p:cNvPr id="95" name="Straight Connector 94"/>
             <p:cNvCxnSpPr/>
             <p:nvPr/>
           </p:nvCxnSpPr>
           <p:spPr>
-            <a:xfrm>
-              <a:off x="3018503" y="2251587"/>
-              <a:ext cx="0" cy="609600"/>
+            <a:xfrm flipH="1">
+              <a:off x="2998842" y="2108457"/>
+              <a:ext cx="10118" cy="2339119"/>
             </a:xfrm>
             <a:prstGeom prst="line">
               <a:avLst/>
@@ -3471,13 +4435,13 @@
         </p:cxnSp>
         <p:sp>
           <p:nvSpPr>
-            <p:cNvPr id="23" name="Isosceles Triangle 22"/>
+            <p:cNvPr id="96" name="Isosceles Triangle 95"/>
             <p:cNvSpPr/>
             <p:nvPr/>
           </p:nvSpPr>
           <p:spPr>
             <a:xfrm rot="5400000">
-              <a:off x="3097160" y="2163098"/>
+              <a:off x="3093757" y="2017057"/>
               <a:ext cx="275304" cy="432619"/>
             </a:xfrm>
             <a:prstGeom prst="triangle">
@@ -3520,28 +4484,28 @@
       </p:grpSp>
       <p:grpSp>
         <p:nvGrpSpPr>
-          <p:cNvPr id="24" name="Group 23"/>
+          <p:cNvPr id="97" name="Group 96"/>
           <p:cNvGrpSpPr/>
           <p:nvPr/>
         </p:nvGrpSpPr>
         <p:grpSpPr>
           <a:xfrm>
-            <a:off x="7808045" y="3857637"/>
-            <a:ext cx="432619" cy="619431"/>
-            <a:chOff x="3018502" y="2241756"/>
-            <a:chExt cx="432619" cy="619431"/>
+            <a:off x="5084235" y="2069555"/>
+            <a:ext cx="448876" cy="2351861"/>
+            <a:chOff x="2998842" y="2095715"/>
+            <a:chExt cx="448876" cy="2351861"/>
           </a:xfrm>
         </p:grpSpPr>
         <p:cxnSp>
           <p:nvCxnSpPr>
-            <p:cNvPr id="25" name="Straight Connector 24"/>
+            <p:cNvPr id="104" name="Straight Connector 103"/>
             <p:cNvCxnSpPr/>
             <p:nvPr/>
           </p:nvCxnSpPr>
           <p:spPr>
-            <a:xfrm>
-              <a:off x="3018503" y="2251587"/>
-              <a:ext cx="0" cy="609600"/>
+            <a:xfrm flipH="1">
+              <a:off x="2998842" y="2108457"/>
+              <a:ext cx="10118" cy="2339119"/>
             </a:xfrm>
             <a:prstGeom prst="line">
               <a:avLst/>
@@ -3569,13 +4533,13 @@
         </p:cxnSp>
         <p:sp>
           <p:nvSpPr>
-            <p:cNvPr id="26" name="Isosceles Triangle 25"/>
+            <p:cNvPr id="107" name="Isosceles Triangle 106"/>
             <p:cNvSpPr/>
             <p:nvPr/>
           </p:nvSpPr>
           <p:spPr>
             <a:xfrm rot="5400000">
-              <a:off x="3097160" y="2163098"/>
+              <a:off x="3093757" y="2017057"/>
               <a:ext cx="275304" cy="432619"/>
             </a:xfrm>
             <a:prstGeom prst="triangle">
@@ -3618,28 +4582,28 @@
       </p:grpSp>
       <p:grpSp>
         <p:nvGrpSpPr>
-          <p:cNvPr id="27" name="Group 26"/>
+          <p:cNvPr id="108" name="Group 107"/>
           <p:cNvGrpSpPr/>
           <p:nvPr/>
         </p:nvGrpSpPr>
         <p:grpSpPr>
           <a:xfrm>
-            <a:off x="9384894" y="3823225"/>
-            <a:ext cx="432619" cy="619431"/>
-            <a:chOff x="3018502" y="2241756"/>
-            <a:chExt cx="432619" cy="619431"/>
+            <a:off x="4208794" y="2064964"/>
+            <a:ext cx="448876" cy="2351861"/>
+            <a:chOff x="2998842" y="2095715"/>
+            <a:chExt cx="448876" cy="2351861"/>
           </a:xfrm>
         </p:grpSpPr>
         <p:cxnSp>
           <p:nvCxnSpPr>
-            <p:cNvPr id="28" name="Straight Connector 27"/>
+            <p:cNvPr id="109" name="Straight Connector 108"/>
             <p:cNvCxnSpPr/>
             <p:nvPr/>
           </p:nvCxnSpPr>
           <p:spPr>
-            <a:xfrm>
-              <a:off x="3018503" y="2251587"/>
-              <a:ext cx="0" cy="609600"/>
+            <a:xfrm flipH="1">
+              <a:off x="2998842" y="2108457"/>
+              <a:ext cx="10118" cy="2339119"/>
             </a:xfrm>
             <a:prstGeom prst="line">
               <a:avLst/>
@@ -3667,13 +4631,13 @@
         </p:cxnSp>
         <p:sp>
           <p:nvSpPr>
-            <p:cNvPr id="29" name="Isosceles Triangle 28"/>
+            <p:cNvPr id="110" name="Isosceles Triangle 109"/>
             <p:cNvSpPr/>
             <p:nvPr/>
           </p:nvSpPr>
           <p:spPr>
             <a:xfrm rot="5400000">
-              <a:off x="3097160" y="2163098"/>
+              <a:off x="3093757" y="2017057"/>
               <a:ext cx="275304" cy="432619"/>
             </a:xfrm>
             <a:prstGeom prst="triangle">
@@ -3714,15 +4678,551 @@
           </p:txBody>
         </p:sp>
       </p:grpSp>
+      <p:sp>
+        <p:nvSpPr>
+          <p:cNvPr id="4" name="Rounded Rectangle 3"/>
+          <p:cNvSpPr/>
+          <p:nvPr/>
+        </p:nvSpPr>
+        <p:spPr>
+          <a:xfrm>
+            <a:off x="540065" y="2354566"/>
+            <a:ext cx="619503" cy="1164638"/>
+          </a:xfrm>
+          <a:prstGeom prst="roundRect">
+            <a:avLst/>
+          </a:prstGeom>
+          <a:solidFill>
+            <a:srgbClr val="FF0000"/>
+          </a:solidFill>
+          <a:ln>
+            <a:solidFill>
+              <a:schemeClr val="tx1"/>
+            </a:solidFill>
+          </a:ln>
+        </p:spPr>
+        <p:style>
+          <a:lnRef idx="2">
+            <a:schemeClr val="accent1">
+              <a:shade val="50000"/>
+            </a:schemeClr>
+          </a:lnRef>
+          <a:fillRef idx="1">
+            <a:schemeClr val="accent1"/>
+          </a:fillRef>
+          <a:effectRef idx="0">
+            <a:schemeClr val="accent1"/>
+          </a:effectRef>
+          <a:fontRef idx="minor">
+            <a:schemeClr val="lt1"/>
+          </a:fontRef>
+        </p:style>
+        <p:txBody>
+          <a:bodyPr rtlCol="0" anchor="ctr"/>
+          <a:lstStyle/>
+          <a:p>
+            <a:pPr algn="ctr"/>
+            <a:endParaRPr lang="en-US"/>
+          </a:p>
+        </p:txBody>
+      </p:sp>
+      <p:sp>
+        <p:nvSpPr>
+          <p:cNvPr id="9" name="Rectangle 8"/>
+          <p:cNvSpPr/>
+          <p:nvPr/>
+        </p:nvSpPr>
+        <p:spPr>
+          <a:xfrm>
+            <a:off x="768640" y="3068614"/>
+            <a:ext cx="166441" cy="875813"/>
+          </a:xfrm>
+          <a:prstGeom prst="rect">
+            <a:avLst/>
+          </a:prstGeom>
+          <a:solidFill>
+            <a:schemeClr val="tx1"/>
+          </a:solidFill>
+          <a:ln>
+            <a:solidFill>
+              <a:schemeClr val="tx1"/>
+            </a:solidFill>
+          </a:ln>
+        </p:spPr>
+        <p:style>
+          <a:lnRef idx="2">
+            <a:schemeClr val="accent1">
+              <a:shade val="50000"/>
+            </a:schemeClr>
+          </a:lnRef>
+          <a:fillRef idx="1">
+            <a:schemeClr val="accent1"/>
+          </a:fillRef>
+          <a:effectRef idx="0">
+            <a:schemeClr val="accent1"/>
+          </a:effectRef>
+          <a:fontRef idx="minor">
+            <a:schemeClr val="lt1"/>
+          </a:fontRef>
+        </p:style>
+        <p:txBody>
+          <a:bodyPr rtlCol="0" anchor="ctr"/>
+          <a:lstStyle/>
+          <a:p>
+            <a:pPr algn="ctr"/>
+            <a:endParaRPr lang="en-US"/>
+          </a:p>
+        </p:txBody>
+      </p:sp>
       <p:grpSp>
         <p:nvGrpSpPr>
-          <p:cNvPr id="63" name="Group 62"/>
+          <p:cNvPr id="17" name="Group 16"/>
           <p:cNvGrpSpPr/>
           <p:nvPr/>
         </p:nvGrpSpPr>
         <p:grpSpPr>
           <a:xfrm>
-            <a:off x="3570955" y="3906792"/>
+            <a:off x="507729" y="4302393"/>
+            <a:ext cx="619503" cy="294380"/>
+            <a:chOff x="524953" y="4176476"/>
+            <a:chExt cx="619503" cy="294380"/>
+          </a:xfrm>
+        </p:grpSpPr>
+        <p:sp>
+          <p:nvSpPr>
+            <p:cNvPr id="12" name="Oval 11"/>
+            <p:cNvSpPr/>
+            <p:nvPr/>
+          </p:nvSpPr>
+          <p:spPr>
+            <a:xfrm>
+              <a:off x="524953" y="4176476"/>
+              <a:ext cx="619503" cy="294380"/>
+            </a:xfrm>
+            <a:prstGeom prst="ellipse">
+              <a:avLst/>
+            </a:prstGeom>
+            <a:solidFill>
+              <a:schemeClr val="tx1"/>
+            </a:solidFill>
+            <a:ln>
+              <a:solidFill>
+                <a:schemeClr val="tx1"/>
+              </a:solidFill>
+            </a:ln>
+          </p:spPr>
+          <p:style>
+            <a:lnRef idx="2">
+              <a:schemeClr val="accent1">
+                <a:shade val="50000"/>
+              </a:schemeClr>
+            </a:lnRef>
+            <a:fillRef idx="1">
+              <a:schemeClr val="accent1"/>
+            </a:fillRef>
+            <a:effectRef idx="0">
+              <a:schemeClr val="accent1"/>
+            </a:effectRef>
+            <a:fontRef idx="minor">
+              <a:schemeClr val="lt1"/>
+            </a:fontRef>
+          </p:style>
+          <p:txBody>
+            <a:bodyPr rtlCol="0" anchor="ctr"/>
+            <a:lstStyle/>
+            <a:p>
+              <a:pPr algn="ctr"/>
+              <a:endParaRPr lang="en-US"/>
+            </a:p>
+          </p:txBody>
+        </p:sp>
+        <p:sp>
+          <p:nvSpPr>
+            <p:cNvPr id="13" name="Oval 12"/>
+            <p:cNvSpPr/>
+            <p:nvPr/>
+          </p:nvSpPr>
+          <p:spPr>
+            <a:xfrm>
+              <a:off x="741692" y="4277379"/>
+              <a:ext cx="164536" cy="86937"/>
+            </a:xfrm>
+            <a:prstGeom prst="ellipse">
+              <a:avLst/>
+            </a:prstGeom>
+            <a:solidFill>
+              <a:schemeClr val="bg1"/>
+            </a:solidFill>
+            <a:ln>
+              <a:solidFill>
+                <a:schemeClr val="tx1"/>
+              </a:solidFill>
+            </a:ln>
+          </p:spPr>
+          <p:style>
+            <a:lnRef idx="2">
+              <a:schemeClr val="accent1">
+                <a:shade val="50000"/>
+              </a:schemeClr>
+            </a:lnRef>
+            <a:fillRef idx="1">
+              <a:schemeClr val="accent1"/>
+            </a:fillRef>
+            <a:effectRef idx="0">
+              <a:schemeClr val="accent1"/>
+            </a:effectRef>
+            <a:fontRef idx="minor">
+              <a:schemeClr val="lt1"/>
+            </a:fontRef>
+          </p:style>
+          <p:txBody>
+            <a:bodyPr rtlCol="0" anchor="ctr"/>
+            <a:lstStyle/>
+            <a:p>
+              <a:pPr algn="ctr"/>
+              <a:endParaRPr lang="en-US"/>
+            </a:p>
+          </p:txBody>
+        </p:sp>
+      </p:grpSp>
+      <p:sp>
+        <p:nvSpPr>
+          <p:cNvPr id="15" name="Rectangle 14"/>
+          <p:cNvSpPr/>
+          <p:nvPr/>
+        </p:nvSpPr>
+        <p:spPr>
+          <a:xfrm>
+            <a:off x="0" y="1457061"/>
+            <a:ext cx="540065" cy="2486684"/>
+          </a:xfrm>
+          <a:prstGeom prst="rect">
+            <a:avLst/>
+          </a:prstGeom>
+          <a:solidFill>
+            <a:schemeClr val="accent3">
+              <a:lumMod val="60000"/>
+              <a:lumOff val="40000"/>
+            </a:schemeClr>
+          </a:solidFill>
+          <a:ln>
+            <a:solidFill>
+              <a:schemeClr val="tx1"/>
+            </a:solidFill>
+          </a:ln>
+        </p:spPr>
+        <p:style>
+          <a:lnRef idx="2">
+            <a:schemeClr val="accent1">
+              <a:shade val="50000"/>
+            </a:schemeClr>
+          </a:lnRef>
+          <a:fillRef idx="1">
+            <a:schemeClr val="accent1"/>
+          </a:fillRef>
+          <a:effectRef idx="0">
+            <a:schemeClr val="accent1"/>
+          </a:effectRef>
+          <a:fontRef idx="minor">
+            <a:schemeClr val="lt1"/>
+          </a:fontRef>
+        </p:style>
+        <p:txBody>
+          <a:bodyPr rtlCol="0" anchor="ctr"/>
+          <a:lstStyle/>
+          <a:p>
+            <a:pPr algn="ctr"/>
+            <a:endParaRPr lang="en-US"/>
+          </a:p>
+        </p:txBody>
+      </p:sp>
+      <p:sp>
+        <p:nvSpPr>
+          <p:cNvPr id="16" name="Oval 15"/>
+          <p:cNvSpPr/>
+          <p:nvPr/>
+        </p:nvSpPr>
+        <p:spPr>
+          <a:xfrm>
+            <a:off x="-113205" y="3941085"/>
+            <a:ext cx="496007" cy="493803"/>
+          </a:xfrm>
+          <a:prstGeom prst="ellipse">
+            <a:avLst/>
+          </a:prstGeom>
+          <a:solidFill>
+            <a:schemeClr val="tx1"/>
+          </a:solidFill>
+          <a:ln>
+            <a:solidFill>
+              <a:schemeClr val="tx1"/>
+            </a:solidFill>
+          </a:ln>
+        </p:spPr>
+        <p:style>
+          <a:lnRef idx="2">
+            <a:schemeClr val="accent1">
+              <a:shade val="50000"/>
+            </a:schemeClr>
+          </a:lnRef>
+          <a:fillRef idx="1">
+            <a:schemeClr val="accent1"/>
+          </a:fillRef>
+          <a:effectRef idx="0">
+            <a:schemeClr val="accent1"/>
+          </a:effectRef>
+          <a:fontRef idx="minor">
+            <a:schemeClr val="lt1"/>
+          </a:fontRef>
+        </p:style>
+        <p:txBody>
+          <a:bodyPr rtlCol="0" anchor="ctr"/>
+          <a:lstStyle/>
+          <a:p>
+            <a:pPr algn="ctr"/>
+            <a:endParaRPr lang="en-US"/>
+          </a:p>
+        </p:txBody>
+      </p:sp>
+      <p:cxnSp>
+        <p:nvCxnSpPr>
+          <p:cNvPr id="24" name="Straight Connector 23"/>
+          <p:cNvCxnSpPr/>
+          <p:nvPr/>
+        </p:nvCxnSpPr>
+        <p:spPr>
+          <a:xfrm>
+            <a:off x="5682526" y="2194139"/>
+            <a:ext cx="3649557" cy="8334"/>
+          </a:xfrm>
+          <a:prstGeom prst="line">
+            <a:avLst/>
+          </a:prstGeom>
+          <a:ln w="28575">
+            <a:solidFill>
+              <a:schemeClr val="tx1"/>
+            </a:solidFill>
+            <a:prstDash val="dash"/>
+          </a:ln>
+        </p:spPr>
+        <p:style>
+          <a:lnRef idx="1">
+            <a:schemeClr val="accent1"/>
+          </a:lnRef>
+          <a:fillRef idx="0">
+            <a:schemeClr val="accent1"/>
+          </a:fillRef>
+          <a:effectRef idx="0">
+            <a:schemeClr val="accent1"/>
+          </a:effectRef>
+          <a:fontRef idx="minor">
+            <a:schemeClr val="tx1"/>
+          </a:fontRef>
+        </p:style>
+      </p:cxnSp>
+      <p:cxnSp>
+        <p:nvCxnSpPr>
+          <p:cNvPr id="122" name="Straight Connector 121"/>
+          <p:cNvCxnSpPr/>
+          <p:nvPr/>
+        </p:nvCxnSpPr>
+        <p:spPr>
+          <a:xfrm>
+            <a:off x="5628640" y="3406836"/>
+            <a:ext cx="2766797" cy="6662"/>
+          </a:xfrm>
+          <a:prstGeom prst="line">
+            <a:avLst/>
+          </a:prstGeom>
+          <a:ln w="28575">
+            <a:solidFill>
+              <a:schemeClr val="tx1"/>
+            </a:solidFill>
+            <a:prstDash val="dash"/>
+          </a:ln>
+        </p:spPr>
+        <p:style>
+          <a:lnRef idx="1">
+            <a:schemeClr val="accent1"/>
+          </a:lnRef>
+          <a:fillRef idx="0">
+            <a:schemeClr val="accent1"/>
+          </a:fillRef>
+          <a:effectRef idx="0">
+            <a:schemeClr val="accent1"/>
+          </a:effectRef>
+          <a:fontRef idx="minor">
+            <a:schemeClr val="tx1"/>
+          </a:fontRef>
+        </p:style>
+      </p:cxnSp>
+      <p:sp>
+        <p:nvSpPr>
+          <p:cNvPr id="26" name="TextBox 25"/>
+          <p:cNvSpPr txBox="1"/>
+          <p:nvPr/>
+        </p:nvSpPr>
+        <p:spPr>
+          <a:xfrm>
+            <a:off x="3329153" y="2408344"/>
+            <a:ext cx="363839" cy="369332"/>
+          </a:xfrm>
+          <a:prstGeom prst="rect">
+            <a:avLst/>
+          </a:prstGeom>
+          <a:noFill/>
+        </p:spPr>
+        <p:txBody>
+          <a:bodyPr wrap="square" rtlCol="0">
+            <a:spAutoFit/>
+          </a:bodyPr>
+          <a:lstStyle/>
+          <a:p>
+            <a:r>
+              <a:rPr lang="en-US" dirty="0" smtClean="0"/>
+              <a:t>1.</a:t>
+            </a:r>
+            <a:endParaRPr lang="en-US" dirty="0"/>
+          </a:p>
+        </p:txBody>
+      </p:sp>
+      <p:sp>
+        <p:nvSpPr>
+          <p:cNvPr id="123" name="TextBox 122"/>
+          <p:cNvSpPr txBox="1"/>
+          <p:nvPr/>
+        </p:nvSpPr>
+        <p:spPr>
+          <a:xfrm>
+            <a:off x="4246976" y="2417989"/>
+            <a:ext cx="363839" cy="369332"/>
+          </a:xfrm>
+          <a:prstGeom prst="rect">
+            <a:avLst/>
+          </a:prstGeom>
+          <a:noFill/>
+        </p:spPr>
+        <p:txBody>
+          <a:bodyPr wrap="square" rtlCol="0">
+            <a:spAutoFit/>
+          </a:bodyPr>
+          <a:lstStyle/>
+          <a:p>
+            <a:r>
+              <a:rPr lang="en-US" dirty="0"/>
+              <a:t>2</a:t>
+            </a:r>
+            <a:r>
+              <a:rPr lang="en-US" dirty="0" smtClean="0"/>
+              <a:t>.</a:t>
+            </a:r>
+            <a:endParaRPr lang="en-US" dirty="0"/>
+          </a:p>
+        </p:txBody>
+      </p:sp>
+      <p:sp>
+        <p:nvSpPr>
+          <p:cNvPr id="124" name="TextBox 123"/>
+          <p:cNvSpPr txBox="1"/>
+          <p:nvPr/>
+        </p:nvSpPr>
+        <p:spPr>
+          <a:xfrm>
+            <a:off x="10517338" y="2358066"/>
+            <a:ext cx="523156" cy="369332"/>
+          </a:xfrm>
+          <a:prstGeom prst="rect">
+            <a:avLst/>
+          </a:prstGeom>
+          <a:noFill/>
+        </p:spPr>
+        <p:txBody>
+          <a:bodyPr wrap="square" rtlCol="0">
+            <a:spAutoFit/>
+          </a:bodyPr>
+          <a:lstStyle/>
+          <a:p>
+            <a:r>
+              <a:rPr lang="en-US" dirty="0" smtClean="0"/>
+              <a:t>24.</a:t>
+            </a:r>
+            <a:endParaRPr lang="en-US" dirty="0"/>
+          </a:p>
+        </p:txBody>
+      </p:sp>
+      <p:sp>
+        <p:nvSpPr>
+          <p:cNvPr id="125" name="TextBox 124"/>
+          <p:cNvSpPr txBox="1"/>
+          <p:nvPr/>
+        </p:nvSpPr>
+        <p:spPr>
+          <a:xfrm>
+            <a:off x="5102686" y="2408344"/>
+            <a:ext cx="363839" cy="369332"/>
+          </a:xfrm>
+          <a:prstGeom prst="rect">
+            <a:avLst/>
+          </a:prstGeom>
+          <a:noFill/>
+        </p:spPr>
+        <p:txBody>
+          <a:bodyPr wrap="square" rtlCol="0">
+            <a:spAutoFit/>
+          </a:bodyPr>
+          <a:lstStyle/>
+          <a:p>
+            <a:r>
+              <a:rPr lang="en-US" dirty="0"/>
+              <a:t>3</a:t>
+            </a:r>
+            <a:r>
+              <a:rPr lang="en-US" dirty="0" smtClean="0"/>
+              <a:t>.</a:t>
+            </a:r>
+            <a:endParaRPr lang="en-US" dirty="0"/>
+          </a:p>
+        </p:txBody>
+      </p:sp>
+      <p:sp>
+        <p:nvSpPr>
+          <p:cNvPr id="126" name="TextBox 125"/>
+          <p:cNvSpPr txBox="1"/>
+          <p:nvPr/>
+        </p:nvSpPr>
+        <p:spPr>
+          <a:xfrm>
+            <a:off x="9446038" y="2394255"/>
+            <a:ext cx="565245" cy="369332"/>
+          </a:xfrm>
+          <a:prstGeom prst="rect">
+            <a:avLst/>
+          </a:prstGeom>
+          <a:noFill/>
+        </p:spPr>
+        <p:txBody>
+          <a:bodyPr wrap="square" rtlCol="0">
+            <a:spAutoFit/>
+          </a:bodyPr>
+          <a:lstStyle/>
+          <a:p>
+            <a:r>
+              <a:rPr lang="en-US" dirty="0" smtClean="0"/>
+              <a:t>23.</a:t>
+            </a:r>
+            <a:endParaRPr lang="en-US" dirty="0"/>
+          </a:p>
+        </p:txBody>
+      </p:sp>
+      <p:grpSp>
+        <p:nvGrpSpPr>
+          <p:cNvPr id="127" name="Group 126"/>
+          <p:cNvGrpSpPr/>
+          <p:nvPr/>
+        </p:nvGrpSpPr>
+        <p:grpSpPr>
+          <a:xfrm>
+            <a:off x="3014784" y="3888267"/>
             <a:ext cx="294968" cy="1012723"/>
             <a:chOff x="3570954" y="4719473"/>
             <a:chExt cx="294968" cy="1012723"/>
@@ -3730,7 +5230,7 @@
         </p:grpSpPr>
         <p:sp>
           <p:nvSpPr>
-            <p:cNvPr id="17" name="Rounded Rectangle 16"/>
+            <p:cNvPr id="128" name="Rounded Rectangle 127"/>
             <p:cNvSpPr/>
             <p:nvPr/>
           </p:nvSpPr>
@@ -3773,7 +5273,7 @@
         </p:sp>
         <p:sp>
           <p:nvSpPr>
-            <p:cNvPr id="30" name="Isosceles Triangle 29"/>
+            <p:cNvPr id="132" name="Isosceles Triangle 131"/>
             <p:cNvSpPr/>
             <p:nvPr/>
           </p:nvSpPr>
@@ -3822,13 +5322,13 @@
       </p:grpSp>
       <p:grpSp>
         <p:nvGrpSpPr>
-          <p:cNvPr id="1024" name="Group 1023"/>
+          <p:cNvPr id="133" name="Group 132"/>
           <p:cNvGrpSpPr/>
           <p:nvPr/>
         </p:nvGrpSpPr>
         <p:grpSpPr>
           <a:xfrm>
-            <a:off x="5148265" y="3906792"/>
+            <a:off x="3873286" y="3896959"/>
             <a:ext cx="294968" cy="1012723"/>
             <a:chOff x="5148264" y="4719473"/>
             <a:chExt cx="294968" cy="1012723"/>
@@ -3836,7 +5336,7 @@
         </p:grpSpPr>
         <p:sp>
           <p:nvSpPr>
-            <p:cNvPr id="34" name="Rounded Rectangle 33"/>
+            <p:cNvPr id="134" name="Rounded Rectangle 133"/>
             <p:cNvSpPr/>
             <p:nvPr/>
           </p:nvSpPr>
@@ -3879,7 +5379,7 @@
         </p:sp>
         <p:sp>
           <p:nvSpPr>
-            <p:cNvPr id="35" name="Isosceles Triangle 34"/>
+            <p:cNvPr id="135" name="Isosceles Triangle 134"/>
             <p:cNvSpPr/>
             <p:nvPr/>
           </p:nvSpPr>
@@ -3928,13 +5428,13 @@
       </p:grpSp>
       <p:grpSp>
         <p:nvGrpSpPr>
-          <p:cNvPr id="1025" name="Group 1024"/>
+          <p:cNvPr id="136" name="Group 135"/>
           <p:cNvGrpSpPr/>
           <p:nvPr/>
         </p:nvGrpSpPr>
         <p:grpSpPr>
           <a:xfrm>
-            <a:off x="6728185" y="3896959"/>
+            <a:off x="4730432" y="3896959"/>
             <a:ext cx="294968" cy="1012723"/>
             <a:chOff x="6728184" y="4709640"/>
             <a:chExt cx="294968" cy="1012723"/>
@@ -3942,7 +5442,7 @@
         </p:grpSpPr>
         <p:sp>
           <p:nvSpPr>
-            <p:cNvPr id="37" name="Rounded Rectangle 36"/>
+            <p:cNvPr id="137" name="Rounded Rectangle 136"/>
             <p:cNvSpPr/>
             <p:nvPr/>
           </p:nvSpPr>
@@ -3985,7 +5485,7 @@
         </p:sp>
         <p:sp>
           <p:nvSpPr>
-            <p:cNvPr id="38" name="Isosceles Triangle 37"/>
+            <p:cNvPr id="138" name="Isosceles Triangle 137"/>
             <p:cNvSpPr/>
             <p:nvPr/>
           </p:nvSpPr>
@@ -4034,13 +5534,13 @@
       </p:grpSp>
       <p:grpSp>
         <p:nvGrpSpPr>
-          <p:cNvPr id="1027" name="Group 1026"/>
+          <p:cNvPr id="139" name="Group 138"/>
           <p:cNvGrpSpPr/>
           <p:nvPr/>
         </p:nvGrpSpPr>
         <p:grpSpPr>
           <a:xfrm>
-            <a:off x="8301502" y="3916629"/>
+            <a:off x="9037115" y="3925193"/>
             <a:ext cx="294968" cy="1012723"/>
             <a:chOff x="8301501" y="4729310"/>
             <a:chExt cx="294968" cy="1012723"/>
@@ -4048,7 +5548,7 @@
         </p:grpSpPr>
         <p:sp>
           <p:nvSpPr>
-            <p:cNvPr id="40" name="Rounded Rectangle 39"/>
+            <p:cNvPr id="140" name="Rounded Rectangle 139"/>
             <p:cNvSpPr/>
             <p:nvPr/>
           </p:nvSpPr>
@@ -4091,7 +5591,7 @@
         </p:sp>
         <p:sp>
           <p:nvSpPr>
-            <p:cNvPr id="41" name="Isosceles Triangle 40"/>
+            <p:cNvPr id="141" name="Isosceles Triangle 140"/>
             <p:cNvSpPr/>
             <p:nvPr/>
           </p:nvSpPr>
@@ -4140,13 +5640,13 @@
       </p:grpSp>
       <p:grpSp>
         <p:nvGrpSpPr>
-          <p:cNvPr id="1028" name="Group 1027"/>
+          <p:cNvPr id="142" name="Group 141"/>
           <p:cNvGrpSpPr/>
           <p:nvPr/>
         </p:nvGrpSpPr>
         <p:grpSpPr>
           <a:xfrm>
-            <a:off x="9932736" y="3901881"/>
+            <a:off x="10157176" y="3910464"/>
             <a:ext cx="288506" cy="1012722"/>
             <a:chOff x="9932735" y="4714562"/>
             <a:chExt cx="288506" cy="1012722"/>
@@ -4154,7 +5654,7 @@
         </p:grpSpPr>
         <p:sp>
           <p:nvSpPr>
-            <p:cNvPr id="43" name="Rounded Rectangle 42"/>
+            <p:cNvPr id="143" name="Rounded Rectangle 142"/>
             <p:cNvSpPr/>
             <p:nvPr/>
           </p:nvSpPr>
@@ -4197,7 +5697,7 @@
         </p:sp>
         <p:sp>
           <p:nvSpPr>
-            <p:cNvPr id="44" name="Isosceles Triangle 43"/>
+            <p:cNvPr id="144" name="Isosceles Triangle 143"/>
             <p:cNvSpPr/>
             <p:nvPr/>
           </p:nvSpPr>
@@ -4246,14 +5746,14 @@
       </p:grpSp>
       <p:sp>
         <p:nvSpPr>
-          <p:cNvPr id="47" name="Arc 46"/>
+          <p:cNvPr id="145" name="Arc 144"/>
           <p:cNvSpPr/>
           <p:nvPr/>
         </p:nvSpPr>
         <p:spPr>
           <a:xfrm rot="5400000" flipH="1">
-            <a:off x="3527320" y="3225424"/>
-            <a:ext cx="1898808" cy="1539728"/>
+            <a:off x="2661414" y="3499699"/>
+            <a:ext cx="1898808" cy="918226"/>
           </a:xfrm>
           <a:prstGeom prst="arc">
             <a:avLst>
@@ -4292,14 +5792,14 @@
       </p:sp>
       <p:sp>
         <p:nvSpPr>
-          <p:cNvPr id="49" name="Arc 48"/>
+          <p:cNvPr id="146" name="Arc 145"/>
           <p:cNvSpPr/>
           <p:nvPr/>
         </p:nvSpPr>
         <p:spPr>
           <a:xfrm rot="5400000" flipH="1">
-            <a:off x="5141480" y="3125815"/>
-            <a:ext cx="1898808" cy="1688591"/>
+            <a:off x="4318853" y="3595713"/>
+            <a:ext cx="1898808" cy="720766"/>
           </a:xfrm>
           <a:prstGeom prst="arc">
             <a:avLst>
@@ -4338,14 +5838,14 @@
       </p:sp>
       <p:sp>
         <p:nvSpPr>
-          <p:cNvPr id="50" name="Arc 49"/>
+          <p:cNvPr id="147" name="Arc 146"/>
           <p:cNvSpPr/>
           <p:nvPr/>
         </p:nvSpPr>
         <p:spPr>
           <a:xfrm rot="5400000" flipH="1">
-            <a:off x="6763851" y="3210084"/>
-            <a:ext cx="1898808" cy="1539728"/>
+            <a:off x="7918718" y="3638430"/>
+            <a:ext cx="1898808" cy="739163"/>
           </a:xfrm>
           <a:prstGeom prst="arc">
             <a:avLst>
@@ -4384,14 +5884,14 @@
       </p:sp>
       <p:sp>
         <p:nvSpPr>
-          <p:cNvPr id="51" name="Arc 50"/>
+          <p:cNvPr id="148" name="Arc 147"/>
           <p:cNvSpPr/>
           <p:nvPr/>
         </p:nvSpPr>
         <p:spPr>
           <a:xfrm rot="5400000" flipH="1">
-            <a:off x="8311791" y="3224235"/>
-            <a:ext cx="1898808" cy="1539728"/>
+            <a:off x="8843309" y="3462168"/>
+            <a:ext cx="1898808" cy="1117907"/>
           </a:xfrm>
           <a:prstGeom prst="arc">
             <a:avLst>
@@ -4428,24 +5928,123 @@
           </a:p>
         </p:txBody>
       </p:sp>
-      <p:sp>
-        <p:nvSpPr>
-          <p:cNvPr id="52" name="Arc 51"/>
-          <p:cNvSpPr/>
+      <p:grpSp>
+        <p:nvGrpSpPr>
+          <p:cNvPr id="30" name="Group 29"/>
+          <p:cNvGrpSpPr/>
           <p:nvPr/>
-        </p:nvSpPr>
-        <p:spPr>
-          <a:xfrm rot="5400000" flipH="1">
-            <a:off x="9414323" y="3665841"/>
-            <a:ext cx="1898808" cy="628213"/>
-          </a:xfrm>
-          <a:prstGeom prst="arc">
-            <a:avLst>
-              <a:gd name="adj1" fmla="val 16540173"/>
-              <a:gd name="adj2" fmla="val 4550778"/>
-            </a:avLst>
+        </p:nvGrpSpPr>
+        <p:grpSpPr>
+          <a:xfrm>
+            <a:off x="10991055" y="3866224"/>
+            <a:ext cx="1217286" cy="550601"/>
+            <a:chOff x="10524050" y="3867468"/>
+            <a:chExt cx="1217286" cy="550601"/>
+          </a:xfrm>
+        </p:grpSpPr>
+        <p:sp>
+          <p:nvSpPr>
+            <p:cNvPr id="150" name="Rectangle 149"/>
+            <p:cNvSpPr/>
+            <p:nvPr/>
+          </p:nvSpPr>
+          <p:spPr>
+            <a:xfrm>
+              <a:off x="10524050" y="3867468"/>
+              <a:ext cx="1150375" cy="550601"/>
+            </a:xfrm>
+            <a:prstGeom prst="rect">
+              <a:avLst/>
+            </a:prstGeom>
+            <a:solidFill>
+              <a:schemeClr val="tx1"/>
+            </a:solidFill>
+            <a:ln>
+              <a:solidFill>
+                <a:schemeClr val="tx1"/>
+              </a:solidFill>
+            </a:ln>
+          </p:spPr>
+          <p:style>
+            <a:lnRef idx="2">
+              <a:schemeClr val="accent1">
+                <a:shade val="50000"/>
+              </a:schemeClr>
+            </a:lnRef>
+            <a:fillRef idx="1">
+              <a:schemeClr val="accent1"/>
+            </a:fillRef>
+            <a:effectRef idx="0">
+              <a:schemeClr val="accent1"/>
+            </a:effectRef>
+            <a:fontRef idx="minor">
+              <a:schemeClr val="lt1"/>
+            </a:fontRef>
+          </p:style>
+          <p:txBody>
+            <a:bodyPr rtlCol="0" anchor="ctr"/>
+            <a:lstStyle/>
+            <a:p>
+              <a:pPr algn="ctr"/>
+              <a:endParaRPr lang="en-US"/>
+            </a:p>
+          </p:txBody>
+        </p:sp>
+        <p:sp>
+          <p:nvSpPr>
+            <p:cNvPr id="151" name="TextBox 150"/>
+            <p:cNvSpPr txBox="1"/>
+            <p:nvPr/>
+          </p:nvSpPr>
+          <p:spPr>
+            <a:xfrm>
+              <a:off x="10533813" y="3996540"/>
+              <a:ext cx="1207523" cy="276999"/>
+            </a:xfrm>
+            <a:prstGeom prst="rect">
+              <a:avLst/>
+            </a:prstGeom>
+            <a:noFill/>
+          </p:spPr>
+          <p:txBody>
+            <a:bodyPr wrap="square" rtlCol="0">
+              <a:spAutoFit/>
+            </a:bodyPr>
+            <a:lstStyle/>
+            <a:p>
+              <a:pPr algn="ctr"/>
+              <a:r>
+                <a:rPr lang="en-US" sz="1200" dirty="0" err="1" smtClean="0">
+                  <a:solidFill>
+                    <a:schemeClr val="bg1"/>
+                  </a:solidFill>
+                </a:rPr>
+                <a:t>StrataVisor</a:t>
+              </a:r>
+              <a:endParaRPr lang="en-US" sz="1200" dirty="0">
+                <a:solidFill>
+                  <a:schemeClr val="bg1"/>
+                </a:solidFill>
+              </a:endParaRPr>
+            </a:p>
+          </p:txBody>
+        </p:sp>
+      </p:grpSp>
+      <p:cxnSp>
+        <p:nvCxnSpPr>
+          <p:cNvPr id="153" name="Straight Connector 152"/>
+          <p:cNvCxnSpPr/>
+          <p:nvPr/>
+        </p:nvCxnSpPr>
+        <p:spPr>
+          <a:xfrm>
+            <a:off x="11566242" y="2893707"/>
+            <a:ext cx="1" cy="963555"/>
+          </a:xfrm>
+          <a:prstGeom prst="line">
+            <a:avLst/>
           </a:prstGeom>
-          <a:ln w="38100">
+          <a:ln w="28575">
             <a:solidFill>
               <a:schemeClr val="tx1"/>
             </a:solidFill>
@@ -4465,25 +6064,52 @@
             <a:schemeClr val="tx1"/>
           </a:fontRef>
         </p:style>
-        <p:txBody>
-          <a:bodyPr rtlCol="0" anchor="ctr"/>
-          <a:lstStyle/>
-          <a:p>
-            <a:pPr algn="ctr"/>
-            <a:endParaRPr lang="en-US"/>
-          </a:p>
-        </p:txBody>
-      </p:sp>
-      <p:sp>
-        <p:nvSpPr>
-          <p:cNvPr id="48" name="Rectangle 47"/>
+      </p:cxnSp>
+      <p:cxnSp>
+        <p:nvCxnSpPr>
+          <p:cNvPr id="154" name="Straight Connector 153"/>
+          <p:cNvCxnSpPr/>
+          <p:nvPr/>
+        </p:nvCxnSpPr>
+        <p:spPr>
+          <a:xfrm>
+            <a:off x="11669707" y="2900278"/>
+            <a:ext cx="1" cy="963555"/>
+          </a:xfrm>
+          <a:prstGeom prst="line">
+            <a:avLst/>
+          </a:prstGeom>
+          <a:ln w="28575">
+            <a:solidFill>
+              <a:schemeClr val="tx1"/>
+            </a:solidFill>
+          </a:ln>
+        </p:spPr>
+        <p:style>
+          <a:lnRef idx="1">
+            <a:schemeClr val="accent1"/>
+          </a:lnRef>
+          <a:fillRef idx="0">
+            <a:schemeClr val="accent1"/>
+          </a:fillRef>
+          <a:effectRef idx="0">
+            <a:schemeClr val="accent1"/>
+          </a:effectRef>
+          <a:fontRef idx="minor">
+            <a:schemeClr val="tx1"/>
+          </a:fontRef>
+        </p:style>
+      </p:cxnSp>
+      <p:sp>
+        <p:nvSpPr>
+          <p:cNvPr id="155" name="Rectangle 154"/>
           <p:cNvSpPr/>
           <p:nvPr/>
         </p:nvSpPr>
         <p:spPr>
           <a:xfrm>
-            <a:off x="10524050" y="3867468"/>
-            <a:ext cx="1150375" cy="550601"/>
+            <a:off x="11027510" y="1786193"/>
+            <a:ext cx="1148822" cy="1115955"/>
           </a:xfrm>
           <a:prstGeom prst="rect">
             <a:avLst/>
@@ -4524,14 +6150,14 @@
       </p:sp>
       <p:sp>
         <p:nvSpPr>
-          <p:cNvPr id="53" name="TextBox 52"/>
+          <p:cNvPr id="156" name="TextBox 155"/>
           <p:cNvSpPr txBox="1"/>
           <p:nvPr/>
         </p:nvSpPr>
         <p:spPr>
           <a:xfrm>
-            <a:off x="10524050" y="3916629"/>
-            <a:ext cx="1207523" cy="461665"/>
+            <a:off x="11055574" y="2202473"/>
+            <a:ext cx="1207523" cy="276999"/>
           </a:xfrm>
           <a:prstGeom prst="rect">
             <a:avLst/>
@@ -4551,48 +6177,76 @@
                   <a:schemeClr val="bg1"/>
                 </a:solidFill>
               </a:rPr>
-              <a:t>Seismic Recorder</a:t>
-            </a:r>
-            <a:endParaRPr lang="en-US" sz="1200" dirty="0">
-              <a:solidFill>
-                <a:schemeClr val="bg1"/>
-              </a:solidFill>
-            </a:endParaRPr>
-          </a:p>
-        </p:txBody>
-      </p:sp>
-      <p:sp>
-        <p:nvSpPr>
-          <p:cNvPr id="57" name="Multiply 56"/>
+              <a:t>Battery</a:t>
+            </a:r>
+          </a:p>
+        </p:txBody>
+      </p:sp>
+      <p:sp>
+        <p:nvSpPr>
+          <p:cNvPr id="159" name="TextBox 158"/>
+          <p:cNvSpPr txBox="1"/>
+          <p:nvPr/>
+        </p:nvSpPr>
+        <p:spPr>
+          <a:xfrm>
+            <a:off x="2303794" y="906408"/>
+            <a:ext cx="2295100" cy="400110"/>
+          </a:xfrm>
+          <a:prstGeom prst="rect">
+            <a:avLst/>
+          </a:prstGeom>
+          <a:noFill/>
+        </p:spPr>
+        <p:txBody>
+          <a:bodyPr wrap="square" rtlCol="0">
+            <a:spAutoFit/>
+          </a:bodyPr>
+          <a:lstStyle/>
+          <a:p>
+            <a:r>
+              <a:rPr lang="en-US" sz="2000" dirty="0" smtClean="0"/>
+              <a:t>Geophones(Sensor)</a:t>
+            </a:r>
+            <a:endParaRPr lang="en-US" sz="2000" dirty="0"/>
+          </a:p>
+        </p:txBody>
+      </p:sp>
+      <p:sp>
+        <p:nvSpPr>
+          <p:cNvPr id="160" name="Arc 159"/>
           <p:cNvSpPr/>
           <p:nvPr/>
         </p:nvSpPr>
         <p:spPr>
-          <a:xfrm>
-            <a:off x="1551919" y="4049359"/>
-            <a:ext cx="560439" cy="737419"/>
-          </a:xfrm>
-          <a:prstGeom prst="mathMultiply">
-            <a:avLst/>
+          <a:xfrm rot="5400000" flipH="1">
+            <a:off x="3504747" y="3488915"/>
+            <a:ext cx="1898808" cy="918226"/>
+          </a:xfrm>
+          <a:prstGeom prst="arc">
+            <a:avLst>
+              <a:gd name="adj1" fmla="val 16540173"/>
+              <a:gd name="adj2" fmla="val 5072386"/>
+            </a:avLst>
           </a:prstGeom>
-          <a:solidFill>
-            <a:srgbClr val="FF0000"/>
-          </a:solidFill>
+          <a:ln w="38100">
+            <a:solidFill>
+              <a:schemeClr val="tx1"/>
+            </a:solidFill>
+          </a:ln>
         </p:spPr>
         <p:style>
-          <a:lnRef idx="2">
-            <a:schemeClr val="accent1">
-              <a:shade val="50000"/>
-            </a:schemeClr>
+          <a:lnRef idx="1">
+            <a:schemeClr val="accent1"/>
           </a:lnRef>
-          <a:fillRef idx="1">
+          <a:fillRef idx="0">
             <a:schemeClr val="accent1"/>
           </a:fillRef>
           <a:effectRef idx="0">
             <a:schemeClr val="accent1"/>
           </a:effectRef>
           <a:fontRef idx="minor">
-            <a:schemeClr val="lt1"/>
+            <a:schemeClr val="tx1"/>
           </a:fontRef>
         </p:style>
         <p:txBody>
@@ -4606,24 +6260,22 @@
       </p:sp>
       <p:cxnSp>
         <p:nvCxnSpPr>
-          <p:cNvPr id="59" name="Straight Arrow Connector 58"/>
+          <p:cNvPr id="161" name="Straight Connector 160"/>
           <p:cNvCxnSpPr/>
           <p:nvPr/>
         </p:nvCxnSpPr>
         <p:spPr>
           <a:xfrm>
-            <a:off x="1372865" y="3574971"/>
-            <a:ext cx="280219" cy="557970"/>
-          </a:xfrm>
-          <a:prstGeom prst="straightConnector1">
+            <a:off x="10454217" y="4057215"/>
+            <a:ext cx="527654" cy="13593"/>
+          </a:xfrm>
+          <a:prstGeom prst="line">
             <a:avLst/>
           </a:prstGeom>
-          <a:ln>
+          <a:ln w="28575">
             <a:solidFill>
               <a:schemeClr val="tx1"/>
             </a:solidFill>
-            <a:prstDash val="dash"/>
-            <a:tailEnd type="triangle"/>
           </a:ln>
         </p:spPr>
         <p:style>
@@ -4643,90 +6295,14 @@
       </p:cxnSp>
       <p:cxnSp>
         <p:nvCxnSpPr>
-          <p:cNvPr id="61" name="Straight Arrow Connector 60"/>
+          <p:cNvPr id="162" name="Straight Connector 161"/>
           <p:cNvCxnSpPr/>
           <p:nvPr/>
         </p:nvCxnSpPr>
         <p:spPr>
-          <a:xfrm>
-            <a:off x="1486749" y="3527039"/>
-            <a:ext cx="280219" cy="557970"/>
-          </a:xfrm>
-          <a:prstGeom prst="straightConnector1">
-            <a:avLst/>
-          </a:prstGeom>
-          <a:ln>
-            <a:solidFill>
-              <a:schemeClr val="tx1"/>
-            </a:solidFill>
-            <a:prstDash val="dash"/>
-            <a:tailEnd type="triangle"/>
-          </a:ln>
-        </p:spPr>
-        <p:style>
-          <a:lnRef idx="1">
-            <a:schemeClr val="accent1"/>
-          </a:lnRef>
-          <a:fillRef idx="0">
-            <a:schemeClr val="accent1"/>
-          </a:fillRef>
-          <a:effectRef idx="0">
-            <a:schemeClr val="accent1"/>
-          </a:effectRef>
-          <a:fontRef idx="minor">
-            <a:schemeClr val="tx1"/>
-          </a:fontRef>
-        </p:style>
-      </p:cxnSp>
-      <p:cxnSp>
-        <p:nvCxnSpPr>
-          <p:cNvPr id="62" name="Straight Arrow Connector 61"/>
-          <p:cNvCxnSpPr/>
-          <p:nvPr/>
-        </p:nvCxnSpPr>
-        <p:spPr>
-          <a:xfrm>
-            <a:off x="1588818" y="3472061"/>
-            <a:ext cx="280219" cy="557970"/>
-          </a:xfrm>
-          <a:prstGeom prst="straightConnector1">
-            <a:avLst/>
-          </a:prstGeom>
-          <a:ln>
-            <a:solidFill>
-              <a:schemeClr val="tx1"/>
-            </a:solidFill>
-            <a:prstDash val="dash"/>
-            <a:tailEnd type="triangle"/>
-          </a:ln>
-        </p:spPr>
-        <p:style>
-          <a:lnRef idx="1">
-            <a:schemeClr val="accent1"/>
-          </a:lnRef>
-          <a:fillRef idx="0">
-            <a:schemeClr val="accent1"/>
-          </a:fillRef>
-          <a:effectRef idx="0">
-            <a:schemeClr val="accent1"/>
-          </a:effectRef>
-          <a:fontRef idx="minor">
-            <a:schemeClr val="tx1"/>
-          </a:fontRef>
-        </p:style>
-      </p:cxnSp>
-      <p:cxnSp>
-        <p:nvCxnSpPr>
-          <p:cNvPr id="1030" name="Straight Connector 1029"/>
-          <p:cNvCxnSpPr>
-            <a:endCxn id="48" idx="0"/>
-          </p:cNvCxnSpPr>
-          <p:nvPr/>
-        </p:nvCxnSpPr>
-        <p:spPr>
-          <a:xfrm>
-            <a:off x="11099237" y="2903913"/>
-            <a:ext cx="1" cy="963555"/>
+          <a:xfrm flipV="1">
+            <a:off x="10445682" y="4278216"/>
+            <a:ext cx="555136" cy="1543"/>
           </a:xfrm>
           <a:prstGeom prst="line">
             <a:avLst/>
@@ -4752,1219 +6328,6 @@
           </a:fontRef>
         </p:style>
       </p:cxnSp>
-      <p:cxnSp>
-        <p:nvCxnSpPr>
-          <p:cNvPr id="71" name="Straight Connector 70"/>
-          <p:cNvCxnSpPr/>
-          <p:nvPr/>
-        </p:nvCxnSpPr>
-        <p:spPr>
-          <a:xfrm>
-            <a:off x="11251161" y="2898997"/>
-            <a:ext cx="1" cy="963555"/>
-          </a:xfrm>
-          <a:prstGeom prst="line">
-            <a:avLst/>
-          </a:prstGeom>
-          <a:ln w="28575">
-            <a:solidFill>
-              <a:schemeClr val="tx1"/>
-            </a:solidFill>
-          </a:ln>
-        </p:spPr>
-        <p:style>
-          <a:lnRef idx="1">
-            <a:schemeClr val="accent1"/>
-          </a:lnRef>
-          <a:fillRef idx="0">
-            <a:schemeClr val="accent1"/>
-          </a:fillRef>
-          <a:effectRef idx="0">
-            <a:schemeClr val="accent1"/>
-          </a:effectRef>
-          <a:fontRef idx="minor">
-            <a:schemeClr val="tx1"/>
-          </a:fontRef>
-        </p:style>
-      </p:cxnSp>
-      <p:sp>
-        <p:nvSpPr>
-          <p:cNvPr id="73" name="Rectangle 72"/>
-          <p:cNvSpPr/>
-          <p:nvPr/>
-        </p:nvSpPr>
-        <p:spPr>
-          <a:xfrm>
-            <a:off x="10553400" y="1783030"/>
-            <a:ext cx="1148822" cy="1115955"/>
-          </a:xfrm>
-          <a:prstGeom prst="rect">
-            <a:avLst/>
-          </a:prstGeom>
-          <a:solidFill>
-            <a:schemeClr val="tx1"/>
-          </a:solidFill>
-          <a:ln>
-            <a:solidFill>
-              <a:schemeClr val="tx1"/>
-            </a:solidFill>
-          </a:ln>
-        </p:spPr>
-        <p:style>
-          <a:lnRef idx="2">
-            <a:schemeClr val="accent1">
-              <a:shade val="50000"/>
-            </a:schemeClr>
-          </a:lnRef>
-          <a:fillRef idx="1">
-            <a:schemeClr val="accent1"/>
-          </a:fillRef>
-          <a:effectRef idx="0">
-            <a:schemeClr val="accent1"/>
-          </a:effectRef>
-          <a:fontRef idx="minor">
-            <a:schemeClr val="lt1"/>
-          </a:fontRef>
-        </p:style>
-        <p:txBody>
-          <a:bodyPr rtlCol="0" anchor="ctr"/>
-          <a:lstStyle/>
-          <a:p>
-            <a:pPr algn="ctr"/>
-            <a:endParaRPr lang="en-US"/>
-          </a:p>
-        </p:txBody>
-      </p:sp>
-      <p:sp>
-        <p:nvSpPr>
-          <p:cNvPr id="74" name="TextBox 73"/>
-          <p:cNvSpPr txBox="1"/>
-          <p:nvPr/>
-        </p:nvSpPr>
-        <p:spPr>
-          <a:xfrm>
-            <a:off x="10553400" y="2183615"/>
-            <a:ext cx="1207523" cy="276999"/>
-          </a:xfrm>
-          <a:prstGeom prst="rect">
-            <a:avLst/>
-          </a:prstGeom>
-          <a:noFill/>
-        </p:spPr>
-        <p:txBody>
-          <a:bodyPr wrap="square" rtlCol="0">
-            <a:spAutoFit/>
-          </a:bodyPr>
-          <a:lstStyle/>
-          <a:p>
-            <a:pPr algn="ctr"/>
-            <a:r>
-              <a:rPr lang="en-US" sz="1200" dirty="0" smtClean="0">
-                <a:solidFill>
-                  <a:schemeClr val="bg1"/>
-                </a:solidFill>
-              </a:rPr>
-              <a:t>Battery</a:t>
-            </a:r>
-          </a:p>
-        </p:txBody>
-      </p:sp>
-      <p:cxnSp>
-        <p:nvCxnSpPr>
-          <p:cNvPr id="84" name="Curved Connector 83"/>
-          <p:cNvCxnSpPr/>
-          <p:nvPr/>
-        </p:nvCxnSpPr>
-        <p:spPr>
-          <a:xfrm rot="10800000" flipV="1">
-            <a:off x="180411" y="4580797"/>
-            <a:ext cx="1280435" cy="217578"/>
-          </a:xfrm>
-          <a:prstGeom prst="curvedConnector3">
-            <a:avLst/>
-          </a:prstGeom>
-          <a:ln w="28575">
-            <a:solidFill>
-              <a:schemeClr val="bg1"/>
-            </a:solidFill>
-            <a:tailEnd type="triangle"/>
-          </a:ln>
-        </p:spPr>
-        <p:style>
-          <a:lnRef idx="1">
-            <a:schemeClr val="accent1"/>
-          </a:lnRef>
-          <a:fillRef idx="0">
-            <a:schemeClr val="accent1"/>
-          </a:fillRef>
-          <a:effectRef idx="0">
-            <a:schemeClr val="accent1"/>
-          </a:effectRef>
-          <a:fontRef idx="minor">
-            <a:schemeClr val="tx1"/>
-          </a:fontRef>
-        </p:style>
-      </p:cxnSp>
-      <p:cxnSp>
-        <p:nvCxnSpPr>
-          <p:cNvPr id="85" name="Curved Connector 84"/>
-          <p:cNvCxnSpPr/>
-          <p:nvPr/>
-        </p:nvCxnSpPr>
-        <p:spPr>
-          <a:xfrm rot="10800000" flipV="1">
-            <a:off x="193152" y="4739992"/>
-            <a:ext cx="1362934" cy="360149"/>
-          </a:xfrm>
-          <a:prstGeom prst="curvedConnector3">
-            <a:avLst/>
-          </a:prstGeom>
-          <a:ln w="28575">
-            <a:solidFill>
-              <a:schemeClr val="bg1"/>
-            </a:solidFill>
-            <a:tailEnd type="triangle"/>
-          </a:ln>
-        </p:spPr>
-        <p:style>
-          <a:lnRef idx="1">
-            <a:schemeClr val="accent1"/>
-          </a:lnRef>
-          <a:fillRef idx="0">
-            <a:schemeClr val="accent1"/>
-          </a:fillRef>
-          <a:effectRef idx="0">
-            <a:schemeClr val="accent1"/>
-          </a:effectRef>
-          <a:fontRef idx="minor">
-            <a:schemeClr val="tx1"/>
-          </a:fontRef>
-        </p:style>
-      </p:cxnSp>
-      <p:cxnSp>
-        <p:nvCxnSpPr>
-          <p:cNvPr id="86" name="Curved Connector 85"/>
-          <p:cNvCxnSpPr/>
-          <p:nvPr/>
-        </p:nvCxnSpPr>
-        <p:spPr>
-          <a:xfrm rot="10800000" flipV="1">
-            <a:off x="257798" y="4892392"/>
-            <a:ext cx="1450689" cy="397065"/>
-          </a:xfrm>
-          <a:prstGeom prst="curvedConnector3">
-            <a:avLst/>
-          </a:prstGeom>
-          <a:ln w="28575">
-            <a:solidFill>
-              <a:schemeClr val="bg1"/>
-            </a:solidFill>
-            <a:tailEnd type="triangle"/>
-          </a:ln>
-        </p:spPr>
-        <p:style>
-          <a:lnRef idx="1">
-            <a:schemeClr val="accent1"/>
-          </a:lnRef>
-          <a:fillRef idx="0">
-            <a:schemeClr val="accent1"/>
-          </a:fillRef>
-          <a:effectRef idx="0">
-            <a:schemeClr val="accent1"/>
-          </a:effectRef>
-          <a:fontRef idx="minor">
-            <a:schemeClr val="tx1"/>
-          </a:fontRef>
-        </p:style>
-      </p:cxnSp>
-      <p:cxnSp>
-        <p:nvCxnSpPr>
-          <p:cNvPr id="87" name="Curved Connector 86"/>
-          <p:cNvCxnSpPr/>
-          <p:nvPr/>
-        </p:nvCxnSpPr>
-        <p:spPr>
-          <a:xfrm rot="10800000" flipV="1">
-            <a:off x="179026" y="5044792"/>
-            <a:ext cx="1681861" cy="441959"/>
-          </a:xfrm>
-          <a:prstGeom prst="curvedConnector3">
-            <a:avLst/>
-          </a:prstGeom>
-          <a:ln w="28575">
-            <a:solidFill>
-              <a:schemeClr val="bg1"/>
-            </a:solidFill>
-            <a:tailEnd type="triangle"/>
-          </a:ln>
-        </p:spPr>
-        <p:style>
-          <a:lnRef idx="1">
-            <a:schemeClr val="accent1"/>
-          </a:lnRef>
-          <a:fillRef idx="0">
-            <a:schemeClr val="accent1"/>
-          </a:fillRef>
-          <a:effectRef idx="0">
-            <a:schemeClr val="accent1"/>
-          </a:effectRef>
-          <a:fontRef idx="minor">
-            <a:schemeClr val="tx1"/>
-          </a:fontRef>
-        </p:style>
-      </p:cxnSp>
-      <p:cxnSp>
-        <p:nvCxnSpPr>
-          <p:cNvPr id="88" name="Curved Connector 87"/>
-          <p:cNvCxnSpPr/>
-          <p:nvPr/>
-        </p:nvCxnSpPr>
-        <p:spPr>
-          <a:xfrm rot="10800000" flipV="1">
-            <a:off x="257798" y="5197193"/>
-            <a:ext cx="1755489" cy="495600"/>
-          </a:xfrm>
-          <a:prstGeom prst="curvedConnector3">
-            <a:avLst/>
-          </a:prstGeom>
-          <a:ln w="28575">
-            <a:solidFill>
-              <a:schemeClr val="bg1"/>
-            </a:solidFill>
-            <a:tailEnd type="triangle"/>
-          </a:ln>
-        </p:spPr>
-        <p:style>
-          <a:lnRef idx="1">
-            <a:schemeClr val="accent1"/>
-          </a:lnRef>
-          <a:fillRef idx="0">
-            <a:schemeClr val="accent1"/>
-          </a:fillRef>
-          <a:effectRef idx="0">
-            <a:schemeClr val="accent1"/>
-          </a:effectRef>
-          <a:fontRef idx="minor">
-            <a:schemeClr val="tx1"/>
-          </a:fontRef>
-        </p:style>
-      </p:cxnSp>
-      <p:cxnSp>
-        <p:nvCxnSpPr>
-          <p:cNvPr id="89" name="Curved Connector 88"/>
-          <p:cNvCxnSpPr/>
-          <p:nvPr/>
-        </p:nvCxnSpPr>
-        <p:spPr>
-          <a:xfrm rot="10800000" flipV="1">
-            <a:off x="177400" y="5349593"/>
-            <a:ext cx="1988287" cy="576578"/>
-          </a:xfrm>
-          <a:prstGeom prst="curvedConnector3">
-            <a:avLst/>
-          </a:prstGeom>
-          <a:ln w="28575">
-            <a:solidFill>
-              <a:schemeClr val="bg1"/>
-            </a:solidFill>
-            <a:tailEnd type="triangle"/>
-          </a:ln>
-        </p:spPr>
-        <p:style>
-          <a:lnRef idx="1">
-            <a:schemeClr val="accent1"/>
-          </a:lnRef>
-          <a:fillRef idx="0">
-            <a:schemeClr val="accent1"/>
-          </a:fillRef>
-          <a:effectRef idx="0">
-            <a:schemeClr val="accent1"/>
-          </a:effectRef>
-          <a:fontRef idx="minor">
-            <a:schemeClr val="tx1"/>
-          </a:fontRef>
-        </p:style>
-      </p:cxnSp>
-      <p:cxnSp>
-        <p:nvCxnSpPr>
-          <p:cNvPr id="90" name="Curved Connector 89"/>
-          <p:cNvCxnSpPr/>
-          <p:nvPr/>
-        </p:nvCxnSpPr>
-        <p:spPr>
-          <a:xfrm rot="10800000" flipV="1">
-            <a:off x="257797" y="5490052"/>
-            <a:ext cx="1886594" cy="697823"/>
-          </a:xfrm>
-          <a:prstGeom prst="curvedConnector3">
-            <a:avLst/>
-          </a:prstGeom>
-          <a:ln w="28575">
-            <a:solidFill>
-              <a:schemeClr val="bg1"/>
-            </a:solidFill>
-            <a:tailEnd type="triangle"/>
-          </a:ln>
-        </p:spPr>
-        <p:style>
-          <a:lnRef idx="1">
-            <a:schemeClr val="accent1"/>
-          </a:lnRef>
-          <a:fillRef idx="0">
-            <a:schemeClr val="accent1"/>
-          </a:fillRef>
-          <a:effectRef idx="0">
-            <a:schemeClr val="accent1"/>
-          </a:effectRef>
-          <a:fontRef idx="minor">
-            <a:schemeClr val="tx1"/>
-          </a:fontRef>
-        </p:style>
-      </p:cxnSp>
-      <p:cxnSp>
-        <p:nvCxnSpPr>
-          <p:cNvPr id="98" name="Curved Connector 97"/>
-          <p:cNvCxnSpPr/>
-          <p:nvPr/>
-        </p:nvCxnSpPr>
-        <p:spPr>
-          <a:xfrm>
-            <a:off x="2066267" y="4531367"/>
-            <a:ext cx="9888528" cy="818226"/>
-          </a:xfrm>
-          <a:prstGeom prst="curvedConnector3">
-            <a:avLst/>
-          </a:prstGeom>
-          <a:ln w="28575">
-            <a:solidFill>
-              <a:schemeClr val="bg1"/>
-            </a:solidFill>
-            <a:tailEnd type="triangle"/>
-          </a:ln>
-        </p:spPr>
-        <p:style>
-          <a:lnRef idx="1">
-            <a:schemeClr val="accent1"/>
-          </a:lnRef>
-          <a:fillRef idx="0">
-            <a:schemeClr val="accent1"/>
-          </a:fillRef>
-          <a:effectRef idx="0">
-            <a:schemeClr val="accent1"/>
-          </a:effectRef>
-          <a:fontRef idx="minor">
-            <a:schemeClr val="tx1"/>
-          </a:fontRef>
-        </p:style>
-      </p:cxnSp>
-      <p:cxnSp>
-        <p:nvCxnSpPr>
-          <p:cNvPr id="99" name="Curved Connector 98"/>
-          <p:cNvCxnSpPr/>
-          <p:nvPr/>
-        </p:nvCxnSpPr>
-        <p:spPr>
-          <a:xfrm>
-            <a:off x="2071994" y="4702524"/>
-            <a:ext cx="9882801" cy="993571"/>
-          </a:xfrm>
-          <a:prstGeom prst="curvedConnector3">
-            <a:avLst/>
-          </a:prstGeom>
-          <a:ln w="28575">
-            <a:solidFill>
-              <a:schemeClr val="bg1"/>
-            </a:solidFill>
-            <a:tailEnd type="triangle"/>
-          </a:ln>
-        </p:spPr>
-        <p:style>
-          <a:lnRef idx="1">
-            <a:schemeClr val="accent1"/>
-          </a:lnRef>
-          <a:fillRef idx="0">
-            <a:schemeClr val="accent1"/>
-          </a:fillRef>
-          <a:effectRef idx="0">
-            <a:schemeClr val="accent1"/>
-          </a:effectRef>
-          <a:fontRef idx="minor">
-            <a:schemeClr val="tx1"/>
-          </a:fontRef>
-        </p:style>
-      </p:cxnSp>
-      <p:cxnSp>
-        <p:nvCxnSpPr>
-          <p:cNvPr id="100" name="Curved Connector 99"/>
-          <p:cNvCxnSpPr/>
-          <p:nvPr/>
-        </p:nvCxnSpPr>
-        <p:spPr>
-          <a:xfrm>
-            <a:off x="1882116" y="4882860"/>
-            <a:ext cx="10082568" cy="1114717"/>
-          </a:xfrm>
-          <a:prstGeom prst="curvedConnector3">
-            <a:avLst/>
-          </a:prstGeom>
-          <a:ln w="28575">
-            <a:solidFill>
-              <a:schemeClr val="bg1"/>
-            </a:solidFill>
-            <a:tailEnd type="triangle"/>
-          </a:ln>
-        </p:spPr>
-        <p:style>
-          <a:lnRef idx="1">
-            <a:schemeClr val="accent1"/>
-          </a:lnRef>
-          <a:fillRef idx="0">
-            <a:schemeClr val="accent1"/>
-          </a:fillRef>
-          <a:effectRef idx="0">
-            <a:schemeClr val="accent1"/>
-          </a:effectRef>
-          <a:fontRef idx="minor">
-            <a:schemeClr val="tx1"/>
-          </a:fontRef>
-        </p:style>
-      </p:cxnSp>
-      <p:cxnSp>
-        <p:nvCxnSpPr>
-          <p:cNvPr id="101" name="Curved Connector 100"/>
-          <p:cNvCxnSpPr/>
-          <p:nvPr/>
-        </p:nvCxnSpPr>
-        <p:spPr>
-          <a:xfrm>
-            <a:off x="1961211" y="5045719"/>
-            <a:ext cx="9967758" cy="1294149"/>
-          </a:xfrm>
-          <a:prstGeom prst="curvedConnector3">
-            <a:avLst/>
-          </a:prstGeom>
-          <a:ln w="28575">
-            <a:solidFill>
-              <a:schemeClr val="bg1"/>
-            </a:solidFill>
-            <a:tailEnd type="triangle"/>
-          </a:ln>
-        </p:spPr>
-        <p:style>
-          <a:lnRef idx="1">
-            <a:schemeClr val="accent1"/>
-          </a:lnRef>
-          <a:fillRef idx="0">
-            <a:schemeClr val="accent1"/>
-          </a:fillRef>
-          <a:effectRef idx="0">
-            <a:schemeClr val="accent1"/>
-          </a:effectRef>
-          <a:fontRef idx="minor">
-            <a:schemeClr val="tx1"/>
-          </a:fontRef>
-        </p:style>
-      </p:cxnSp>
-      <p:cxnSp>
-        <p:nvCxnSpPr>
-          <p:cNvPr id="102" name="Curved Connector 101"/>
-          <p:cNvCxnSpPr/>
-          <p:nvPr/>
-        </p:nvCxnSpPr>
-        <p:spPr>
-          <a:xfrm>
-            <a:off x="1996602" y="5238192"/>
-            <a:ext cx="9853595" cy="1398807"/>
-          </a:xfrm>
-          <a:prstGeom prst="curvedConnector3">
-            <a:avLst/>
-          </a:prstGeom>
-          <a:ln w="28575">
-            <a:solidFill>
-              <a:schemeClr val="bg1"/>
-            </a:solidFill>
-            <a:tailEnd type="triangle"/>
-          </a:ln>
-        </p:spPr>
-        <p:style>
-          <a:lnRef idx="1">
-            <a:schemeClr val="accent1"/>
-          </a:lnRef>
-          <a:fillRef idx="0">
-            <a:schemeClr val="accent1"/>
-          </a:fillRef>
-          <a:effectRef idx="0">
-            <a:schemeClr val="accent1"/>
-          </a:effectRef>
-          <a:fontRef idx="minor">
-            <a:schemeClr val="tx1"/>
-          </a:fontRef>
-        </p:style>
-      </p:cxnSp>
-      <p:cxnSp>
-        <p:nvCxnSpPr>
-          <p:cNvPr id="103" name="Curved Connector 102"/>
-          <p:cNvCxnSpPr/>
-          <p:nvPr/>
-        </p:nvCxnSpPr>
-        <p:spPr>
-          <a:xfrm>
-            <a:off x="2376548" y="5493149"/>
-            <a:ext cx="9358944" cy="1303541"/>
-          </a:xfrm>
-          <a:prstGeom prst="curvedConnector3">
-            <a:avLst/>
-          </a:prstGeom>
-          <a:ln w="28575">
-            <a:solidFill>
-              <a:schemeClr val="bg1"/>
-            </a:solidFill>
-            <a:tailEnd type="triangle"/>
-          </a:ln>
-        </p:spPr>
-        <p:style>
-          <a:lnRef idx="1">
-            <a:schemeClr val="accent1"/>
-          </a:lnRef>
-          <a:fillRef idx="0">
-            <a:schemeClr val="accent1"/>
-          </a:fillRef>
-          <a:effectRef idx="0">
-            <a:schemeClr val="accent1"/>
-          </a:effectRef>
-          <a:fontRef idx="minor">
-            <a:schemeClr val="tx1"/>
-          </a:fontRef>
-        </p:style>
-      </p:cxnSp>
-      <p:cxnSp>
-        <p:nvCxnSpPr>
-          <p:cNvPr id="105" name="Curved Connector 104"/>
-          <p:cNvCxnSpPr/>
-          <p:nvPr/>
-        </p:nvCxnSpPr>
-        <p:spPr>
-          <a:xfrm rot="5400000">
-            <a:off x="1437386" y="6041884"/>
-            <a:ext cx="1271890" cy="382429"/>
-          </a:xfrm>
-          <a:prstGeom prst="curvedConnector3">
-            <a:avLst/>
-          </a:prstGeom>
-          <a:ln w="28575">
-            <a:solidFill>
-              <a:schemeClr val="bg1"/>
-            </a:solidFill>
-            <a:tailEnd type="triangle"/>
-          </a:ln>
-        </p:spPr>
-        <p:style>
-          <a:lnRef idx="1">
-            <a:schemeClr val="accent1"/>
-          </a:lnRef>
-          <a:fillRef idx="0">
-            <a:schemeClr val="accent1"/>
-          </a:fillRef>
-          <a:effectRef idx="0">
-            <a:schemeClr val="accent1"/>
-          </a:effectRef>
-          <a:fontRef idx="minor">
-            <a:schemeClr val="tx1"/>
-          </a:fontRef>
-        </p:style>
-      </p:cxnSp>
-      <p:cxnSp>
-        <p:nvCxnSpPr>
-          <p:cNvPr id="106" name="Curved Connector 105"/>
-          <p:cNvCxnSpPr/>
-          <p:nvPr/>
-        </p:nvCxnSpPr>
-        <p:spPr>
-          <a:xfrm rot="16200000" flipH="1">
-            <a:off x="1865652" y="6099293"/>
-            <a:ext cx="1157964" cy="136173"/>
-          </a:xfrm>
-          <a:prstGeom prst="curvedConnector3">
-            <a:avLst/>
-          </a:prstGeom>
-          <a:ln w="28575">
-            <a:solidFill>
-              <a:schemeClr val="bg1"/>
-            </a:solidFill>
-            <a:tailEnd type="triangle"/>
-          </a:ln>
-        </p:spPr>
-        <p:style>
-          <a:lnRef idx="1">
-            <a:schemeClr val="accent1"/>
-          </a:lnRef>
-          <a:fillRef idx="0">
-            <a:schemeClr val="accent1"/>
-          </a:fillRef>
-          <a:effectRef idx="0">
-            <a:schemeClr val="accent1"/>
-          </a:effectRef>
-          <a:fontRef idx="minor">
-            <a:schemeClr val="tx1"/>
-          </a:fontRef>
-        </p:style>
-      </p:cxnSp>
-      <p:cxnSp>
-        <p:nvCxnSpPr>
-          <p:cNvPr id="113" name="Curved Connector 112"/>
-          <p:cNvCxnSpPr/>
-          <p:nvPr/>
-        </p:nvCxnSpPr>
-        <p:spPr>
-          <a:xfrm rot="16200000" flipH="1">
-            <a:off x="2185886" y="5946958"/>
-            <a:ext cx="1163253" cy="482894"/>
-          </a:xfrm>
-          <a:prstGeom prst="curvedConnector3">
-            <a:avLst/>
-          </a:prstGeom>
-          <a:ln w="28575">
-            <a:solidFill>
-              <a:schemeClr val="bg1"/>
-            </a:solidFill>
-            <a:tailEnd type="triangle"/>
-          </a:ln>
-        </p:spPr>
-        <p:style>
-          <a:lnRef idx="1">
-            <a:schemeClr val="accent1"/>
-          </a:lnRef>
-          <a:fillRef idx="0">
-            <a:schemeClr val="accent1"/>
-          </a:fillRef>
-          <a:effectRef idx="0">
-            <a:schemeClr val="accent1"/>
-          </a:effectRef>
-          <a:fontRef idx="minor">
-            <a:schemeClr val="tx1"/>
-          </a:fontRef>
-        </p:style>
-      </p:cxnSp>
-      <p:cxnSp>
-        <p:nvCxnSpPr>
-          <p:cNvPr id="114" name="Curved Connector 113"/>
-          <p:cNvCxnSpPr/>
-          <p:nvPr/>
-        </p:nvCxnSpPr>
-        <p:spPr>
-          <a:xfrm>
-            <a:off x="2637782" y="5635960"/>
-            <a:ext cx="1129818" cy="1110402"/>
-          </a:xfrm>
-          <a:prstGeom prst="curvedConnector3">
-            <a:avLst/>
-          </a:prstGeom>
-          <a:ln w="28575">
-            <a:solidFill>
-              <a:schemeClr val="bg1"/>
-            </a:solidFill>
-            <a:tailEnd type="triangle"/>
-          </a:ln>
-        </p:spPr>
-        <p:style>
-          <a:lnRef idx="1">
-            <a:schemeClr val="accent1"/>
-          </a:lnRef>
-          <a:fillRef idx="0">
-            <a:schemeClr val="accent1"/>
-          </a:fillRef>
-          <a:effectRef idx="0">
-            <a:schemeClr val="accent1"/>
-          </a:effectRef>
-          <a:fontRef idx="minor">
-            <a:schemeClr val="tx1"/>
-          </a:fontRef>
-        </p:style>
-      </p:cxnSp>
-      <p:cxnSp>
-        <p:nvCxnSpPr>
-          <p:cNvPr id="115" name="Curved Connector 114"/>
-          <p:cNvCxnSpPr/>
-          <p:nvPr/>
-        </p:nvCxnSpPr>
-        <p:spPr>
-          <a:xfrm rot="10800000" flipV="1">
-            <a:off x="516040" y="5696095"/>
-            <a:ext cx="1498874" cy="952562"/>
-          </a:xfrm>
-          <a:prstGeom prst="curvedConnector3">
-            <a:avLst/>
-          </a:prstGeom>
-          <a:ln w="28575">
-            <a:solidFill>
-              <a:schemeClr val="bg1"/>
-            </a:solidFill>
-            <a:tailEnd type="triangle"/>
-          </a:ln>
-        </p:spPr>
-        <p:style>
-          <a:lnRef idx="1">
-            <a:schemeClr val="accent1"/>
-          </a:lnRef>
-          <a:fillRef idx="0">
-            <a:schemeClr val="accent1"/>
-          </a:fillRef>
-          <a:effectRef idx="0">
-            <a:schemeClr val="accent1"/>
-          </a:effectRef>
-          <a:fontRef idx="minor">
-            <a:schemeClr val="tx1"/>
-          </a:fontRef>
-        </p:style>
-      </p:cxnSp>
-      <p:cxnSp>
-        <p:nvCxnSpPr>
-          <p:cNvPr id="116" name="Curved Connector 115"/>
-          <p:cNvCxnSpPr/>
-          <p:nvPr/>
-        </p:nvCxnSpPr>
-        <p:spPr>
-          <a:xfrm rot="5400000">
-            <a:off x="1176381" y="5836426"/>
-            <a:ext cx="1116535" cy="750673"/>
-          </a:xfrm>
-          <a:prstGeom prst="curvedConnector3">
-            <a:avLst/>
-          </a:prstGeom>
-          <a:ln w="28575">
-            <a:solidFill>
-              <a:schemeClr val="bg1"/>
-            </a:solidFill>
-            <a:tailEnd type="triangle"/>
-          </a:ln>
-        </p:spPr>
-        <p:style>
-          <a:lnRef idx="1">
-            <a:schemeClr val="accent1"/>
-          </a:lnRef>
-          <a:fillRef idx="0">
-            <a:schemeClr val="accent1"/>
-          </a:fillRef>
-          <a:effectRef idx="0">
-            <a:schemeClr val="accent1"/>
-          </a:effectRef>
-          <a:fontRef idx="minor">
-            <a:schemeClr val="tx1"/>
-          </a:fontRef>
-        </p:style>
-      </p:cxnSp>
-      <p:cxnSp>
-        <p:nvCxnSpPr>
-          <p:cNvPr id="129" name="Curved Connector 128"/>
-          <p:cNvCxnSpPr/>
-          <p:nvPr/>
-        </p:nvCxnSpPr>
-        <p:spPr>
-          <a:xfrm>
-            <a:off x="2945209" y="5664892"/>
-            <a:ext cx="2683431" cy="1092511"/>
-          </a:xfrm>
-          <a:prstGeom prst="curvedConnector3">
-            <a:avLst/>
-          </a:prstGeom>
-          <a:ln w="28575">
-            <a:solidFill>
-              <a:schemeClr val="bg1"/>
-            </a:solidFill>
-            <a:tailEnd type="triangle"/>
-          </a:ln>
-        </p:spPr>
-        <p:style>
-          <a:lnRef idx="1">
-            <a:schemeClr val="accent1"/>
-          </a:lnRef>
-          <a:fillRef idx="0">
-            <a:schemeClr val="accent1"/>
-          </a:fillRef>
-          <a:effectRef idx="0">
-            <a:schemeClr val="accent1"/>
-          </a:effectRef>
-          <a:fontRef idx="minor">
-            <a:schemeClr val="tx1"/>
-          </a:fontRef>
-        </p:style>
-      </p:cxnSp>
-      <p:cxnSp>
-        <p:nvCxnSpPr>
-          <p:cNvPr id="130" name="Curved Connector 129"/>
-          <p:cNvCxnSpPr/>
-          <p:nvPr/>
-        </p:nvCxnSpPr>
-        <p:spPr>
-          <a:xfrm>
-            <a:off x="2872370" y="5595198"/>
-            <a:ext cx="4341230" cy="1185357"/>
-          </a:xfrm>
-          <a:prstGeom prst="curvedConnector3">
-            <a:avLst/>
-          </a:prstGeom>
-          <a:ln w="28575">
-            <a:solidFill>
-              <a:schemeClr val="bg1"/>
-            </a:solidFill>
-            <a:tailEnd type="triangle"/>
-          </a:ln>
-        </p:spPr>
-        <p:style>
-          <a:lnRef idx="1">
-            <a:schemeClr val="accent1"/>
-          </a:lnRef>
-          <a:fillRef idx="0">
-            <a:schemeClr val="accent1"/>
-          </a:fillRef>
-          <a:effectRef idx="0">
-            <a:schemeClr val="accent1"/>
-          </a:effectRef>
-          <a:fontRef idx="minor">
-            <a:schemeClr val="tx1"/>
-          </a:fontRef>
-        </p:style>
-      </p:cxnSp>
-      <p:cxnSp>
-        <p:nvCxnSpPr>
-          <p:cNvPr id="131" name="Curved Connector 130"/>
-          <p:cNvCxnSpPr/>
-          <p:nvPr/>
-        </p:nvCxnSpPr>
-        <p:spPr>
-          <a:xfrm>
-            <a:off x="2728899" y="5545468"/>
-            <a:ext cx="6872305" cy="1262263"/>
-          </a:xfrm>
-          <a:prstGeom prst="curvedConnector3">
-            <a:avLst/>
-          </a:prstGeom>
-          <a:ln w="28575">
-            <a:solidFill>
-              <a:schemeClr val="bg1"/>
-            </a:solidFill>
-            <a:tailEnd type="triangle"/>
-          </a:ln>
-        </p:spPr>
-        <p:style>
-          <a:lnRef idx="1">
-            <a:schemeClr val="accent1"/>
-          </a:lnRef>
-          <a:fillRef idx="0">
-            <a:schemeClr val="accent1"/>
-          </a:fillRef>
-          <a:effectRef idx="0">
-            <a:schemeClr val="accent1"/>
-          </a:effectRef>
-          <a:fontRef idx="minor">
-            <a:schemeClr val="tx1"/>
-          </a:fontRef>
-        </p:style>
-      </p:cxnSp>
-      <p:sp>
-        <p:nvSpPr>
-          <p:cNvPr id="1070" name="TextBox 1069"/>
-          <p:cNvSpPr txBox="1"/>
-          <p:nvPr/>
-        </p:nvSpPr>
-        <p:spPr>
-          <a:xfrm>
-            <a:off x="3622845" y="223629"/>
-            <a:ext cx="4946312" cy="369332"/>
-          </a:xfrm>
-          <a:prstGeom prst="rect">
-            <a:avLst/>
-          </a:prstGeom>
-          <a:noFill/>
-        </p:spPr>
-        <p:txBody>
-          <a:bodyPr wrap="square" rtlCol="0">
-            <a:spAutoFit/>
-          </a:bodyPr>
-          <a:lstStyle/>
-          <a:p>
-            <a:r>
-              <a:rPr lang="en-US" dirty="0" smtClean="0"/>
-              <a:t>Traditional Cabled Seismic Data Acquisition System</a:t>
-            </a:r>
-            <a:endParaRPr lang="en-US" dirty="0"/>
-          </a:p>
-        </p:txBody>
-      </p:sp>
-      <p:cxnSp>
-        <p:nvCxnSpPr>
-          <p:cNvPr id="1072" name="Straight Arrow Connector 1071"/>
-          <p:cNvCxnSpPr/>
-          <p:nvPr/>
-        </p:nvCxnSpPr>
-        <p:spPr>
-          <a:xfrm flipH="1" flipV="1">
-            <a:off x="3077499" y="2341008"/>
-            <a:ext cx="588357" cy="1540606"/>
-          </a:xfrm>
-          <a:prstGeom prst="straightConnector1">
-            <a:avLst/>
-          </a:prstGeom>
-          <a:ln>
-            <a:solidFill>
-              <a:schemeClr val="tx1"/>
-            </a:solidFill>
-            <a:tailEnd type="triangle"/>
-          </a:ln>
-        </p:spPr>
-        <p:style>
-          <a:lnRef idx="1">
-            <a:schemeClr val="accent1"/>
-          </a:lnRef>
-          <a:fillRef idx="0">
-            <a:schemeClr val="accent1"/>
-          </a:fillRef>
-          <a:effectRef idx="0">
-            <a:schemeClr val="accent1"/>
-          </a:effectRef>
-          <a:fontRef idx="minor">
-            <a:schemeClr val="tx1"/>
-          </a:fontRef>
-        </p:style>
-      </p:cxnSp>
-      <p:cxnSp>
-        <p:nvCxnSpPr>
-          <p:cNvPr id="145" name="Straight Arrow Connector 144"/>
-          <p:cNvCxnSpPr/>
-          <p:nvPr/>
-        </p:nvCxnSpPr>
-        <p:spPr>
-          <a:xfrm flipH="1" flipV="1">
-            <a:off x="3293808" y="2341007"/>
-            <a:ext cx="2025666" cy="1553197"/>
-          </a:xfrm>
-          <a:prstGeom prst="straightConnector1">
-            <a:avLst/>
-          </a:prstGeom>
-          <a:ln>
-            <a:solidFill>
-              <a:schemeClr val="tx1"/>
-            </a:solidFill>
-            <a:tailEnd type="triangle"/>
-          </a:ln>
-        </p:spPr>
-        <p:style>
-          <a:lnRef idx="1">
-            <a:schemeClr val="accent1"/>
-          </a:lnRef>
-          <a:fillRef idx="0">
-            <a:schemeClr val="accent1"/>
-          </a:fillRef>
-          <a:effectRef idx="0">
-            <a:schemeClr val="accent1"/>
-          </a:effectRef>
-          <a:fontRef idx="minor">
-            <a:schemeClr val="tx1"/>
-          </a:fontRef>
-        </p:style>
-      </p:cxnSp>
-      <p:sp>
-        <p:nvSpPr>
-          <p:cNvPr id="1075" name="TextBox 1074"/>
-          <p:cNvSpPr txBox="1"/>
-          <p:nvPr/>
-        </p:nvSpPr>
-        <p:spPr>
-          <a:xfrm>
-            <a:off x="2637781" y="1783030"/>
-            <a:ext cx="2016565" cy="369332"/>
-          </a:xfrm>
-          <a:prstGeom prst="rect">
-            <a:avLst/>
-          </a:prstGeom>
-          <a:noFill/>
-        </p:spPr>
-        <p:txBody>
-          <a:bodyPr wrap="square" rtlCol="0">
-            <a:spAutoFit/>
-          </a:bodyPr>
-          <a:lstStyle/>
-          <a:p>
-            <a:r>
-              <a:rPr lang="en-US" dirty="0" smtClean="0"/>
-              <a:t>Geophones(Sensor)</a:t>
-            </a:r>
-            <a:endParaRPr lang="en-US" dirty="0"/>
-          </a:p>
-        </p:txBody>
-      </p:sp>
-      <p:cxnSp>
-        <p:nvCxnSpPr>
-          <p:cNvPr id="1077" name="Straight Arrow Connector 1076"/>
-          <p:cNvCxnSpPr/>
-          <p:nvPr/>
-        </p:nvCxnSpPr>
-        <p:spPr>
-          <a:xfrm flipV="1">
-            <a:off x="2013288" y="3130361"/>
-            <a:ext cx="0" cy="1002580"/>
-          </a:xfrm>
-          <a:prstGeom prst="straightConnector1">
-            <a:avLst/>
-          </a:prstGeom>
-          <a:ln>
-            <a:solidFill>
-              <a:schemeClr val="tx1"/>
-            </a:solidFill>
-            <a:tailEnd type="triangle"/>
-          </a:ln>
-        </p:spPr>
-        <p:style>
-          <a:lnRef idx="1">
-            <a:schemeClr val="accent1"/>
-          </a:lnRef>
-          <a:fillRef idx="0">
-            <a:schemeClr val="accent1"/>
-          </a:fillRef>
-          <a:effectRef idx="0">
-            <a:schemeClr val="accent1"/>
-          </a:effectRef>
-          <a:fontRef idx="minor">
-            <a:schemeClr val="tx1"/>
-          </a:fontRef>
-        </p:style>
-      </p:cxnSp>
-      <p:sp>
-        <p:nvSpPr>
-          <p:cNvPr id="1078" name="TextBox 1077"/>
-          <p:cNvSpPr txBox="1"/>
-          <p:nvPr/>
-        </p:nvSpPr>
-        <p:spPr>
-          <a:xfrm>
-            <a:off x="1513151" y="2849459"/>
-            <a:ext cx="1178241" cy="369332"/>
-          </a:xfrm>
-          <a:prstGeom prst="rect">
-            <a:avLst/>
-          </a:prstGeom>
-          <a:noFill/>
-        </p:spPr>
-        <p:txBody>
-          <a:bodyPr wrap="square" rtlCol="0">
-            <a:spAutoFit/>
-          </a:bodyPr>
-          <a:lstStyle/>
-          <a:p>
-            <a:r>
-              <a:rPr lang="en-US" dirty="0" smtClean="0"/>
-              <a:t>Epicenter</a:t>
-            </a:r>
-            <a:endParaRPr lang="en-US" dirty="0"/>
-          </a:p>
-        </p:txBody>
-      </p:sp>
-      <p:cxnSp>
-        <p:nvCxnSpPr>
-          <p:cNvPr id="152" name="Straight Arrow Connector 151"/>
-          <p:cNvCxnSpPr/>
-          <p:nvPr/>
-        </p:nvCxnSpPr>
-        <p:spPr>
-          <a:xfrm flipV="1">
-            <a:off x="692488" y="2216211"/>
-            <a:ext cx="0" cy="1002580"/>
-          </a:xfrm>
-          <a:prstGeom prst="straightConnector1">
-            <a:avLst/>
-          </a:prstGeom>
-          <a:ln>
-            <a:solidFill>
-              <a:schemeClr val="tx1"/>
-            </a:solidFill>
-            <a:tailEnd type="triangle"/>
-          </a:ln>
-        </p:spPr>
-        <p:style>
-          <a:lnRef idx="1">
-            <a:schemeClr val="accent1"/>
-          </a:lnRef>
-          <a:fillRef idx="0">
-            <a:schemeClr val="accent1"/>
-          </a:fillRef>
-          <a:effectRef idx="0">
-            <a:schemeClr val="accent1"/>
-          </a:effectRef>
-          <a:fontRef idx="minor">
-            <a:schemeClr val="tx1"/>
-          </a:fontRef>
-        </p:style>
-      </p:cxnSp>
-      <p:sp>
-        <p:nvSpPr>
-          <p:cNvPr id="1079" name="TextBox 1078"/>
-          <p:cNvSpPr txBox="1"/>
-          <p:nvPr/>
-        </p:nvSpPr>
-        <p:spPr>
-          <a:xfrm>
-            <a:off x="115976" y="1690445"/>
-            <a:ext cx="1143958" cy="584775"/>
-          </a:xfrm>
-          <a:prstGeom prst="rect">
-            <a:avLst/>
-          </a:prstGeom>
-          <a:noFill/>
-        </p:spPr>
-        <p:txBody>
-          <a:bodyPr wrap="square" rtlCol="0">
-            <a:spAutoFit/>
-          </a:bodyPr>
-          <a:lstStyle/>
-          <a:p>
-            <a:pPr algn="ctr"/>
-            <a:r>
-              <a:rPr lang="en-US" sz="1600" dirty="0" smtClean="0"/>
-              <a:t>Source (Hammer)</a:t>
-            </a:r>
-            <a:endParaRPr lang="en-US" sz="1600" dirty="0"/>
-          </a:p>
-        </p:txBody>
-      </p:sp>
-      <p:sp>
-        <p:nvSpPr>
-          <p:cNvPr id="1080" name="TextBox 1079"/>
-          <p:cNvSpPr txBox="1"/>
-          <p:nvPr/>
-        </p:nvSpPr>
-        <p:spPr>
-          <a:xfrm>
-            <a:off x="10515479" y="4658476"/>
-            <a:ext cx="1439774" cy="646331"/>
-          </a:xfrm>
-          <a:prstGeom prst="rect">
-            <a:avLst/>
-          </a:prstGeom>
-          <a:noFill/>
-        </p:spPr>
-        <p:txBody>
-          <a:bodyPr wrap="square" rtlCol="0">
-            <a:spAutoFit/>
-          </a:bodyPr>
-          <a:lstStyle/>
-          <a:p>
-            <a:pPr algn="ctr"/>
-            <a:r>
-              <a:rPr lang="en-US" b="1" dirty="0" smtClean="0">
-                <a:solidFill>
-                  <a:schemeClr val="bg1"/>
-                </a:solidFill>
-              </a:rPr>
-              <a:t>Vibrational Waves</a:t>
-            </a:r>
-            <a:endParaRPr lang="en-US" b="1" dirty="0">
-              <a:solidFill>
-                <a:schemeClr val="bg1"/>
-              </a:solidFill>
-            </a:endParaRPr>
-          </a:p>
-        </p:txBody>
-      </p:sp>
     </p:spTree>
     <p:extLst>
       <p:ext uri="{BB962C8B-B14F-4D97-AF65-F5344CB8AC3E}">

--- a/Seismic Drones/CASE-2016/pictures/TraditionalCabeledSystem.pptx
+++ b/Seismic Drones/CASE-2016/pictures/TraditionalCabeledSystem.pptx
@@ -243,7 +243,7 @@
           <a:p>
             <a:fld id="{72A6CF2C-CEEB-4F05-A35E-FAC0B9832724}" type="datetimeFigureOut">
               <a:rPr lang="en-US" smtClean="0"/>
-              <a:t>3/5/2016</a:t>
+              <a:t>3/8/2016</a:t>
             </a:fld>
             <a:endParaRPr lang="en-US"/>
           </a:p>
@@ -413,7 +413,7 @@
           <a:p>
             <a:fld id="{72A6CF2C-CEEB-4F05-A35E-FAC0B9832724}" type="datetimeFigureOut">
               <a:rPr lang="en-US" smtClean="0"/>
-              <a:t>3/5/2016</a:t>
+              <a:t>3/8/2016</a:t>
             </a:fld>
             <a:endParaRPr lang="en-US"/>
           </a:p>
@@ -593,7 +593,7 @@
           <a:p>
             <a:fld id="{72A6CF2C-CEEB-4F05-A35E-FAC0B9832724}" type="datetimeFigureOut">
               <a:rPr lang="en-US" smtClean="0"/>
-              <a:t>3/5/2016</a:t>
+              <a:t>3/8/2016</a:t>
             </a:fld>
             <a:endParaRPr lang="en-US"/>
           </a:p>
@@ -763,7 +763,7 @@
           <a:p>
             <a:fld id="{72A6CF2C-CEEB-4F05-A35E-FAC0B9832724}" type="datetimeFigureOut">
               <a:rPr lang="en-US" smtClean="0"/>
-              <a:t>3/5/2016</a:t>
+              <a:t>3/8/2016</a:t>
             </a:fld>
             <a:endParaRPr lang="en-US"/>
           </a:p>
@@ -1009,7 +1009,7 @@
           <a:p>
             <a:fld id="{72A6CF2C-CEEB-4F05-A35E-FAC0B9832724}" type="datetimeFigureOut">
               <a:rPr lang="en-US" smtClean="0"/>
-              <a:t>3/5/2016</a:t>
+              <a:t>3/8/2016</a:t>
             </a:fld>
             <a:endParaRPr lang="en-US"/>
           </a:p>
@@ -1241,7 +1241,7 @@
           <a:p>
             <a:fld id="{72A6CF2C-CEEB-4F05-A35E-FAC0B9832724}" type="datetimeFigureOut">
               <a:rPr lang="en-US" smtClean="0"/>
-              <a:t>3/5/2016</a:t>
+              <a:t>3/8/2016</a:t>
             </a:fld>
             <a:endParaRPr lang="en-US"/>
           </a:p>
@@ -1608,7 +1608,7 @@
           <a:p>
             <a:fld id="{72A6CF2C-CEEB-4F05-A35E-FAC0B9832724}" type="datetimeFigureOut">
               <a:rPr lang="en-US" smtClean="0"/>
-              <a:t>3/5/2016</a:t>
+              <a:t>3/8/2016</a:t>
             </a:fld>
             <a:endParaRPr lang="en-US"/>
           </a:p>
@@ -1726,7 +1726,7 @@
           <a:p>
             <a:fld id="{72A6CF2C-CEEB-4F05-A35E-FAC0B9832724}" type="datetimeFigureOut">
               <a:rPr lang="en-US" smtClean="0"/>
-              <a:t>3/5/2016</a:t>
+              <a:t>3/8/2016</a:t>
             </a:fld>
             <a:endParaRPr lang="en-US"/>
           </a:p>
@@ -1821,7 +1821,7 @@
           <a:p>
             <a:fld id="{72A6CF2C-CEEB-4F05-A35E-FAC0B9832724}" type="datetimeFigureOut">
               <a:rPr lang="en-US" smtClean="0"/>
-              <a:t>3/5/2016</a:t>
+              <a:t>3/8/2016</a:t>
             </a:fld>
             <a:endParaRPr lang="en-US"/>
           </a:p>
@@ -2098,7 +2098,7 @@
           <a:p>
             <a:fld id="{72A6CF2C-CEEB-4F05-A35E-FAC0B9832724}" type="datetimeFigureOut">
               <a:rPr lang="en-US" smtClean="0"/>
-              <a:t>3/5/2016</a:t>
+              <a:t>3/8/2016</a:t>
             </a:fld>
             <a:endParaRPr lang="en-US"/>
           </a:p>
@@ -2351,7 +2351,7 @@
           <a:p>
             <a:fld id="{72A6CF2C-CEEB-4F05-A35E-FAC0B9832724}" type="datetimeFigureOut">
               <a:rPr lang="en-US" smtClean="0"/>
-              <a:t>3/5/2016</a:t>
+              <a:t>3/8/2016</a:t>
             </a:fld>
             <a:endParaRPr lang="en-US"/>
           </a:p>
@@ -2564,7 +2564,7 @@
           <a:p>
             <a:fld id="{72A6CF2C-CEEB-4F05-A35E-FAC0B9832724}" type="datetimeFigureOut">
               <a:rPr lang="en-US" smtClean="0"/>
-              <a:t>3/5/2016</a:t>
+              <a:t>3/8/2016</a:t>
             </a:fld>
             <a:endParaRPr lang="en-US"/>
           </a:p>
@@ -2977,7 +2977,7 @@
         </p:nvSpPr>
         <p:spPr>
           <a:xfrm>
-            <a:off x="8535" y="727256"/>
+            <a:off x="-430" y="727256"/>
             <a:ext cx="12192000" cy="3696923"/>
           </a:xfrm>
           <a:prstGeom prst="rect">
@@ -3215,798 +3215,6 @@
           </a:fontRef>
         </p:style>
       </p:cxnSp>
-      <p:cxnSp>
-        <p:nvCxnSpPr>
-          <p:cNvPr id="84" name="Curved Connector 83"/>
-          <p:cNvCxnSpPr/>
-          <p:nvPr/>
-        </p:nvCxnSpPr>
-        <p:spPr>
-          <a:xfrm rot="10800000" flipV="1">
-            <a:off x="180411" y="4580797"/>
-            <a:ext cx="1280435" cy="217578"/>
-          </a:xfrm>
-          <a:prstGeom prst="curvedConnector3">
-            <a:avLst/>
-          </a:prstGeom>
-          <a:ln w="28575">
-            <a:solidFill>
-              <a:schemeClr val="bg1"/>
-            </a:solidFill>
-            <a:tailEnd type="triangle"/>
-          </a:ln>
-        </p:spPr>
-        <p:style>
-          <a:lnRef idx="1">
-            <a:schemeClr val="accent1"/>
-          </a:lnRef>
-          <a:fillRef idx="0">
-            <a:schemeClr val="accent1"/>
-          </a:fillRef>
-          <a:effectRef idx="0">
-            <a:schemeClr val="accent1"/>
-          </a:effectRef>
-          <a:fontRef idx="minor">
-            <a:schemeClr val="tx1"/>
-          </a:fontRef>
-        </p:style>
-      </p:cxnSp>
-      <p:cxnSp>
-        <p:nvCxnSpPr>
-          <p:cNvPr id="85" name="Curved Connector 84"/>
-          <p:cNvCxnSpPr/>
-          <p:nvPr/>
-        </p:nvCxnSpPr>
-        <p:spPr>
-          <a:xfrm rot="10800000" flipV="1">
-            <a:off x="193152" y="4739992"/>
-            <a:ext cx="1362934" cy="360149"/>
-          </a:xfrm>
-          <a:prstGeom prst="curvedConnector3">
-            <a:avLst/>
-          </a:prstGeom>
-          <a:ln w="28575">
-            <a:solidFill>
-              <a:schemeClr val="bg1"/>
-            </a:solidFill>
-            <a:tailEnd type="triangle"/>
-          </a:ln>
-        </p:spPr>
-        <p:style>
-          <a:lnRef idx="1">
-            <a:schemeClr val="accent1"/>
-          </a:lnRef>
-          <a:fillRef idx="0">
-            <a:schemeClr val="accent1"/>
-          </a:fillRef>
-          <a:effectRef idx="0">
-            <a:schemeClr val="accent1"/>
-          </a:effectRef>
-          <a:fontRef idx="minor">
-            <a:schemeClr val="tx1"/>
-          </a:fontRef>
-        </p:style>
-      </p:cxnSp>
-      <p:cxnSp>
-        <p:nvCxnSpPr>
-          <p:cNvPr id="86" name="Curved Connector 85"/>
-          <p:cNvCxnSpPr/>
-          <p:nvPr/>
-        </p:nvCxnSpPr>
-        <p:spPr>
-          <a:xfrm rot="10800000" flipV="1">
-            <a:off x="257798" y="4892392"/>
-            <a:ext cx="1450689" cy="397065"/>
-          </a:xfrm>
-          <a:prstGeom prst="curvedConnector3">
-            <a:avLst/>
-          </a:prstGeom>
-          <a:ln w="28575">
-            <a:solidFill>
-              <a:schemeClr val="bg1"/>
-            </a:solidFill>
-            <a:tailEnd type="triangle"/>
-          </a:ln>
-        </p:spPr>
-        <p:style>
-          <a:lnRef idx="1">
-            <a:schemeClr val="accent1"/>
-          </a:lnRef>
-          <a:fillRef idx="0">
-            <a:schemeClr val="accent1"/>
-          </a:fillRef>
-          <a:effectRef idx="0">
-            <a:schemeClr val="accent1"/>
-          </a:effectRef>
-          <a:fontRef idx="minor">
-            <a:schemeClr val="tx1"/>
-          </a:fontRef>
-        </p:style>
-      </p:cxnSp>
-      <p:cxnSp>
-        <p:nvCxnSpPr>
-          <p:cNvPr id="87" name="Curved Connector 86"/>
-          <p:cNvCxnSpPr/>
-          <p:nvPr/>
-        </p:nvCxnSpPr>
-        <p:spPr>
-          <a:xfrm rot="10800000" flipV="1">
-            <a:off x="179026" y="5044792"/>
-            <a:ext cx="1681861" cy="441959"/>
-          </a:xfrm>
-          <a:prstGeom prst="curvedConnector3">
-            <a:avLst/>
-          </a:prstGeom>
-          <a:ln w="28575">
-            <a:solidFill>
-              <a:schemeClr val="bg1"/>
-            </a:solidFill>
-            <a:tailEnd type="triangle"/>
-          </a:ln>
-        </p:spPr>
-        <p:style>
-          <a:lnRef idx="1">
-            <a:schemeClr val="accent1"/>
-          </a:lnRef>
-          <a:fillRef idx="0">
-            <a:schemeClr val="accent1"/>
-          </a:fillRef>
-          <a:effectRef idx="0">
-            <a:schemeClr val="accent1"/>
-          </a:effectRef>
-          <a:fontRef idx="minor">
-            <a:schemeClr val="tx1"/>
-          </a:fontRef>
-        </p:style>
-      </p:cxnSp>
-      <p:cxnSp>
-        <p:nvCxnSpPr>
-          <p:cNvPr id="88" name="Curved Connector 87"/>
-          <p:cNvCxnSpPr/>
-          <p:nvPr/>
-        </p:nvCxnSpPr>
-        <p:spPr>
-          <a:xfrm rot="10800000" flipV="1">
-            <a:off x="257798" y="5197193"/>
-            <a:ext cx="1755489" cy="495600"/>
-          </a:xfrm>
-          <a:prstGeom prst="curvedConnector3">
-            <a:avLst/>
-          </a:prstGeom>
-          <a:ln w="28575">
-            <a:solidFill>
-              <a:schemeClr val="bg1"/>
-            </a:solidFill>
-            <a:tailEnd type="triangle"/>
-          </a:ln>
-        </p:spPr>
-        <p:style>
-          <a:lnRef idx="1">
-            <a:schemeClr val="accent1"/>
-          </a:lnRef>
-          <a:fillRef idx="0">
-            <a:schemeClr val="accent1"/>
-          </a:fillRef>
-          <a:effectRef idx="0">
-            <a:schemeClr val="accent1"/>
-          </a:effectRef>
-          <a:fontRef idx="minor">
-            <a:schemeClr val="tx1"/>
-          </a:fontRef>
-        </p:style>
-      </p:cxnSp>
-      <p:cxnSp>
-        <p:nvCxnSpPr>
-          <p:cNvPr id="89" name="Curved Connector 88"/>
-          <p:cNvCxnSpPr/>
-          <p:nvPr/>
-        </p:nvCxnSpPr>
-        <p:spPr>
-          <a:xfrm rot="10800000" flipV="1">
-            <a:off x="177400" y="5349593"/>
-            <a:ext cx="1988287" cy="576578"/>
-          </a:xfrm>
-          <a:prstGeom prst="curvedConnector3">
-            <a:avLst/>
-          </a:prstGeom>
-          <a:ln w="28575">
-            <a:solidFill>
-              <a:schemeClr val="bg1"/>
-            </a:solidFill>
-            <a:tailEnd type="triangle"/>
-          </a:ln>
-        </p:spPr>
-        <p:style>
-          <a:lnRef idx="1">
-            <a:schemeClr val="accent1"/>
-          </a:lnRef>
-          <a:fillRef idx="0">
-            <a:schemeClr val="accent1"/>
-          </a:fillRef>
-          <a:effectRef idx="0">
-            <a:schemeClr val="accent1"/>
-          </a:effectRef>
-          <a:fontRef idx="minor">
-            <a:schemeClr val="tx1"/>
-          </a:fontRef>
-        </p:style>
-      </p:cxnSp>
-      <p:cxnSp>
-        <p:nvCxnSpPr>
-          <p:cNvPr id="90" name="Curved Connector 89"/>
-          <p:cNvCxnSpPr/>
-          <p:nvPr/>
-        </p:nvCxnSpPr>
-        <p:spPr>
-          <a:xfrm rot="10800000" flipV="1">
-            <a:off x="257797" y="5490052"/>
-            <a:ext cx="1886594" cy="697823"/>
-          </a:xfrm>
-          <a:prstGeom prst="curvedConnector3">
-            <a:avLst/>
-          </a:prstGeom>
-          <a:ln w="28575">
-            <a:solidFill>
-              <a:schemeClr val="bg1"/>
-            </a:solidFill>
-            <a:tailEnd type="triangle"/>
-          </a:ln>
-        </p:spPr>
-        <p:style>
-          <a:lnRef idx="1">
-            <a:schemeClr val="accent1"/>
-          </a:lnRef>
-          <a:fillRef idx="0">
-            <a:schemeClr val="accent1"/>
-          </a:fillRef>
-          <a:effectRef idx="0">
-            <a:schemeClr val="accent1"/>
-          </a:effectRef>
-          <a:fontRef idx="minor">
-            <a:schemeClr val="tx1"/>
-          </a:fontRef>
-        </p:style>
-      </p:cxnSp>
-      <p:cxnSp>
-        <p:nvCxnSpPr>
-          <p:cNvPr id="98" name="Curved Connector 97"/>
-          <p:cNvCxnSpPr/>
-          <p:nvPr/>
-        </p:nvCxnSpPr>
-        <p:spPr>
-          <a:xfrm>
-            <a:off x="2036518" y="4530092"/>
-            <a:ext cx="9888528" cy="818226"/>
-          </a:xfrm>
-          <a:prstGeom prst="curvedConnector3">
-            <a:avLst/>
-          </a:prstGeom>
-          <a:ln w="28575">
-            <a:solidFill>
-              <a:schemeClr val="bg1"/>
-            </a:solidFill>
-            <a:tailEnd type="triangle"/>
-          </a:ln>
-        </p:spPr>
-        <p:style>
-          <a:lnRef idx="1">
-            <a:schemeClr val="accent1"/>
-          </a:lnRef>
-          <a:fillRef idx="0">
-            <a:schemeClr val="accent1"/>
-          </a:fillRef>
-          <a:effectRef idx="0">
-            <a:schemeClr val="accent1"/>
-          </a:effectRef>
-          <a:fontRef idx="minor">
-            <a:schemeClr val="tx1"/>
-          </a:fontRef>
-        </p:style>
-      </p:cxnSp>
-      <p:cxnSp>
-        <p:nvCxnSpPr>
-          <p:cNvPr id="99" name="Curved Connector 98"/>
-          <p:cNvCxnSpPr/>
-          <p:nvPr/>
-        </p:nvCxnSpPr>
-        <p:spPr>
-          <a:xfrm>
-            <a:off x="2071994" y="4702524"/>
-            <a:ext cx="9882801" cy="993571"/>
-          </a:xfrm>
-          <a:prstGeom prst="curvedConnector3">
-            <a:avLst/>
-          </a:prstGeom>
-          <a:ln w="28575">
-            <a:solidFill>
-              <a:schemeClr val="bg1"/>
-            </a:solidFill>
-            <a:tailEnd type="triangle"/>
-          </a:ln>
-        </p:spPr>
-        <p:style>
-          <a:lnRef idx="1">
-            <a:schemeClr val="accent1"/>
-          </a:lnRef>
-          <a:fillRef idx="0">
-            <a:schemeClr val="accent1"/>
-          </a:fillRef>
-          <a:effectRef idx="0">
-            <a:schemeClr val="accent1"/>
-          </a:effectRef>
-          <a:fontRef idx="minor">
-            <a:schemeClr val="tx1"/>
-          </a:fontRef>
-        </p:style>
-      </p:cxnSp>
-      <p:cxnSp>
-        <p:nvCxnSpPr>
-          <p:cNvPr id="100" name="Curved Connector 99"/>
-          <p:cNvCxnSpPr/>
-          <p:nvPr/>
-        </p:nvCxnSpPr>
-        <p:spPr>
-          <a:xfrm>
-            <a:off x="1882116" y="4882860"/>
-            <a:ext cx="10082568" cy="1114717"/>
-          </a:xfrm>
-          <a:prstGeom prst="curvedConnector3">
-            <a:avLst/>
-          </a:prstGeom>
-          <a:ln w="28575">
-            <a:solidFill>
-              <a:schemeClr val="bg1"/>
-            </a:solidFill>
-            <a:tailEnd type="triangle"/>
-          </a:ln>
-        </p:spPr>
-        <p:style>
-          <a:lnRef idx="1">
-            <a:schemeClr val="accent1"/>
-          </a:lnRef>
-          <a:fillRef idx="0">
-            <a:schemeClr val="accent1"/>
-          </a:fillRef>
-          <a:effectRef idx="0">
-            <a:schemeClr val="accent1"/>
-          </a:effectRef>
-          <a:fontRef idx="minor">
-            <a:schemeClr val="tx1"/>
-          </a:fontRef>
-        </p:style>
-      </p:cxnSp>
-      <p:cxnSp>
-        <p:nvCxnSpPr>
-          <p:cNvPr id="101" name="Curved Connector 100"/>
-          <p:cNvCxnSpPr/>
-          <p:nvPr/>
-        </p:nvCxnSpPr>
-        <p:spPr>
-          <a:xfrm>
-            <a:off x="1961211" y="5045719"/>
-            <a:ext cx="9967758" cy="1294149"/>
-          </a:xfrm>
-          <a:prstGeom prst="curvedConnector3">
-            <a:avLst/>
-          </a:prstGeom>
-          <a:ln w="28575">
-            <a:solidFill>
-              <a:schemeClr val="bg1"/>
-            </a:solidFill>
-            <a:tailEnd type="triangle"/>
-          </a:ln>
-        </p:spPr>
-        <p:style>
-          <a:lnRef idx="1">
-            <a:schemeClr val="accent1"/>
-          </a:lnRef>
-          <a:fillRef idx="0">
-            <a:schemeClr val="accent1"/>
-          </a:fillRef>
-          <a:effectRef idx="0">
-            <a:schemeClr val="accent1"/>
-          </a:effectRef>
-          <a:fontRef idx="minor">
-            <a:schemeClr val="tx1"/>
-          </a:fontRef>
-        </p:style>
-      </p:cxnSp>
-      <p:cxnSp>
-        <p:nvCxnSpPr>
-          <p:cNvPr id="102" name="Curved Connector 101"/>
-          <p:cNvCxnSpPr/>
-          <p:nvPr/>
-        </p:nvCxnSpPr>
-        <p:spPr>
-          <a:xfrm>
-            <a:off x="1996602" y="5238192"/>
-            <a:ext cx="9853595" cy="1398807"/>
-          </a:xfrm>
-          <a:prstGeom prst="curvedConnector3">
-            <a:avLst/>
-          </a:prstGeom>
-          <a:ln w="28575">
-            <a:solidFill>
-              <a:schemeClr val="bg1"/>
-            </a:solidFill>
-            <a:tailEnd type="triangle"/>
-          </a:ln>
-        </p:spPr>
-        <p:style>
-          <a:lnRef idx="1">
-            <a:schemeClr val="accent1"/>
-          </a:lnRef>
-          <a:fillRef idx="0">
-            <a:schemeClr val="accent1"/>
-          </a:fillRef>
-          <a:effectRef idx="0">
-            <a:schemeClr val="accent1"/>
-          </a:effectRef>
-          <a:fontRef idx="minor">
-            <a:schemeClr val="tx1"/>
-          </a:fontRef>
-        </p:style>
-      </p:cxnSp>
-      <p:cxnSp>
-        <p:nvCxnSpPr>
-          <p:cNvPr id="103" name="Curved Connector 102"/>
-          <p:cNvCxnSpPr/>
-          <p:nvPr/>
-        </p:nvCxnSpPr>
-        <p:spPr>
-          <a:xfrm>
-            <a:off x="2376548" y="5493149"/>
-            <a:ext cx="9358944" cy="1303541"/>
-          </a:xfrm>
-          <a:prstGeom prst="curvedConnector3">
-            <a:avLst/>
-          </a:prstGeom>
-          <a:ln w="28575">
-            <a:solidFill>
-              <a:schemeClr val="bg1"/>
-            </a:solidFill>
-            <a:tailEnd type="triangle"/>
-          </a:ln>
-        </p:spPr>
-        <p:style>
-          <a:lnRef idx="1">
-            <a:schemeClr val="accent1"/>
-          </a:lnRef>
-          <a:fillRef idx="0">
-            <a:schemeClr val="accent1"/>
-          </a:fillRef>
-          <a:effectRef idx="0">
-            <a:schemeClr val="accent1"/>
-          </a:effectRef>
-          <a:fontRef idx="minor">
-            <a:schemeClr val="tx1"/>
-          </a:fontRef>
-        </p:style>
-      </p:cxnSp>
-      <p:cxnSp>
-        <p:nvCxnSpPr>
-          <p:cNvPr id="105" name="Curved Connector 104"/>
-          <p:cNvCxnSpPr/>
-          <p:nvPr/>
-        </p:nvCxnSpPr>
-        <p:spPr>
-          <a:xfrm rot="5400000">
-            <a:off x="1437386" y="6041884"/>
-            <a:ext cx="1271890" cy="382429"/>
-          </a:xfrm>
-          <a:prstGeom prst="curvedConnector3">
-            <a:avLst/>
-          </a:prstGeom>
-          <a:ln w="28575">
-            <a:solidFill>
-              <a:schemeClr val="bg1"/>
-            </a:solidFill>
-            <a:tailEnd type="triangle"/>
-          </a:ln>
-        </p:spPr>
-        <p:style>
-          <a:lnRef idx="1">
-            <a:schemeClr val="accent1"/>
-          </a:lnRef>
-          <a:fillRef idx="0">
-            <a:schemeClr val="accent1"/>
-          </a:fillRef>
-          <a:effectRef idx="0">
-            <a:schemeClr val="accent1"/>
-          </a:effectRef>
-          <a:fontRef idx="minor">
-            <a:schemeClr val="tx1"/>
-          </a:fontRef>
-        </p:style>
-      </p:cxnSp>
-      <p:cxnSp>
-        <p:nvCxnSpPr>
-          <p:cNvPr id="106" name="Curved Connector 105"/>
-          <p:cNvCxnSpPr/>
-          <p:nvPr/>
-        </p:nvCxnSpPr>
-        <p:spPr>
-          <a:xfrm rot="16200000" flipH="1">
-            <a:off x="1865652" y="6099293"/>
-            <a:ext cx="1157964" cy="136173"/>
-          </a:xfrm>
-          <a:prstGeom prst="curvedConnector3">
-            <a:avLst/>
-          </a:prstGeom>
-          <a:ln w="28575">
-            <a:solidFill>
-              <a:schemeClr val="bg1"/>
-            </a:solidFill>
-            <a:tailEnd type="triangle"/>
-          </a:ln>
-        </p:spPr>
-        <p:style>
-          <a:lnRef idx="1">
-            <a:schemeClr val="accent1"/>
-          </a:lnRef>
-          <a:fillRef idx="0">
-            <a:schemeClr val="accent1"/>
-          </a:fillRef>
-          <a:effectRef idx="0">
-            <a:schemeClr val="accent1"/>
-          </a:effectRef>
-          <a:fontRef idx="minor">
-            <a:schemeClr val="tx1"/>
-          </a:fontRef>
-        </p:style>
-      </p:cxnSp>
-      <p:cxnSp>
-        <p:nvCxnSpPr>
-          <p:cNvPr id="113" name="Curved Connector 112"/>
-          <p:cNvCxnSpPr/>
-          <p:nvPr/>
-        </p:nvCxnSpPr>
-        <p:spPr>
-          <a:xfrm rot="16200000" flipH="1">
-            <a:off x="2185886" y="5946958"/>
-            <a:ext cx="1163253" cy="482894"/>
-          </a:xfrm>
-          <a:prstGeom prst="curvedConnector3">
-            <a:avLst/>
-          </a:prstGeom>
-          <a:ln w="28575">
-            <a:solidFill>
-              <a:schemeClr val="bg1"/>
-            </a:solidFill>
-            <a:tailEnd type="triangle"/>
-          </a:ln>
-        </p:spPr>
-        <p:style>
-          <a:lnRef idx="1">
-            <a:schemeClr val="accent1"/>
-          </a:lnRef>
-          <a:fillRef idx="0">
-            <a:schemeClr val="accent1"/>
-          </a:fillRef>
-          <a:effectRef idx="0">
-            <a:schemeClr val="accent1"/>
-          </a:effectRef>
-          <a:fontRef idx="minor">
-            <a:schemeClr val="tx1"/>
-          </a:fontRef>
-        </p:style>
-      </p:cxnSp>
-      <p:cxnSp>
-        <p:nvCxnSpPr>
-          <p:cNvPr id="114" name="Curved Connector 113"/>
-          <p:cNvCxnSpPr/>
-          <p:nvPr/>
-        </p:nvCxnSpPr>
-        <p:spPr>
-          <a:xfrm>
-            <a:off x="2637782" y="5635960"/>
-            <a:ext cx="1129818" cy="1110402"/>
-          </a:xfrm>
-          <a:prstGeom prst="curvedConnector3">
-            <a:avLst/>
-          </a:prstGeom>
-          <a:ln w="28575">
-            <a:solidFill>
-              <a:schemeClr val="bg1"/>
-            </a:solidFill>
-            <a:tailEnd type="triangle"/>
-          </a:ln>
-        </p:spPr>
-        <p:style>
-          <a:lnRef idx="1">
-            <a:schemeClr val="accent1"/>
-          </a:lnRef>
-          <a:fillRef idx="0">
-            <a:schemeClr val="accent1"/>
-          </a:fillRef>
-          <a:effectRef idx="0">
-            <a:schemeClr val="accent1"/>
-          </a:effectRef>
-          <a:fontRef idx="minor">
-            <a:schemeClr val="tx1"/>
-          </a:fontRef>
-        </p:style>
-      </p:cxnSp>
-      <p:cxnSp>
-        <p:nvCxnSpPr>
-          <p:cNvPr id="115" name="Curved Connector 114"/>
-          <p:cNvCxnSpPr/>
-          <p:nvPr/>
-        </p:nvCxnSpPr>
-        <p:spPr>
-          <a:xfrm rot="10800000" flipV="1">
-            <a:off x="516040" y="5696095"/>
-            <a:ext cx="1498874" cy="952562"/>
-          </a:xfrm>
-          <a:prstGeom prst="curvedConnector3">
-            <a:avLst/>
-          </a:prstGeom>
-          <a:ln w="28575">
-            <a:solidFill>
-              <a:schemeClr val="bg1"/>
-            </a:solidFill>
-            <a:tailEnd type="triangle"/>
-          </a:ln>
-        </p:spPr>
-        <p:style>
-          <a:lnRef idx="1">
-            <a:schemeClr val="accent1"/>
-          </a:lnRef>
-          <a:fillRef idx="0">
-            <a:schemeClr val="accent1"/>
-          </a:fillRef>
-          <a:effectRef idx="0">
-            <a:schemeClr val="accent1"/>
-          </a:effectRef>
-          <a:fontRef idx="minor">
-            <a:schemeClr val="tx1"/>
-          </a:fontRef>
-        </p:style>
-      </p:cxnSp>
-      <p:cxnSp>
-        <p:nvCxnSpPr>
-          <p:cNvPr id="116" name="Curved Connector 115"/>
-          <p:cNvCxnSpPr/>
-          <p:nvPr/>
-        </p:nvCxnSpPr>
-        <p:spPr>
-          <a:xfrm rot="5400000">
-            <a:off x="1176381" y="5836426"/>
-            <a:ext cx="1116535" cy="750673"/>
-          </a:xfrm>
-          <a:prstGeom prst="curvedConnector3">
-            <a:avLst/>
-          </a:prstGeom>
-          <a:ln w="28575">
-            <a:solidFill>
-              <a:schemeClr val="bg1"/>
-            </a:solidFill>
-            <a:tailEnd type="triangle"/>
-          </a:ln>
-        </p:spPr>
-        <p:style>
-          <a:lnRef idx="1">
-            <a:schemeClr val="accent1"/>
-          </a:lnRef>
-          <a:fillRef idx="0">
-            <a:schemeClr val="accent1"/>
-          </a:fillRef>
-          <a:effectRef idx="0">
-            <a:schemeClr val="accent1"/>
-          </a:effectRef>
-          <a:fontRef idx="minor">
-            <a:schemeClr val="tx1"/>
-          </a:fontRef>
-        </p:style>
-      </p:cxnSp>
-      <p:cxnSp>
-        <p:nvCxnSpPr>
-          <p:cNvPr id="129" name="Curved Connector 128"/>
-          <p:cNvCxnSpPr/>
-          <p:nvPr/>
-        </p:nvCxnSpPr>
-        <p:spPr>
-          <a:xfrm>
-            <a:off x="2945209" y="5664892"/>
-            <a:ext cx="2683431" cy="1092511"/>
-          </a:xfrm>
-          <a:prstGeom prst="curvedConnector3">
-            <a:avLst/>
-          </a:prstGeom>
-          <a:ln w="28575">
-            <a:solidFill>
-              <a:schemeClr val="bg1"/>
-            </a:solidFill>
-            <a:tailEnd type="triangle"/>
-          </a:ln>
-        </p:spPr>
-        <p:style>
-          <a:lnRef idx="1">
-            <a:schemeClr val="accent1"/>
-          </a:lnRef>
-          <a:fillRef idx="0">
-            <a:schemeClr val="accent1"/>
-          </a:fillRef>
-          <a:effectRef idx="0">
-            <a:schemeClr val="accent1"/>
-          </a:effectRef>
-          <a:fontRef idx="minor">
-            <a:schemeClr val="tx1"/>
-          </a:fontRef>
-        </p:style>
-      </p:cxnSp>
-      <p:cxnSp>
-        <p:nvCxnSpPr>
-          <p:cNvPr id="130" name="Curved Connector 129"/>
-          <p:cNvCxnSpPr/>
-          <p:nvPr/>
-        </p:nvCxnSpPr>
-        <p:spPr>
-          <a:xfrm>
-            <a:off x="2872370" y="5595198"/>
-            <a:ext cx="4341230" cy="1185357"/>
-          </a:xfrm>
-          <a:prstGeom prst="curvedConnector3">
-            <a:avLst/>
-          </a:prstGeom>
-          <a:ln w="28575">
-            <a:solidFill>
-              <a:schemeClr val="bg1"/>
-            </a:solidFill>
-            <a:tailEnd type="triangle"/>
-          </a:ln>
-        </p:spPr>
-        <p:style>
-          <a:lnRef idx="1">
-            <a:schemeClr val="accent1"/>
-          </a:lnRef>
-          <a:fillRef idx="0">
-            <a:schemeClr val="accent1"/>
-          </a:fillRef>
-          <a:effectRef idx="0">
-            <a:schemeClr val="accent1"/>
-          </a:effectRef>
-          <a:fontRef idx="minor">
-            <a:schemeClr val="tx1"/>
-          </a:fontRef>
-        </p:style>
-      </p:cxnSp>
-      <p:cxnSp>
-        <p:nvCxnSpPr>
-          <p:cNvPr id="131" name="Curved Connector 130"/>
-          <p:cNvCxnSpPr/>
-          <p:nvPr/>
-        </p:nvCxnSpPr>
-        <p:spPr>
-          <a:xfrm>
-            <a:off x="2728899" y="5545468"/>
-            <a:ext cx="6872305" cy="1262263"/>
-          </a:xfrm>
-          <a:prstGeom prst="curvedConnector3">
-            <a:avLst/>
-          </a:prstGeom>
-          <a:ln w="28575">
-            <a:solidFill>
-              <a:schemeClr val="bg1"/>
-            </a:solidFill>
-            <a:tailEnd type="triangle"/>
-          </a:ln>
-        </p:spPr>
-        <p:style>
-          <a:lnRef idx="1">
-            <a:schemeClr val="accent1"/>
-          </a:lnRef>
-          <a:fillRef idx="0">
-            <a:schemeClr val="accent1"/>
-          </a:fillRef>
-          <a:effectRef idx="0">
-            <a:schemeClr val="accent1"/>
-          </a:effectRef>
-          <a:fontRef idx="minor">
-            <a:schemeClr val="tx1"/>
-          </a:fontRef>
-        </p:style>
-      </p:cxnSp>
       <p:sp>
         <p:nvSpPr>
           <p:cNvPr id="1070" name="TextBox 1069"/>
@@ -4032,11 +3240,7 @@
             <a:pPr algn="ctr"/>
             <a:r>
               <a:rPr lang="en-US" sz="2400" dirty="0" smtClean="0"/>
-              <a:t>Traditional Cabled Geophone Data Acquisition </a:t>
-            </a:r>
-            <a:r>
-              <a:rPr lang="en-US" sz="2400" dirty="0" smtClean="0"/>
-              <a:t>System</a:t>
+              <a:t>Traditional Cabled Geophone Data Acquisition System</a:t>
             </a:r>
             <a:endParaRPr lang="en-US" sz="2400" dirty="0"/>
           </a:p>
@@ -4078,164 +3282,6 @@
           </a:fontRef>
         </p:style>
       </p:cxnSp>
-      <p:cxnSp>
-        <p:nvCxnSpPr>
-          <p:cNvPr id="1077" name="Straight Arrow Connector 1076"/>
-          <p:cNvCxnSpPr/>
-          <p:nvPr/>
-        </p:nvCxnSpPr>
-        <p:spPr>
-          <a:xfrm flipV="1">
-            <a:off x="1123461" y="4258260"/>
-            <a:ext cx="290354" cy="188090"/>
-          </a:xfrm>
-          <a:prstGeom prst="straightConnector1">
-            <a:avLst/>
-          </a:prstGeom>
-          <a:ln>
-            <a:solidFill>
-              <a:schemeClr val="tx1"/>
-            </a:solidFill>
-            <a:tailEnd type="triangle"/>
-          </a:ln>
-        </p:spPr>
-        <p:style>
-          <a:lnRef idx="1">
-            <a:schemeClr val="accent1"/>
-          </a:lnRef>
-          <a:fillRef idx="0">
-            <a:schemeClr val="accent1"/>
-          </a:fillRef>
-          <a:effectRef idx="0">
-            <a:schemeClr val="accent1"/>
-          </a:effectRef>
-          <a:fontRef idx="minor">
-            <a:schemeClr val="tx1"/>
-          </a:fontRef>
-        </p:style>
-      </p:cxnSp>
-      <p:sp>
-        <p:nvSpPr>
-          <p:cNvPr id="1078" name="TextBox 1077"/>
-          <p:cNvSpPr txBox="1"/>
-          <p:nvPr/>
-        </p:nvSpPr>
-        <p:spPr>
-          <a:xfrm>
-            <a:off x="1090815" y="3614964"/>
-            <a:ext cx="2184593" cy="707886"/>
-          </a:xfrm>
-          <a:prstGeom prst="rect">
-            <a:avLst/>
-          </a:prstGeom>
-          <a:noFill/>
-        </p:spPr>
-        <p:txBody>
-          <a:bodyPr wrap="square" rtlCol="0">
-            <a:spAutoFit/>
-          </a:bodyPr>
-          <a:lstStyle/>
-          <a:p>
-            <a:pPr algn="ctr"/>
-            <a:r>
-              <a:rPr lang="en-US" sz="2000" dirty="0" smtClean="0"/>
-              <a:t>Vibrating Plate(Epicenter)</a:t>
-            </a:r>
-            <a:endParaRPr lang="en-US" sz="2000" dirty="0"/>
-          </a:p>
-        </p:txBody>
-      </p:sp>
-      <p:cxnSp>
-        <p:nvCxnSpPr>
-          <p:cNvPr id="152" name="Straight Arrow Connector 151"/>
-          <p:cNvCxnSpPr/>
-          <p:nvPr/>
-        </p:nvCxnSpPr>
-        <p:spPr>
-          <a:xfrm flipV="1">
-            <a:off x="807564" y="2107174"/>
-            <a:ext cx="81440" cy="310815"/>
-          </a:xfrm>
-          <a:prstGeom prst="straightConnector1">
-            <a:avLst/>
-          </a:prstGeom>
-          <a:ln>
-            <a:solidFill>
-              <a:schemeClr val="tx1"/>
-            </a:solidFill>
-            <a:tailEnd type="triangle"/>
-          </a:ln>
-        </p:spPr>
-        <p:style>
-          <a:lnRef idx="1">
-            <a:schemeClr val="accent1"/>
-          </a:lnRef>
-          <a:fillRef idx="0">
-            <a:schemeClr val="accent1"/>
-          </a:fillRef>
-          <a:effectRef idx="0">
-            <a:schemeClr val="accent1"/>
-          </a:effectRef>
-          <a:fontRef idx="minor">
-            <a:schemeClr val="tx1"/>
-          </a:fontRef>
-        </p:style>
-      </p:cxnSp>
-      <p:sp>
-        <p:nvSpPr>
-          <p:cNvPr id="1079" name="TextBox 1078"/>
-          <p:cNvSpPr txBox="1"/>
-          <p:nvPr/>
-        </p:nvSpPr>
-        <p:spPr>
-          <a:xfrm>
-            <a:off x="522090" y="1556642"/>
-            <a:ext cx="1795054" cy="830997"/>
-          </a:xfrm>
-          <a:prstGeom prst="rect">
-            <a:avLst/>
-          </a:prstGeom>
-          <a:noFill/>
-        </p:spPr>
-        <p:txBody>
-          <a:bodyPr wrap="square" rtlCol="0">
-            <a:spAutoFit/>
-          </a:bodyPr>
-          <a:lstStyle/>
-          <a:p>
-            <a:pPr algn="ctr"/>
-            <a:r>
-              <a:rPr lang="en-US" sz="1600" dirty="0" smtClean="0"/>
-              <a:t>Source </a:t>
-            </a:r>
-            <a:r>
-              <a:rPr lang="en-US" sz="1600" dirty="0" smtClean="0"/>
-              <a:t>(</a:t>
-            </a:r>
-            <a:r>
-              <a:rPr lang="en-US" sz="1600" dirty="0" err="1" smtClean="0"/>
-              <a:t>Veibroseis</a:t>
-            </a:r>
-            <a:r>
-              <a:rPr lang="en-US" sz="1600" dirty="0" smtClean="0"/>
-              <a:t>  </a:t>
-            </a:r>
-            <a:r>
-              <a:rPr lang="en-US" sz="1600" dirty="0"/>
-              <a:t>s</a:t>
-            </a:r>
-            <a:r>
-              <a:rPr lang="en-US" sz="1600" dirty="0" smtClean="0"/>
-              <a:t>etup, Motor with Piston</a:t>
-            </a:r>
-            <a:r>
-              <a:rPr lang="en-US" sz="1600" dirty="0" smtClean="0"/>
-              <a:t>)</a:t>
-            </a:r>
-            <a:endParaRPr lang="en-US" sz="1600" dirty="0"/>
-          </a:p>
-        </p:txBody>
-      </p:sp>
       <p:sp>
         <p:nvSpPr>
           <p:cNvPr id="1080" name="TextBox 1079"/>
@@ -4244,7 +3290,7 @@
         </p:nvSpPr>
         <p:spPr>
           <a:xfrm>
-            <a:off x="10144609" y="4497880"/>
+            <a:off x="2419718" y="4893432"/>
             <a:ext cx="2354049" cy="830997"/>
           </a:xfrm>
           <a:prstGeom prst="rect">
@@ -4678,312 +3724,6 @@
           </p:txBody>
         </p:sp>
       </p:grpSp>
-      <p:sp>
-        <p:nvSpPr>
-          <p:cNvPr id="4" name="Rounded Rectangle 3"/>
-          <p:cNvSpPr/>
-          <p:nvPr/>
-        </p:nvSpPr>
-        <p:spPr>
-          <a:xfrm>
-            <a:off x="540065" y="2354566"/>
-            <a:ext cx="619503" cy="1164638"/>
-          </a:xfrm>
-          <a:prstGeom prst="roundRect">
-            <a:avLst/>
-          </a:prstGeom>
-          <a:solidFill>
-            <a:srgbClr val="FF0000"/>
-          </a:solidFill>
-          <a:ln>
-            <a:solidFill>
-              <a:schemeClr val="tx1"/>
-            </a:solidFill>
-          </a:ln>
-        </p:spPr>
-        <p:style>
-          <a:lnRef idx="2">
-            <a:schemeClr val="accent1">
-              <a:shade val="50000"/>
-            </a:schemeClr>
-          </a:lnRef>
-          <a:fillRef idx="1">
-            <a:schemeClr val="accent1"/>
-          </a:fillRef>
-          <a:effectRef idx="0">
-            <a:schemeClr val="accent1"/>
-          </a:effectRef>
-          <a:fontRef idx="minor">
-            <a:schemeClr val="lt1"/>
-          </a:fontRef>
-        </p:style>
-        <p:txBody>
-          <a:bodyPr rtlCol="0" anchor="ctr"/>
-          <a:lstStyle/>
-          <a:p>
-            <a:pPr algn="ctr"/>
-            <a:endParaRPr lang="en-US"/>
-          </a:p>
-        </p:txBody>
-      </p:sp>
-      <p:sp>
-        <p:nvSpPr>
-          <p:cNvPr id="9" name="Rectangle 8"/>
-          <p:cNvSpPr/>
-          <p:nvPr/>
-        </p:nvSpPr>
-        <p:spPr>
-          <a:xfrm>
-            <a:off x="768640" y="3068614"/>
-            <a:ext cx="166441" cy="875813"/>
-          </a:xfrm>
-          <a:prstGeom prst="rect">
-            <a:avLst/>
-          </a:prstGeom>
-          <a:solidFill>
-            <a:schemeClr val="tx1"/>
-          </a:solidFill>
-          <a:ln>
-            <a:solidFill>
-              <a:schemeClr val="tx1"/>
-            </a:solidFill>
-          </a:ln>
-        </p:spPr>
-        <p:style>
-          <a:lnRef idx="2">
-            <a:schemeClr val="accent1">
-              <a:shade val="50000"/>
-            </a:schemeClr>
-          </a:lnRef>
-          <a:fillRef idx="1">
-            <a:schemeClr val="accent1"/>
-          </a:fillRef>
-          <a:effectRef idx="0">
-            <a:schemeClr val="accent1"/>
-          </a:effectRef>
-          <a:fontRef idx="minor">
-            <a:schemeClr val="lt1"/>
-          </a:fontRef>
-        </p:style>
-        <p:txBody>
-          <a:bodyPr rtlCol="0" anchor="ctr"/>
-          <a:lstStyle/>
-          <a:p>
-            <a:pPr algn="ctr"/>
-            <a:endParaRPr lang="en-US"/>
-          </a:p>
-        </p:txBody>
-      </p:sp>
-      <p:grpSp>
-        <p:nvGrpSpPr>
-          <p:cNvPr id="17" name="Group 16"/>
-          <p:cNvGrpSpPr/>
-          <p:nvPr/>
-        </p:nvGrpSpPr>
-        <p:grpSpPr>
-          <a:xfrm>
-            <a:off x="507729" y="4302393"/>
-            <a:ext cx="619503" cy="294380"/>
-            <a:chOff x="524953" y="4176476"/>
-            <a:chExt cx="619503" cy="294380"/>
-          </a:xfrm>
-        </p:grpSpPr>
-        <p:sp>
-          <p:nvSpPr>
-            <p:cNvPr id="12" name="Oval 11"/>
-            <p:cNvSpPr/>
-            <p:nvPr/>
-          </p:nvSpPr>
-          <p:spPr>
-            <a:xfrm>
-              <a:off x="524953" y="4176476"/>
-              <a:ext cx="619503" cy="294380"/>
-            </a:xfrm>
-            <a:prstGeom prst="ellipse">
-              <a:avLst/>
-            </a:prstGeom>
-            <a:solidFill>
-              <a:schemeClr val="tx1"/>
-            </a:solidFill>
-            <a:ln>
-              <a:solidFill>
-                <a:schemeClr val="tx1"/>
-              </a:solidFill>
-            </a:ln>
-          </p:spPr>
-          <p:style>
-            <a:lnRef idx="2">
-              <a:schemeClr val="accent1">
-                <a:shade val="50000"/>
-              </a:schemeClr>
-            </a:lnRef>
-            <a:fillRef idx="1">
-              <a:schemeClr val="accent1"/>
-            </a:fillRef>
-            <a:effectRef idx="0">
-              <a:schemeClr val="accent1"/>
-            </a:effectRef>
-            <a:fontRef idx="minor">
-              <a:schemeClr val="lt1"/>
-            </a:fontRef>
-          </p:style>
-          <p:txBody>
-            <a:bodyPr rtlCol="0" anchor="ctr"/>
-            <a:lstStyle/>
-            <a:p>
-              <a:pPr algn="ctr"/>
-              <a:endParaRPr lang="en-US"/>
-            </a:p>
-          </p:txBody>
-        </p:sp>
-        <p:sp>
-          <p:nvSpPr>
-            <p:cNvPr id="13" name="Oval 12"/>
-            <p:cNvSpPr/>
-            <p:nvPr/>
-          </p:nvSpPr>
-          <p:spPr>
-            <a:xfrm>
-              <a:off x="741692" y="4277379"/>
-              <a:ext cx="164536" cy="86937"/>
-            </a:xfrm>
-            <a:prstGeom prst="ellipse">
-              <a:avLst/>
-            </a:prstGeom>
-            <a:solidFill>
-              <a:schemeClr val="bg1"/>
-            </a:solidFill>
-            <a:ln>
-              <a:solidFill>
-                <a:schemeClr val="tx1"/>
-              </a:solidFill>
-            </a:ln>
-          </p:spPr>
-          <p:style>
-            <a:lnRef idx="2">
-              <a:schemeClr val="accent1">
-                <a:shade val="50000"/>
-              </a:schemeClr>
-            </a:lnRef>
-            <a:fillRef idx="1">
-              <a:schemeClr val="accent1"/>
-            </a:fillRef>
-            <a:effectRef idx="0">
-              <a:schemeClr val="accent1"/>
-            </a:effectRef>
-            <a:fontRef idx="minor">
-              <a:schemeClr val="lt1"/>
-            </a:fontRef>
-          </p:style>
-          <p:txBody>
-            <a:bodyPr rtlCol="0" anchor="ctr"/>
-            <a:lstStyle/>
-            <a:p>
-              <a:pPr algn="ctr"/>
-              <a:endParaRPr lang="en-US"/>
-            </a:p>
-          </p:txBody>
-        </p:sp>
-      </p:grpSp>
-      <p:sp>
-        <p:nvSpPr>
-          <p:cNvPr id="15" name="Rectangle 14"/>
-          <p:cNvSpPr/>
-          <p:nvPr/>
-        </p:nvSpPr>
-        <p:spPr>
-          <a:xfrm>
-            <a:off x="0" y="1457061"/>
-            <a:ext cx="540065" cy="2486684"/>
-          </a:xfrm>
-          <a:prstGeom prst="rect">
-            <a:avLst/>
-          </a:prstGeom>
-          <a:solidFill>
-            <a:schemeClr val="accent3">
-              <a:lumMod val="60000"/>
-              <a:lumOff val="40000"/>
-            </a:schemeClr>
-          </a:solidFill>
-          <a:ln>
-            <a:solidFill>
-              <a:schemeClr val="tx1"/>
-            </a:solidFill>
-          </a:ln>
-        </p:spPr>
-        <p:style>
-          <a:lnRef idx="2">
-            <a:schemeClr val="accent1">
-              <a:shade val="50000"/>
-            </a:schemeClr>
-          </a:lnRef>
-          <a:fillRef idx="1">
-            <a:schemeClr val="accent1"/>
-          </a:fillRef>
-          <a:effectRef idx="0">
-            <a:schemeClr val="accent1"/>
-          </a:effectRef>
-          <a:fontRef idx="minor">
-            <a:schemeClr val="lt1"/>
-          </a:fontRef>
-        </p:style>
-        <p:txBody>
-          <a:bodyPr rtlCol="0" anchor="ctr"/>
-          <a:lstStyle/>
-          <a:p>
-            <a:pPr algn="ctr"/>
-            <a:endParaRPr lang="en-US"/>
-          </a:p>
-        </p:txBody>
-      </p:sp>
-      <p:sp>
-        <p:nvSpPr>
-          <p:cNvPr id="16" name="Oval 15"/>
-          <p:cNvSpPr/>
-          <p:nvPr/>
-        </p:nvSpPr>
-        <p:spPr>
-          <a:xfrm>
-            <a:off x="-113205" y="3941085"/>
-            <a:ext cx="496007" cy="493803"/>
-          </a:xfrm>
-          <a:prstGeom prst="ellipse">
-            <a:avLst/>
-          </a:prstGeom>
-          <a:solidFill>
-            <a:schemeClr val="tx1"/>
-          </a:solidFill>
-          <a:ln>
-            <a:solidFill>
-              <a:schemeClr val="tx1"/>
-            </a:solidFill>
-          </a:ln>
-        </p:spPr>
-        <p:style>
-          <a:lnRef idx="2">
-            <a:schemeClr val="accent1">
-              <a:shade val="50000"/>
-            </a:schemeClr>
-          </a:lnRef>
-          <a:fillRef idx="1">
-            <a:schemeClr val="accent1"/>
-          </a:fillRef>
-          <a:effectRef idx="0">
-            <a:schemeClr val="accent1"/>
-          </a:effectRef>
-          <a:fontRef idx="minor">
-            <a:schemeClr val="lt1"/>
-          </a:fontRef>
-        </p:style>
-        <p:txBody>
-          <a:bodyPr rtlCol="0" anchor="ctr"/>
-          <a:lstStyle/>
-          <a:p>
-            <a:pPr algn="ctr"/>
-            <a:endParaRPr lang="en-US"/>
-          </a:p>
-        </p:txBody>
-      </p:sp>
       <p:cxnSp>
         <p:nvCxnSpPr>
           <p:cNvPr id="24" name="Straight Connector 23"/>
@@ -5028,7 +3768,7 @@
         </p:nvCxnSpPr>
         <p:spPr>
           <a:xfrm>
-            <a:off x="5628640" y="3406836"/>
+            <a:off x="5673465" y="3406836"/>
             <a:ext cx="2766797" cy="6662"/>
           </a:xfrm>
           <a:prstGeom prst="line">
@@ -6311,6 +5051,1084 @@
             <a:solidFill>
               <a:schemeClr val="tx1"/>
             </a:solidFill>
+          </a:ln>
+        </p:spPr>
+        <p:style>
+          <a:lnRef idx="1">
+            <a:schemeClr val="accent1"/>
+          </a:lnRef>
+          <a:fillRef idx="0">
+            <a:schemeClr val="accent1"/>
+          </a:fillRef>
+          <a:effectRef idx="0">
+            <a:schemeClr val="accent1"/>
+          </a:effectRef>
+          <a:fontRef idx="minor">
+            <a:schemeClr val="tx1"/>
+          </a:fontRef>
+        </p:style>
+      </p:cxnSp>
+      <p:grpSp>
+        <p:nvGrpSpPr>
+          <p:cNvPr id="111" name="Group 110"/>
+          <p:cNvGrpSpPr/>
+          <p:nvPr/>
+        </p:nvGrpSpPr>
+        <p:grpSpPr>
+          <a:xfrm>
+            <a:off x="5457202" y="3915225"/>
+            <a:ext cx="294968" cy="1012723"/>
+            <a:chOff x="6728184" y="4709640"/>
+            <a:chExt cx="294968" cy="1012723"/>
+          </a:xfrm>
+        </p:grpSpPr>
+        <p:sp>
+          <p:nvSpPr>
+            <p:cNvPr id="112" name="Rounded Rectangle 111"/>
+            <p:cNvSpPr/>
+            <p:nvPr/>
+          </p:nvSpPr>
+          <p:spPr>
+            <a:xfrm>
+              <a:off x="6728184" y="4709640"/>
+              <a:ext cx="294968" cy="521110"/>
+            </a:xfrm>
+            <a:prstGeom prst="roundRect">
+              <a:avLst/>
+            </a:prstGeom>
+            <a:solidFill>
+              <a:srgbClr val="FFC000"/>
+            </a:solidFill>
+          </p:spPr>
+          <p:style>
+            <a:lnRef idx="2">
+              <a:schemeClr val="accent1">
+                <a:shade val="50000"/>
+              </a:schemeClr>
+            </a:lnRef>
+            <a:fillRef idx="1">
+              <a:schemeClr val="accent1"/>
+            </a:fillRef>
+            <a:effectRef idx="0">
+              <a:schemeClr val="accent1"/>
+            </a:effectRef>
+            <a:fontRef idx="minor">
+              <a:schemeClr val="lt1"/>
+            </a:fontRef>
+          </p:style>
+          <p:txBody>
+            <a:bodyPr rtlCol="0" anchor="ctr"/>
+            <a:lstStyle/>
+            <a:p>
+              <a:pPr algn="ctr"/>
+              <a:endParaRPr lang="en-US"/>
+            </a:p>
+          </p:txBody>
+        </p:sp>
+        <p:sp>
+          <p:nvSpPr>
+            <p:cNvPr id="117" name="Isosceles Triangle 116"/>
+            <p:cNvSpPr/>
+            <p:nvPr/>
+          </p:nvSpPr>
+          <p:spPr>
+            <a:xfrm flipV="1">
+              <a:off x="6826507" y="5230750"/>
+              <a:ext cx="98322" cy="491613"/>
+            </a:xfrm>
+            <a:prstGeom prst="triangle">
+              <a:avLst/>
+            </a:prstGeom>
+            <a:solidFill>
+              <a:schemeClr val="tx1"/>
+            </a:solidFill>
+            <a:ln>
+              <a:solidFill>
+                <a:schemeClr val="tx1"/>
+              </a:solidFill>
+            </a:ln>
+          </p:spPr>
+          <p:style>
+            <a:lnRef idx="2">
+              <a:schemeClr val="accent1">
+                <a:shade val="50000"/>
+              </a:schemeClr>
+            </a:lnRef>
+            <a:fillRef idx="1">
+              <a:schemeClr val="accent1"/>
+            </a:fillRef>
+            <a:effectRef idx="0">
+              <a:schemeClr val="accent1"/>
+            </a:effectRef>
+            <a:fontRef idx="minor">
+              <a:schemeClr val="lt1"/>
+            </a:fontRef>
+          </p:style>
+          <p:txBody>
+            <a:bodyPr rtlCol="0" anchor="ctr"/>
+            <a:lstStyle/>
+            <a:p>
+              <a:pPr algn="ctr"/>
+              <a:endParaRPr lang="en-US"/>
+            </a:p>
+          </p:txBody>
+        </p:sp>
+      </p:grpSp>
+      <p:grpSp>
+        <p:nvGrpSpPr>
+          <p:cNvPr id="118" name="Group 117"/>
+          <p:cNvGrpSpPr/>
+          <p:nvPr/>
+        </p:nvGrpSpPr>
+        <p:grpSpPr>
+          <a:xfrm>
+            <a:off x="8332327" y="3923633"/>
+            <a:ext cx="294968" cy="1012723"/>
+            <a:chOff x="6728184" y="4709640"/>
+            <a:chExt cx="294968" cy="1012723"/>
+          </a:xfrm>
+        </p:grpSpPr>
+        <p:sp>
+          <p:nvSpPr>
+            <p:cNvPr id="119" name="Rounded Rectangle 118"/>
+            <p:cNvSpPr/>
+            <p:nvPr/>
+          </p:nvSpPr>
+          <p:spPr>
+            <a:xfrm>
+              <a:off x="6728184" y="4709640"/>
+              <a:ext cx="294968" cy="521110"/>
+            </a:xfrm>
+            <a:prstGeom prst="roundRect">
+              <a:avLst/>
+            </a:prstGeom>
+            <a:solidFill>
+              <a:srgbClr val="FFC000"/>
+            </a:solidFill>
+          </p:spPr>
+          <p:style>
+            <a:lnRef idx="2">
+              <a:schemeClr val="accent1">
+                <a:shade val="50000"/>
+              </a:schemeClr>
+            </a:lnRef>
+            <a:fillRef idx="1">
+              <a:schemeClr val="accent1"/>
+            </a:fillRef>
+            <a:effectRef idx="0">
+              <a:schemeClr val="accent1"/>
+            </a:effectRef>
+            <a:fontRef idx="minor">
+              <a:schemeClr val="lt1"/>
+            </a:fontRef>
+          </p:style>
+          <p:txBody>
+            <a:bodyPr rtlCol="0" anchor="ctr"/>
+            <a:lstStyle/>
+            <a:p>
+              <a:pPr algn="ctr"/>
+              <a:endParaRPr lang="en-US"/>
+            </a:p>
+          </p:txBody>
+        </p:sp>
+        <p:sp>
+          <p:nvSpPr>
+            <p:cNvPr id="120" name="Isosceles Triangle 119"/>
+            <p:cNvSpPr/>
+            <p:nvPr/>
+          </p:nvSpPr>
+          <p:spPr>
+            <a:xfrm flipV="1">
+              <a:off x="6826507" y="5230750"/>
+              <a:ext cx="98322" cy="491613"/>
+            </a:xfrm>
+            <a:prstGeom prst="triangle">
+              <a:avLst/>
+            </a:prstGeom>
+            <a:solidFill>
+              <a:schemeClr val="tx1"/>
+            </a:solidFill>
+            <a:ln>
+              <a:solidFill>
+                <a:schemeClr val="tx1"/>
+              </a:solidFill>
+            </a:ln>
+          </p:spPr>
+          <p:style>
+            <a:lnRef idx="2">
+              <a:schemeClr val="accent1">
+                <a:shade val="50000"/>
+              </a:schemeClr>
+            </a:lnRef>
+            <a:fillRef idx="1">
+              <a:schemeClr val="accent1"/>
+            </a:fillRef>
+            <a:effectRef idx="0">
+              <a:schemeClr val="accent1"/>
+            </a:effectRef>
+            <a:fontRef idx="minor">
+              <a:schemeClr val="lt1"/>
+            </a:fontRef>
+          </p:style>
+          <p:txBody>
+            <a:bodyPr rtlCol="0" anchor="ctr"/>
+            <a:lstStyle/>
+            <a:p>
+              <a:pPr algn="ctr"/>
+              <a:endParaRPr lang="en-US"/>
+            </a:p>
+          </p:txBody>
+        </p:sp>
+      </p:grpSp>
+      <p:cxnSp>
+        <p:nvCxnSpPr>
+          <p:cNvPr id="121" name="Straight Arrow Connector 120"/>
+          <p:cNvCxnSpPr/>
+          <p:nvPr/>
+        </p:nvCxnSpPr>
+        <p:spPr>
+          <a:xfrm flipV="1">
+            <a:off x="3879307" y="1734719"/>
+            <a:ext cx="5756" cy="2051776"/>
+          </a:xfrm>
+          <a:prstGeom prst="straightConnector1">
+            <a:avLst/>
+          </a:prstGeom>
+          <a:ln>
+            <a:solidFill>
+              <a:schemeClr val="tx1"/>
+            </a:solidFill>
+            <a:tailEnd type="triangle"/>
+          </a:ln>
+        </p:spPr>
+        <p:style>
+          <a:lnRef idx="1">
+            <a:schemeClr val="accent1"/>
+          </a:lnRef>
+          <a:fillRef idx="0">
+            <a:schemeClr val="accent1"/>
+          </a:fillRef>
+          <a:effectRef idx="0">
+            <a:schemeClr val="accent1"/>
+          </a:effectRef>
+          <a:fontRef idx="minor">
+            <a:schemeClr val="tx1"/>
+          </a:fontRef>
+        </p:style>
+      </p:cxnSp>
+      <p:cxnSp>
+        <p:nvCxnSpPr>
+          <p:cNvPr id="149" name="Straight Arrow Connector 148"/>
+          <p:cNvCxnSpPr>
+            <a:endCxn id="163" idx="7"/>
+          </p:cNvCxnSpPr>
+          <p:nvPr/>
+        </p:nvCxnSpPr>
+        <p:spPr>
+          <a:xfrm flipH="1">
+            <a:off x="2155390" y="4131355"/>
+            <a:ext cx="176302" cy="150004"/>
+          </a:xfrm>
+          <a:prstGeom prst="straightConnector1">
+            <a:avLst/>
+          </a:prstGeom>
+          <a:ln>
+            <a:solidFill>
+              <a:schemeClr val="tx1"/>
+            </a:solidFill>
+            <a:tailEnd type="triangle"/>
+          </a:ln>
+        </p:spPr>
+        <p:style>
+          <a:lnRef idx="1">
+            <a:schemeClr val="accent1"/>
+          </a:lnRef>
+          <a:fillRef idx="0">
+            <a:schemeClr val="accent1"/>
+          </a:fillRef>
+          <a:effectRef idx="0">
+            <a:schemeClr val="accent1"/>
+          </a:effectRef>
+          <a:fontRef idx="minor">
+            <a:schemeClr val="tx1"/>
+          </a:fontRef>
+        </p:style>
+      </p:cxnSp>
+      <p:sp>
+        <p:nvSpPr>
+          <p:cNvPr id="157" name="TextBox 156"/>
+          <p:cNvSpPr txBox="1"/>
+          <p:nvPr/>
+        </p:nvSpPr>
+        <p:spPr>
+          <a:xfrm>
+            <a:off x="1806335" y="3537213"/>
+            <a:ext cx="1604469" cy="707886"/>
+          </a:xfrm>
+          <a:prstGeom prst="rect">
+            <a:avLst/>
+          </a:prstGeom>
+          <a:noFill/>
+        </p:spPr>
+        <p:txBody>
+          <a:bodyPr wrap="square" rtlCol="0">
+            <a:spAutoFit/>
+          </a:bodyPr>
+          <a:lstStyle/>
+          <a:p>
+            <a:pPr algn="ctr"/>
+            <a:r>
+              <a:rPr lang="en-US" sz="2000" dirty="0" smtClean="0"/>
+              <a:t>Vibrating Plate</a:t>
+            </a:r>
+            <a:endParaRPr lang="en-US" sz="2000" dirty="0"/>
+          </a:p>
+        </p:txBody>
+      </p:sp>
+      <p:grpSp>
+        <p:nvGrpSpPr>
+          <p:cNvPr id="158" name="Group 157"/>
+          <p:cNvGrpSpPr/>
+          <p:nvPr/>
+        </p:nvGrpSpPr>
+        <p:grpSpPr>
+          <a:xfrm>
+            <a:off x="1626611" y="4238248"/>
+            <a:ext cx="619503" cy="294380"/>
+            <a:chOff x="524953" y="4176476"/>
+            <a:chExt cx="619503" cy="294380"/>
+          </a:xfrm>
+        </p:grpSpPr>
+        <p:sp>
+          <p:nvSpPr>
+            <p:cNvPr id="163" name="Oval 162"/>
+            <p:cNvSpPr/>
+            <p:nvPr/>
+          </p:nvSpPr>
+          <p:spPr>
+            <a:xfrm>
+              <a:off x="524953" y="4176476"/>
+              <a:ext cx="619503" cy="294380"/>
+            </a:xfrm>
+            <a:prstGeom prst="ellipse">
+              <a:avLst/>
+            </a:prstGeom>
+            <a:solidFill>
+              <a:schemeClr val="tx1"/>
+            </a:solidFill>
+            <a:ln>
+              <a:solidFill>
+                <a:schemeClr val="tx1"/>
+              </a:solidFill>
+            </a:ln>
+          </p:spPr>
+          <p:style>
+            <a:lnRef idx="2">
+              <a:schemeClr val="accent1">
+                <a:shade val="50000"/>
+              </a:schemeClr>
+            </a:lnRef>
+            <a:fillRef idx="1">
+              <a:schemeClr val="accent1"/>
+            </a:fillRef>
+            <a:effectRef idx="0">
+              <a:schemeClr val="accent1"/>
+            </a:effectRef>
+            <a:fontRef idx="minor">
+              <a:schemeClr val="lt1"/>
+            </a:fontRef>
+          </p:style>
+          <p:txBody>
+            <a:bodyPr rtlCol="0" anchor="ctr"/>
+            <a:lstStyle/>
+            <a:p>
+              <a:pPr algn="ctr"/>
+              <a:endParaRPr lang="en-US"/>
+            </a:p>
+          </p:txBody>
+        </p:sp>
+        <p:sp>
+          <p:nvSpPr>
+            <p:cNvPr id="164" name="Oval 163"/>
+            <p:cNvSpPr/>
+            <p:nvPr/>
+          </p:nvSpPr>
+          <p:spPr>
+            <a:xfrm>
+              <a:off x="741692" y="4277379"/>
+              <a:ext cx="164536" cy="86937"/>
+            </a:xfrm>
+            <a:prstGeom prst="ellipse">
+              <a:avLst/>
+            </a:prstGeom>
+            <a:solidFill>
+              <a:schemeClr val="bg1"/>
+            </a:solidFill>
+            <a:ln>
+              <a:solidFill>
+                <a:schemeClr val="tx1"/>
+              </a:solidFill>
+            </a:ln>
+          </p:spPr>
+          <p:style>
+            <a:lnRef idx="2">
+              <a:schemeClr val="accent1">
+                <a:shade val="50000"/>
+              </a:schemeClr>
+            </a:lnRef>
+            <a:fillRef idx="1">
+              <a:schemeClr val="accent1"/>
+            </a:fillRef>
+            <a:effectRef idx="0">
+              <a:schemeClr val="accent1"/>
+            </a:effectRef>
+            <a:fontRef idx="minor">
+              <a:schemeClr val="lt1"/>
+            </a:fontRef>
+          </p:style>
+          <p:txBody>
+            <a:bodyPr rtlCol="0" anchor="ctr"/>
+            <a:lstStyle/>
+            <a:p>
+              <a:pPr algn="ctr"/>
+              <a:endParaRPr lang="en-US"/>
+            </a:p>
+          </p:txBody>
+        </p:sp>
+      </p:grpSp>
+      <p:sp>
+        <p:nvSpPr>
+          <p:cNvPr id="166" name="TextBox 165"/>
+          <p:cNvSpPr txBox="1"/>
+          <p:nvPr/>
+        </p:nvSpPr>
+        <p:spPr>
+          <a:xfrm>
+            <a:off x="343434" y="656587"/>
+            <a:ext cx="1795054" cy="830997"/>
+          </a:xfrm>
+          <a:prstGeom prst="rect">
+            <a:avLst/>
+          </a:prstGeom>
+          <a:noFill/>
+        </p:spPr>
+        <p:txBody>
+          <a:bodyPr wrap="square" rtlCol="0">
+            <a:spAutoFit/>
+          </a:bodyPr>
+          <a:lstStyle/>
+          <a:p>
+            <a:pPr algn="ctr"/>
+            <a:r>
+              <a:rPr lang="en-US" sz="1600" dirty="0" smtClean="0"/>
+              <a:t>Source (</a:t>
+            </a:r>
+            <a:r>
+              <a:rPr lang="en-US" sz="1600" dirty="0" err="1" smtClean="0"/>
+              <a:t>Veibroseis</a:t>
+            </a:r>
+            <a:r>
+              <a:rPr lang="en-US" sz="1600" dirty="0" smtClean="0"/>
+              <a:t>  </a:t>
+            </a:r>
+            <a:r>
+              <a:rPr lang="en-US" sz="1600" dirty="0"/>
+              <a:t>s</a:t>
+            </a:r>
+            <a:r>
+              <a:rPr lang="en-US" sz="1600" dirty="0" smtClean="0"/>
+              <a:t>etup, Motor with Piston)</a:t>
+            </a:r>
+            <a:endParaRPr lang="en-US" sz="1600" dirty="0"/>
+          </a:p>
+        </p:txBody>
+      </p:sp>
+      <p:sp>
+        <p:nvSpPr>
+          <p:cNvPr id="167" name="Rounded Rectangle 166"/>
+          <p:cNvSpPr/>
+          <p:nvPr/>
+        </p:nvSpPr>
+        <p:spPr>
+          <a:xfrm>
+            <a:off x="1642728" y="2354566"/>
+            <a:ext cx="619503" cy="1164638"/>
+          </a:xfrm>
+          <a:prstGeom prst="roundRect">
+            <a:avLst/>
+          </a:prstGeom>
+          <a:solidFill>
+            <a:srgbClr val="FF0000"/>
+          </a:solidFill>
+          <a:ln>
+            <a:solidFill>
+              <a:schemeClr val="tx1"/>
+            </a:solidFill>
+          </a:ln>
+        </p:spPr>
+        <p:style>
+          <a:lnRef idx="2">
+            <a:schemeClr val="accent1">
+              <a:shade val="50000"/>
+            </a:schemeClr>
+          </a:lnRef>
+          <a:fillRef idx="1">
+            <a:schemeClr val="accent1"/>
+          </a:fillRef>
+          <a:effectRef idx="0">
+            <a:schemeClr val="accent1"/>
+          </a:effectRef>
+          <a:fontRef idx="minor">
+            <a:schemeClr val="lt1"/>
+          </a:fontRef>
+        </p:style>
+        <p:txBody>
+          <a:bodyPr rtlCol="0" anchor="ctr"/>
+          <a:lstStyle/>
+          <a:p>
+            <a:pPr algn="ctr"/>
+            <a:endParaRPr lang="en-US"/>
+          </a:p>
+        </p:txBody>
+      </p:sp>
+      <p:sp>
+        <p:nvSpPr>
+          <p:cNvPr id="168" name="Rectangle 167"/>
+          <p:cNvSpPr/>
+          <p:nvPr/>
+        </p:nvSpPr>
+        <p:spPr>
+          <a:xfrm>
+            <a:off x="1871303" y="3068614"/>
+            <a:ext cx="166441" cy="875813"/>
+          </a:xfrm>
+          <a:prstGeom prst="rect">
+            <a:avLst/>
+          </a:prstGeom>
+          <a:solidFill>
+            <a:schemeClr val="tx1"/>
+          </a:solidFill>
+          <a:ln>
+            <a:solidFill>
+              <a:schemeClr val="tx1"/>
+            </a:solidFill>
+          </a:ln>
+        </p:spPr>
+        <p:style>
+          <a:lnRef idx="2">
+            <a:schemeClr val="accent1">
+              <a:shade val="50000"/>
+            </a:schemeClr>
+          </a:lnRef>
+          <a:fillRef idx="1">
+            <a:schemeClr val="accent1"/>
+          </a:fillRef>
+          <a:effectRef idx="0">
+            <a:schemeClr val="accent1"/>
+          </a:effectRef>
+          <a:fontRef idx="minor">
+            <a:schemeClr val="lt1"/>
+          </a:fontRef>
+        </p:style>
+        <p:txBody>
+          <a:bodyPr rtlCol="0" anchor="ctr"/>
+          <a:lstStyle/>
+          <a:p>
+            <a:pPr algn="ctr"/>
+            <a:endParaRPr lang="en-US"/>
+          </a:p>
+        </p:txBody>
+      </p:sp>
+      <p:sp>
+        <p:nvSpPr>
+          <p:cNvPr id="169" name="Rectangle 168"/>
+          <p:cNvSpPr/>
+          <p:nvPr/>
+        </p:nvSpPr>
+        <p:spPr>
+          <a:xfrm>
+            <a:off x="-8309" y="1457061"/>
+            <a:ext cx="1651038" cy="2486684"/>
+          </a:xfrm>
+          <a:prstGeom prst="rect">
+            <a:avLst/>
+          </a:prstGeom>
+          <a:solidFill>
+            <a:schemeClr val="accent3">
+              <a:lumMod val="60000"/>
+              <a:lumOff val="40000"/>
+            </a:schemeClr>
+          </a:solidFill>
+          <a:ln>
+            <a:solidFill>
+              <a:schemeClr val="tx1"/>
+            </a:solidFill>
+          </a:ln>
+        </p:spPr>
+        <p:style>
+          <a:lnRef idx="2">
+            <a:schemeClr val="accent1">
+              <a:shade val="50000"/>
+            </a:schemeClr>
+          </a:lnRef>
+          <a:fillRef idx="1">
+            <a:schemeClr val="accent1"/>
+          </a:fillRef>
+          <a:effectRef idx="0">
+            <a:schemeClr val="accent1"/>
+          </a:effectRef>
+          <a:fontRef idx="minor">
+            <a:schemeClr val="lt1"/>
+          </a:fontRef>
+        </p:style>
+        <p:txBody>
+          <a:bodyPr rtlCol="0" anchor="ctr"/>
+          <a:lstStyle/>
+          <a:p>
+            <a:pPr algn="ctr"/>
+            <a:endParaRPr lang="en-US"/>
+          </a:p>
+        </p:txBody>
+      </p:sp>
+      <p:sp>
+        <p:nvSpPr>
+          <p:cNvPr id="170" name="Oval 169"/>
+          <p:cNvSpPr/>
+          <p:nvPr/>
+        </p:nvSpPr>
+        <p:spPr>
+          <a:xfrm>
+            <a:off x="989458" y="3941085"/>
+            <a:ext cx="496007" cy="493803"/>
+          </a:xfrm>
+          <a:prstGeom prst="ellipse">
+            <a:avLst/>
+          </a:prstGeom>
+          <a:solidFill>
+            <a:schemeClr val="tx1"/>
+          </a:solidFill>
+          <a:ln>
+            <a:solidFill>
+              <a:schemeClr val="tx1"/>
+            </a:solidFill>
+          </a:ln>
+        </p:spPr>
+        <p:style>
+          <a:lnRef idx="2">
+            <a:schemeClr val="accent1">
+              <a:shade val="50000"/>
+            </a:schemeClr>
+          </a:lnRef>
+          <a:fillRef idx="1">
+            <a:schemeClr val="accent1"/>
+          </a:fillRef>
+          <a:effectRef idx="0">
+            <a:schemeClr val="accent1"/>
+          </a:effectRef>
+          <a:fontRef idx="minor">
+            <a:schemeClr val="lt1"/>
+          </a:fontRef>
+        </p:style>
+        <p:txBody>
+          <a:bodyPr rtlCol="0" anchor="ctr"/>
+          <a:lstStyle/>
+          <a:p>
+            <a:pPr algn="ctr"/>
+            <a:endParaRPr lang="en-US"/>
+          </a:p>
+        </p:txBody>
+      </p:sp>
+      <p:sp>
+        <p:nvSpPr>
+          <p:cNvPr id="171" name="Arc 170"/>
+          <p:cNvSpPr/>
+          <p:nvPr/>
+        </p:nvSpPr>
+        <p:spPr>
+          <a:xfrm flipV="1">
+            <a:off x="1578090" y="4357600"/>
+            <a:ext cx="708013" cy="622448"/>
+          </a:xfrm>
+          <a:prstGeom prst="arc">
+            <a:avLst>
+              <a:gd name="adj1" fmla="val 10662359"/>
+              <a:gd name="adj2" fmla="val 0"/>
+            </a:avLst>
+          </a:prstGeom>
+          <a:ln w="28575">
+            <a:solidFill>
+              <a:schemeClr val="bg1"/>
+            </a:solidFill>
+          </a:ln>
+        </p:spPr>
+        <p:style>
+          <a:lnRef idx="1">
+            <a:schemeClr val="accent1"/>
+          </a:lnRef>
+          <a:fillRef idx="0">
+            <a:schemeClr val="accent1"/>
+          </a:fillRef>
+          <a:effectRef idx="0">
+            <a:schemeClr val="accent1"/>
+          </a:effectRef>
+          <a:fontRef idx="minor">
+            <a:schemeClr val="tx1"/>
+          </a:fontRef>
+        </p:style>
+        <p:txBody>
+          <a:bodyPr rtlCol="0" anchor="ctr"/>
+          <a:lstStyle/>
+          <a:p>
+            <a:pPr algn="ctr"/>
+            <a:endParaRPr lang="en-US"/>
+          </a:p>
+        </p:txBody>
+      </p:sp>
+      <p:sp>
+        <p:nvSpPr>
+          <p:cNvPr id="172" name="Arc 171"/>
+          <p:cNvSpPr/>
+          <p:nvPr/>
+        </p:nvSpPr>
+        <p:spPr>
+          <a:xfrm flipV="1">
+            <a:off x="1451641" y="4608932"/>
+            <a:ext cx="959865" cy="615237"/>
+          </a:xfrm>
+          <a:prstGeom prst="arc">
+            <a:avLst>
+              <a:gd name="adj1" fmla="val 10662359"/>
+              <a:gd name="adj2" fmla="val 0"/>
+            </a:avLst>
+          </a:prstGeom>
+          <a:ln w="28575">
+            <a:solidFill>
+              <a:schemeClr val="bg1"/>
+            </a:solidFill>
+          </a:ln>
+        </p:spPr>
+        <p:style>
+          <a:lnRef idx="1">
+            <a:schemeClr val="accent1"/>
+          </a:lnRef>
+          <a:fillRef idx="0">
+            <a:schemeClr val="accent1"/>
+          </a:fillRef>
+          <a:effectRef idx="0">
+            <a:schemeClr val="accent1"/>
+          </a:effectRef>
+          <a:fontRef idx="minor">
+            <a:schemeClr val="tx1"/>
+          </a:fontRef>
+        </p:style>
+        <p:txBody>
+          <a:bodyPr rtlCol="0" anchor="ctr"/>
+          <a:lstStyle/>
+          <a:p>
+            <a:pPr algn="ctr"/>
+            <a:endParaRPr lang="en-US"/>
+          </a:p>
+        </p:txBody>
+      </p:sp>
+      <p:sp>
+        <p:nvSpPr>
+          <p:cNvPr id="173" name="Arc 172"/>
+          <p:cNvSpPr/>
+          <p:nvPr/>
+        </p:nvSpPr>
+        <p:spPr>
+          <a:xfrm flipV="1">
+            <a:off x="1413815" y="4823782"/>
+            <a:ext cx="1078373" cy="655233"/>
+          </a:xfrm>
+          <a:prstGeom prst="arc">
+            <a:avLst>
+              <a:gd name="adj1" fmla="val 10662359"/>
+              <a:gd name="adj2" fmla="val 0"/>
+            </a:avLst>
+          </a:prstGeom>
+          <a:ln w="28575">
+            <a:solidFill>
+              <a:schemeClr val="bg1"/>
+            </a:solidFill>
+          </a:ln>
+        </p:spPr>
+        <p:style>
+          <a:lnRef idx="1">
+            <a:schemeClr val="accent1"/>
+          </a:lnRef>
+          <a:fillRef idx="0">
+            <a:schemeClr val="accent1"/>
+          </a:fillRef>
+          <a:effectRef idx="0">
+            <a:schemeClr val="accent1"/>
+          </a:effectRef>
+          <a:fontRef idx="minor">
+            <a:schemeClr val="tx1"/>
+          </a:fontRef>
+        </p:style>
+        <p:txBody>
+          <a:bodyPr rtlCol="0" anchor="ctr"/>
+          <a:lstStyle/>
+          <a:p>
+            <a:pPr algn="ctr"/>
+            <a:endParaRPr lang="en-US"/>
+          </a:p>
+        </p:txBody>
+      </p:sp>
+      <p:sp>
+        <p:nvSpPr>
+          <p:cNvPr id="174" name="Arc 173"/>
+          <p:cNvSpPr/>
+          <p:nvPr/>
+        </p:nvSpPr>
+        <p:spPr>
+          <a:xfrm flipV="1">
+            <a:off x="1163610" y="5074546"/>
+            <a:ext cx="1595353" cy="696347"/>
+          </a:xfrm>
+          <a:prstGeom prst="arc">
+            <a:avLst>
+              <a:gd name="adj1" fmla="val 10662359"/>
+              <a:gd name="adj2" fmla="val 0"/>
+            </a:avLst>
+          </a:prstGeom>
+          <a:ln w="28575">
+            <a:solidFill>
+              <a:schemeClr val="bg1"/>
+            </a:solidFill>
+          </a:ln>
+        </p:spPr>
+        <p:style>
+          <a:lnRef idx="1">
+            <a:schemeClr val="accent1"/>
+          </a:lnRef>
+          <a:fillRef idx="0">
+            <a:schemeClr val="accent1"/>
+          </a:fillRef>
+          <a:effectRef idx="0">
+            <a:schemeClr val="accent1"/>
+          </a:effectRef>
+          <a:fontRef idx="minor">
+            <a:schemeClr val="tx1"/>
+          </a:fontRef>
+        </p:style>
+        <p:txBody>
+          <a:bodyPr rtlCol="0" anchor="ctr"/>
+          <a:lstStyle/>
+          <a:p>
+            <a:pPr algn="ctr"/>
+            <a:endParaRPr lang="en-US"/>
+          </a:p>
+        </p:txBody>
+      </p:sp>
+      <p:sp>
+        <p:nvSpPr>
+          <p:cNvPr id="175" name="Arc 174"/>
+          <p:cNvSpPr/>
+          <p:nvPr/>
+        </p:nvSpPr>
+        <p:spPr>
+          <a:xfrm flipV="1">
+            <a:off x="933428" y="5236035"/>
+            <a:ext cx="2221749" cy="867610"/>
+          </a:xfrm>
+          <a:prstGeom prst="arc">
+            <a:avLst>
+              <a:gd name="adj1" fmla="val 10662359"/>
+              <a:gd name="adj2" fmla="val 0"/>
+            </a:avLst>
+          </a:prstGeom>
+          <a:ln w="28575">
+            <a:solidFill>
+              <a:schemeClr val="bg1"/>
+            </a:solidFill>
+          </a:ln>
+        </p:spPr>
+        <p:style>
+          <a:lnRef idx="1">
+            <a:schemeClr val="accent1"/>
+          </a:lnRef>
+          <a:fillRef idx="0">
+            <a:schemeClr val="accent1"/>
+          </a:fillRef>
+          <a:effectRef idx="0">
+            <a:schemeClr val="accent1"/>
+          </a:effectRef>
+          <a:fontRef idx="minor">
+            <a:schemeClr val="tx1"/>
+          </a:fontRef>
+        </p:style>
+        <p:txBody>
+          <a:bodyPr rtlCol="0" anchor="ctr"/>
+          <a:lstStyle/>
+          <a:p>
+            <a:pPr algn="ctr"/>
+            <a:endParaRPr lang="en-US"/>
+          </a:p>
+        </p:txBody>
+      </p:sp>
+      <p:sp>
+        <p:nvSpPr>
+          <p:cNvPr id="176" name="Arc 175"/>
+          <p:cNvSpPr/>
+          <p:nvPr/>
+        </p:nvSpPr>
+        <p:spPr>
+          <a:xfrm flipV="1">
+            <a:off x="540065" y="5145505"/>
+            <a:ext cx="3082779" cy="1343390"/>
+          </a:xfrm>
+          <a:prstGeom prst="arc">
+            <a:avLst>
+              <a:gd name="adj1" fmla="val 10662359"/>
+              <a:gd name="adj2" fmla="val 0"/>
+            </a:avLst>
+          </a:prstGeom>
+          <a:ln w="28575">
+            <a:solidFill>
+              <a:schemeClr val="bg1"/>
+            </a:solidFill>
+          </a:ln>
+        </p:spPr>
+        <p:style>
+          <a:lnRef idx="1">
+            <a:schemeClr val="accent1"/>
+          </a:lnRef>
+          <a:fillRef idx="0">
+            <a:schemeClr val="accent1"/>
+          </a:fillRef>
+          <a:effectRef idx="0">
+            <a:schemeClr val="accent1"/>
+          </a:effectRef>
+          <a:fontRef idx="minor">
+            <a:schemeClr val="tx1"/>
+          </a:fontRef>
+        </p:style>
+        <p:txBody>
+          <a:bodyPr rtlCol="0" anchor="ctr"/>
+          <a:lstStyle/>
+          <a:p>
+            <a:pPr algn="ctr"/>
+            <a:endParaRPr lang="en-US"/>
+          </a:p>
+        </p:txBody>
+      </p:sp>
+      <p:sp>
+        <p:nvSpPr>
+          <p:cNvPr id="177" name="Arc 176"/>
+          <p:cNvSpPr/>
+          <p:nvPr/>
+        </p:nvSpPr>
+        <p:spPr>
+          <a:xfrm flipV="1">
+            <a:off x="67161" y="4959551"/>
+            <a:ext cx="4050956" cy="1859756"/>
+          </a:xfrm>
+          <a:prstGeom prst="arc">
+            <a:avLst>
+              <a:gd name="adj1" fmla="val 10662359"/>
+              <a:gd name="adj2" fmla="val 0"/>
+            </a:avLst>
+          </a:prstGeom>
+          <a:ln w="28575">
+            <a:solidFill>
+              <a:schemeClr val="bg1"/>
+            </a:solidFill>
+          </a:ln>
+        </p:spPr>
+        <p:style>
+          <a:lnRef idx="1">
+            <a:schemeClr val="accent1"/>
+          </a:lnRef>
+          <a:fillRef idx="0">
+            <a:schemeClr val="accent1"/>
+          </a:fillRef>
+          <a:effectRef idx="0">
+            <a:schemeClr val="accent1"/>
+          </a:effectRef>
+          <a:fontRef idx="minor">
+            <a:schemeClr val="tx1"/>
+          </a:fontRef>
+        </p:style>
+        <p:txBody>
+          <a:bodyPr rtlCol="0" anchor="ctr"/>
+          <a:lstStyle/>
+          <a:p>
+            <a:pPr algn="ctr"/>
+            <a:endParaRPr lang="en-US"/>
+          </a:p>
+        </p:txBody>
+      </p:sp>
+      <p:sp>
+        <p:nvSpPr>
+          <p:cNvPr id="178" name="Oval 177"/>
+          <p:cNvSpPr/>
+          <p:nvPr/>
+        </p:nvSpPr>
+        <p:spPr>
+          <a:xfrm>
+            <a:off x="13294" y="3941108"/>
+            <a:ext cx="496007" cy="493803"/>
+          </a:xfrm>
+          <a:prstGeom prst="ellipse">
+            <a:avLst/>
+          </a:prstGeom>
+          <a:solidFill>
+            <a:schemeClr val="tx1"/>
+          </a:solidFill>
+          <a:ln>
+            <a:solidFill>
+              <a:schemeClr val="tx1"/>
+            </a:solidFill>
+          </a:ln>
+        </p:spPr>
+        <p:style>
+          <a:lnRef idx="2">
+            <a:schemeClr val="accent1">
+              <a:shade val="50000"/>
+            </a:schemeClr>
+          </a:lnRef>
+          <a:fillRef idx="1">
+            <a:schemeClr val="accent1"/>
+          </a:fillRef>
+          <a:effectRef idx="0">
+            <a:schemeClr val="accent1"/>
+          </a:effectRef>
+          <a:fontRef idx="minor">
+            <a:schemeClr val="lt1"/>
+          </a:fontRef>
+        </p:style>
+        <p:txBody>
+          <a:bodyPr rtlCol="0" anchor="ctr"/>
+          <a:lstStyle/>
+          <a:p>
+            <a:pPr algn="ctr"/>
+            <a:endParaRPr lang="en-US"/>
+          </a:p>
+        </p:txBody>
+      </p:sp>
+      <p:cxnSp>
+        <p:nvCxnSpPr>
+          <p:cNvPr id="165" name="Straight Arrow Connector 164"/>
+          <p:cNvCxnSpPr>
+            <a:endCxn id="166" idx="2"/>
+          </p:cNvCxnSpPr>
+          <p:nvPr/>
+        </p:nvCxnSpPr>
+        <p:spPr>
+          <a:xfrm flipH="1" flipV="1">
+            <a:off x="1240961" y="1487584"/>
+            <a:ext cx="669266" cy="930406"/>
+          </a:xfrm>
+          <a:prstGeom prst="straightConnector1">
+            <a:avLst/>
+          </a:prstGeom>
+          <a:ln>
+            <a:solidFill>
+              <a:schemeClr val="tx1"/>
+            </a:solidFill>
+            <a:tailEnd type="triangle"/>
           </a:ln>
         </p:spPr>
         <p:style>

--- a/Seismic Drones/CASE-2016/pictures/TraditionalCabeledSystem.pptx
+++ b/Seismic Drones/CASE-2016/pictures/TraditionalCabeledSystem.pptx
@@ -243,7 +243,7 @@
           <a:p>
             <a:fld id="{72A6CF2C-CEEB-4F05-A35E-FAC0B9832724}" type="datetimeFigureOut">
               <a:rPr lang="en-US" smtClean="0"/>
-              <a:t>3/8/2016</a:t>
+              <a:t>3/15/2016</a:t>
             </a:fld>
             <a:endParaRPr lang="en-US"/>
           </a:p>
@@ -413,7 +413,7 @@
           <a:p>
             <a:fld id="{72A6CF2C-CEEB-4F05-A35E-FAC0B9832724}" type="datetimeFigureOut">
               <a:rPr lang="en-US" smtClean="0"/>
-              <a:t>3/8/2016</a:t>
+              <a:t>3/15/2016</a:t>
             </a:fld>
             <a:endParaRPr lang="en-US"/>
           </a:p>
@@ -593,7 +593,7 @@
           <a:p>
             <a:fld id="{72A6CF2C-CEEB-4F05-A35E-FAC0B9832724}" type="datetimeFigureOut">
               <a:rPr lang="en-US" smtClean="0"/>
-              <a:t>3/8/2016</a:t>
+              <a:t>3/15/2016</a:t>
             </a:fld>
             <a:endParaRPr lang="en-US"/>
           </a:p>
@@ -763,7 +763,7 @@
           <a:p>
             <a:fld id="{72A6CF2C-CEEB-4F05-A35E-FAC0B9832724}" type="datetimeFigureOut">
               <a:rPr lang="en-US" smtClean="0"/>
-              <a:t>3/8/2016</a:t>
+              <a:t>3/15/2016</a:t>
             </a:fld>
             <a:endParaRPr lang="en-US"/>
           </a:p>
@@ -1009,7 +1009,7 @@
           <a:p>
             <a:fld id="{72A6CF2C-CEEB-4F05-A35E-FAC0B9832724}" type="datetimeFigureOut">
               <a:rPr lang="en-US" smtClean="0"/>
-              <a:t>3/8/2016</a:t>
+              <a:t>3/15/2016</a:t>
             </a:fld>
             <a:endParaRPr lang="en-US"/>
           </a:p>
@@ -1241,7 +1241,7 @@
           <a:p>
             <a:fld id="{72A6CF2C-CEEB-4F05-A35E-FAC0B9832724}" type="datetimeFigureOut">
               <a:rPr lang="en-US" smtClean="0"/>
-              <a:t>3/8/2016</a:t>
+              <a:t>3/15/2016</a:t>
             </a:fld>
             <a:endParaRPr lang="en-US"/>
           </a:p>
@@ -1608,7 +1608,7 @@
           <a:p>
             <a:fld id="{72A6CF2C-CEEB-4F05-A35E-FAC0B9832724}" type="datetimeFigureOut">
               <a:rPr lang="en-US" smtClean="0"/>
-              <a:t>3/8/2016</a:t>
+              <a:t>3/15/2016</a:t>
             </a:fld>
             <a:endParaRPr lang="en-US"/>
           </a:p>
@@ -1726,7 +1726,7 @@
           <a:p>
             <a:fld id="{72A6CF2C-CEEB-4F05-A35E-FAC0B9832724}" type="datetimeFigureOut">
               <a:rPr lang="en-US" smtClean="0"/>
-              <a:t>3/8/2016</a:t>
+              <a:t>3/15/2016</a:t>
             </a:fld>
             <a:endParaRPr lang="en-US"/>
           </a:p>
@@ -1821,7 +1821,7 @@
           <a:p>
             <a:fld id="{72A6CF2C-CEEB-4F05-A35E-FAC0B9832724}" type="datetimeFigureOut">
               <a:rPr lang="en-US" smtClean="0"/>
-              <a:t>3/8/2016</a:t>
+              <a:t>3/15/2016</a:t>
             </a:fld>
             <a:endParaRPr lang="en-US"/>
           </a:p>
@@ -2098,7 +2098,7 @@
           <a:p>
             <a:fld id="{72A6CF2C-CEEB-4F05-A35E-FAC0B9832724}" type="datetimeFigureOut">
               <a:rPr lang="en-US" smtClean="0"/>
-              <a:t>3/8/2016</a:t>
+              <a:t>3/15/2016</a:t>
             </a:fld>
             <a:endParaRPr lang="en-US"/>
           </a:p>
@@ -2351,7 +2351,7 @@
           <a:p>
             <a:fld id="{72A6CF2C-CEEB-4F05-A35E-FAC0B9832724}" type="datetimeFigureOut">
               <a:rPr lang="en-US" smtClean="0"/>
-              <a:t>3/8/2016</a:t>
+              <a:t>3/15/2016</a:t>
             </a:fld>
             <a:endParaRPr lang="en-US"/>
           </a:p>
@@ -2564,7 +2564,7 @@
           <a:p>
             <a:fld id="{72A6CF2C-CEEB-4F05-A35E-FAC0B9832724}" type="datetimeFigureOut">
               <a:rPr lang="en-US" smtClean="0"/>
-              <a:t>3/8/2016</a:t>
+              <a:t>3/15/2016</a:t>
             </a:fld>
             <a:endParaRPr lang="en-US"/>
           </a:p>
@@ -5521,23 +5521,27 @@
             <a:pPr algn="ctr"/>
             <a:r>
               <a:rPr lang="en-US" sz="1600" dirty="0" smtClean="0"/>
-              <a:t>Source (</a:t>
-            </a:r>
-            <a:r>
-              <a:rPr lang="en-US" sz="1600" dirty="0" err="1" smtClean="0"/>
-              <a:t>Veibroseis</a:t>
+              <a:t>Source </a:t>
             </a:r>
             <a:r>
               <a:rPr lang="en-US" sz="1600" dirty="0" smtClean="0"/>
-              <a:t>  </a:t>
-            </a:r>
-            <a:r>
-              <a:rPr lang="en-US" sz="1600" dirty="0"/>
-              <a:t>s</a:t>
+              <a:t>(Vibrating truck with </a:t>
+            </a:r>
+            <a:r>
+              <a:rPr lang="en-US" sz="1600" smtClean="0"/>
+              <a:t>motor </a:t>
+            </a:r>
+            <a:r>
+              <a:rPr lang="en-US" sz="1600" smtClean="0"/>
+              <a:t>and p</a:t>
+            </a:r>
+            <a:r>
+              <a:rPr lang="en-US" sz="1600" smtClean="0"/>
+              <a:t>iston</a:t>
             </a:r>
             <a:r>
               <a:rPr lang="en-US" sz="1600" dirty="0" smtClean="0"/>
-              <a:t>etup, Motor with Piston)</a:t>
+              <a:t>)</a:t>
             </a:r>
             <a:endParaRPr lang="en-US" sz="1600" dirty="0"/>
           </a:p>

--- a/Seismic Drones/CASE-2016/pictures/TraditionalCabeledSystem.pptx
+++ b/Seismic Drones/CASE-2016/pictures/TraditionalCabeledSystem.pptx
@@ -243,7 +243,7 @@
           <a:p>
             <a:fld id="{72A6CF2C-CEEB-4F05-A35E-FAC0B9832724}" type="datetimeFigureOut">
               <a:rPr lang="en-US" smtClean="0"/>
-              <a:t>3/15/2016</a:t>
+              <a:t>3/21/2016</a:t>
             </a:fld>
             <a:endParaRPr lang="en-US"/>
           </a:p>
@@ -413,7 +413,7 @@
           <a:p>
             <a:fld id="{72A6CF2C-CEEB-4F05-A35E-FAC0B9832724}" type="datetimeFigureOut">
               <a:rPr lang="en-US" smtClean="0"/>
-              <a:t>3/15/2016</a:t>
+              <a:t>3/21/2016</a:t>
             </a:fld>
             <a:endParaRPr lang="en-US"/>
           </a:p>
@@ -593,7 +593,7 @@
           <a:p>
             <a:fld id="{72A6CF2C-CEEB-4F05-A35E-FAC0B9832724}" type="datetimeFigureOut">
               <a:rPr lang="en-US" smtClean="0"/>
-              <a:t>3/15/2016</a:t>
+              <a:t>3/21/2016</a:t>
             </a:fld>
             <a:endParaRPr lang="en-US"/>
           </a:p>
@@ -763,7 +763,7 @@
           <a:p>
             <a:fld id="{72A6CF2C-CEEB-4F05-A35E-FAC0B9832724}" type="datetimeFigureOut">
               <a:rPr lang="en-US" smtClean="0"/>
-              <a:t>3/15/2016</a:t>
+              <a:t>3/21/2016</a:t>
             </a:fld>
             <a:endParaRPr lang="en-US"/>
           </a:p>
@@ -1009,7 +1009,7 @@
           <a:p>
             <a:fld id="{72A6CF2C-CEEB-4F05-A35E-FAC0B9832724}" type="datetimeFigureOut">
               <a:rPr lang="en-US" smtClean="0"/>
-              <a:t>3/15/2016</a:t>
+              <a:t>3/21/2016</a:t>
             </a:fld>
             <a:endParaRPr lang="en-US"/>
           </a:p>
@@ -1241,7 +1241,7 @@
           <a:p>
             <a:fld id="{72A6CF2C-CEEB-4F05-A35E-FAC0B9832724}" type="datetimeFigureOut">
               <a:rPr lang="en-US" smtClean="0"/>
-              <a:t>3/15/2016</a:t>
+              <a:t>3/21/2016</a:t>
             </a:fld>
             <a:endParaRPr lang="en-US"/>
           </a:p>
@@ -1608,7 +1608,7 @@
           <a:p>
             <a:fld id="{72A6CF2C-CEEB-4F05-A35E-FAC0B9832724}" type="datetimeFigureOut">
               <a:rPr lang="en-US" smtClean="0"/>
-              <a:t>3/15/2016</a:t>
+              <a:t>3/21/2016</a:t>
             </a:fld>
             <a:endParaRPr lang="en-US"/>
           </a:p>
@@ -1726,7 +1726,7 @@
           <a:p>
             <a:fld id="{72A6CF2C-CEEB-4F05-A35E-FAC0B9832724}" type="datetimeFigureOut">
               <a:rPr lang="en-US" smtClean="0"/>
-              <a:t>3/15/2016</a:t>
+              <a:t>3/21/2016</a:t>
             </a:fld>
             <a:endParaRPr lang="en-US"/>
           </a:p>
@@ -1821,7 +1821,7 @@
           <a:p>
             <a:fld id="{72A6CF2C-CEEB-4F05-A35E-FAC0B9832724}" type="datetimeFigureOut">
               <a:rPr lang="en-US" smtClean="0"/>
-              <a:t>3/15/2016</a:t>
+              <a:t>3/21/2016</a:t>
             </a:fld>
             <a:endParaRPr lang="en-US"/>
           </a:p>
@@ -2098,7 +2098,7 @@
           <a:p>
             <a:fld id="{72A6CF2C-CEEB-4F05-A35E-FAC0B9832724}" type="datetimeFigureOut">
               <a:rPr lang="en-US" smtClean="0"/>
-              <a:t>3/15/2016</a:t>
+              <a:t>3/21/2016</a:t>
             </a:fld>
             <a:endParaRPr lang="en-US"/>
           </a:p>
@@ -2351,7 +2351,7 @@
           <a:p>
             <a:fld id="{72A6CF2C-CEEB-4F05-A35E-FAC0B9832724}" type="datetimeFigureOut">
               <a:rPr lang="en-US" smtClean="0"/>
-              <a:t>3/15/2016</a:t>
+              <a:t>3/21/2016</a:t>
             </a:fld>
             <a:endParaRPr lang="en-US"/>
           </a:p>
@@ -2564,7 +2564,7 @@
           <a:p>
             <a:fld id="{72A6CF2C-CEEB-4F05-A35E-FAC0B9832724}" type="datetimeFigureOut">
               <a:rPr lang="en-US" smtClean="0"/>
-              <a:t>3/15/2016</a:t>
+              <a:t>3/21/2016</a:t>
             </a:fld>
             <a:endParaRPr lang="en-US"/>
           </a:p>
@@ -3223,8 +3223,8 @@
         </p:nvSpPr>
         <p:spPr>
           <a:xfrm>
-            <a:off x="2317144" y="224241"/>
-            <a:ext cx="7377974" cy="461665"/>
+            <a:off x="416625" y="0"/>
+            <a:ext cx="10950621" cy="646331"/>
           </a:xfrm>
           <a:prstGeom prst="rect">
             <a:avLst/>
@@ -3239,10 +3239,10 @@
           <a:p>
             <a:pPr algn="ctr"/>
             <a:r>
-              <a:rPr lang="en-US" sz="2400" dirty="0" smtClean="0"/>
+              <a:rPr lang="en-US" sz="3600" dirty="0" smtClean="0"/>
               <a:t>Traditional Cabled Geophone Data Acquisition System</a:t>
             </a:r>
-            <a:endParaRPr lang="en-US" sz="2400" dirty="0"/>
+            <a:endParaRPr lang="en-US" sz="3600" dirty="0"/>
           </a:p>
         </p:txBody>
       </p:sp>
@@ -3290,8 +3290,8 @@
         </p:nvSpPr>
         <p:spPr>
           <a:xfrm>
-            <a:off x="2419718" y="4893432"/>
-            <a:ext cx="2354049" cy="830997"/>
+            <a:off x="3620670" y="5028377"/>
+            <a:ext cx="2354049" cy="1200329"/>
           </a:xfrm>
           <a:prstGeom prst="rect">
             <a:avLst/>
@@ -3306,7 +3306,7 @@
           <a:p>
             <a:pPr algn="ctr"/>
             <a:r>
-              <a:rPr lang="en-US" sz="2400" b="1" dirty="0" smtClean="0">
+              <a:rPr lang="en-US" sz="3600" dirty="0" smtClean="0">
                 <a:solidFill>
                   <a:schemeClr val="bg1"/>
                 </a:solidFill>
@@ -3317,14 +3317,14 @@
           <a:p>
             <a:pPr algn="ctr"/>
             <a:r>
-              <a:rPr lang="en-US" sz="2400" b="1" dirty="0" smtClean="0">
+              <a:rPr lang="en-US" sz="3600" dirty="0" smtClean="0">
                 <a:solidFill>
                   <a:schemeClr val="bg1"/>
                 </a:solidFill>
               </a:rPr>
               <a:t>Waves</a:t>
             </a:r>
-            <a:endParaRPr lang="en-US" sz="2400" b="1" dirty="0">
+            <a:endParaRPr lang="en-US" sz="3600" dirty="0">
               <a:solidFill>
                 <a:schemeClr val="bg1"/>
               </a:solidFill>
@@ -4676,10 +4676,10 @@
         </p:nvGrpSpPr>
         <p:grpSpPr>
           <a:xfrm>
-            <a:off x="10991055" y="3866224"/>
-            <a:ext cx="1217286" cy="550601"/>
-            <a:chOff x="10524050" y="3867468"/>
-            <a:chExt cx="1217286" cy="550601"/>
+            <a:off x="10910365" y="3866224"/>
+            <a:ext cx="1342802" cy="550601"/>
+            <a:chOff x="10443360" y="3867468"/>
+            <a:chExt cx="1342802" cy="550601"/>
           </a:xfrm>
         </p:grpSpPr>
         <p:sp>
@@ -4691,7 +4691,7 @@
           <p:spPr>
             <a:xfrm>
               <a:off x="10524050" y="3867468"/>
-              <a:ext cx="1150375" cy="550601"/>
+              <a:ext cx="1185277" cy="550601"/>
             </a:xfrm>
             <a:prstGeom prst="rect">
               <a:avLst/>
@@ -4738,8 +4738,8 @@
           </p:nvSpPr>
           <p:spPr>
             <a:xfrm>
-              <a:off x="10533813" y="3996540"/>
-              <a:ext cx="1207523" cy="276999"/>
+              <a:off x="10443360" y="3942750"/>
+              <a:ext cx="1342802" cy="400110"/>
             </a:xfrm>
             <a:prstGeom prst="rect">
               <a:avLst/>
@@ -4754,14 +4754,14 @@
             <a:p>
               <a:pPr algn="ctr"/>
               <a:r>
-                <a:rPr lang="en-US" sz="1200" dirty="0" err="1" smtClean="0">
+                <a:rPr lang="en-US" sz="2000" dirty="0" err="1" smtClean="0">
                   <a:solidFill>
                     <a:schemeClr val="bg1"/>
                   </a:solidFill>
                 </a:rPr>
                 <a:t>StrataVisor</a:t>
               </a:r>
-              <a:endParaRPr lang="en-US" sz="1200" dirty="0">
+              <a:endParaRPr lang="en-US" sz="2000" dirty="0">
                 <a:solidFill>
                   <a:schemeClr val="bg1"/>
                 </a:solidFill>
@@ -4896,8 +4896,8 @@
         </p:nvSpPr>
         <p:spPr>
           <a:xfrm>
-            <a:off x="11055574" y="2202473"/>
-            <a:ext cx="1207523" cy="276999"/>
+            <a:off x="10939029" y="2059038"/>
+            <a:ext cx="1322311" cy="523220"/>
           </a:xfrm>
           <a:prstGeom prst="rect">
             <a:avLst/>
@@ -4912,7 +4912,7 @@
           <a:p>
             <a:pPr algn="ctr"/>
             <a:r>
-              <a:rPr lang="en-US" sz="1200" dirty="0" smtClean="0">
+              <a:rPr lang="en-US" sz="2800" dirty="0" smtClean="0">
                 <a:solidFill>
                   <a:schemeClr val="bg1"/>
                 </a:solidFill>
@@ -4930,8 +4930,8 @@
         </p:nvSpPr>
         <p:spPr>
           <a:xfrm>
-            <a:off x="2303794" y="906408"/>
-            <a:ext cx="2295100" cy="400110"/>
+            <a:off x="2631977" y="854137"/>
+            <a:ext cx="3248870" cy="523220"/>
           </a:xfrm>
           <a:prstGeom prst="rect">
             <a:avLst/>
@@ -4945,10 +4945,10 @@
           <a:lstStyle/>
           <a:p>
             <a:r>
-              <a:rPr lang="en-US" sz="2000" dirty="0" smtClean="0"/>
+              <a:rPr lang="en-US" sz="2800" dirty="0" smtClean="0"/>
               <a:t>Geophones(Sensor)</a:t>
             </a:r>
-            <a:endParaRPr lang="en-US" sz="2000" dirty="0"/>
+            <a:endParaRPr lang="en-US" sz="2800" dirty="0"/>
           </a:p>
         </p:txBody>
       </p:sp>
@@ -5320,14 +5320,15 @@
         <p:nvCxnSpPr>
           <p:cNvPr id="149" name="Straight Arrow Connector 148"/>
           <p:cNvCxnSpPr>
+            <a:stCxn id="157" idx="2"/>
             <a:endCxn id="163" idx="7"/>
           </p:cNvCxnSpPr>
           <p:nvPr/>
         </p:nvCxnSpPr>
         <p:spPr>
           <a:xfrm flipH="1">
-            <a:off x="2155390" y="4131355"/>
-            <a:ext cx="176302" cy="150004"/>
+            <a:off x="2155390" y="2539833"/>
+            <a:ext cx="346782" cy="1741526"/>
           </a:xfrm>
           <a:prstGeom prst="straightConnector1">
             <a:avLst/>
@@ -5362,8 +5363,8 @@
         </p:nvSpPr>
         <p:spPr>
           <a:xfrm>
-            <a:off x="1806335" y="3537213"/>
-            <a:ext cx="1604469" cy="707886"/>
+            <a:off x="1699937" y="1708836"/>
+            <a:ext cx="1604469" cy="830997"/>
           </a:xfrm>
           <a:prstGeom prst="rect">
             <a:avLst/>
@@ -5378,10 +5379,10 @@
           <a:p>
             <a:pPr algn="ctr"/>
             <a:r>
-              <a:rPr lang="en-US" sz="2000" dirty="0" smtClean="0"/>
+              <a:rPr lang="en-US" sz="2400" dirty="0" smtClean="0"/>
               <a:t>Vibrating Plate</a:t>
             </a:r>
-            <a:endParaRPr lang="en-US" sz="2000" dirty="0"/>
+            <a:endParaRPr lang="en-US" sz="2400" dirty="0"/>
           </a:p>
         </p:txBody>
       </p:sp>
@@ -5504,8 +5505,8 @@
         </p:nvSpPr>
         <p:spPr>
           <a:xfrm>
-            <a:off x="343434" y="656587"/>
-            <a:ext cx="1795054" cy="830997"/>
+            <a:off x="-71957" y="656587"/>
+            <a:ext cx="2574129" cy="707886"/>
           </a:xfrm>
           <a:prstGeom prst="rect">
             <a:avLst/>
@@ -5520,30 +5521,10 @@
           <a:p>
             <a:pPr algn="ctr"/>
             <a:r>
-              <a:rPr lang="en-US" sz="1600" dirty="0" smtClean="0"/>
-              <a:t>Source </a:t>
-            </a:r>
-            <a:r>
-              <a:rPr lang="en-US" sz="1600" dirty="0" smtClean="0"/>
-              <a:t>(Vibrating truck with </a:t>
-            </a:r>
-            <a:r>
-              <a:rPr lang="en-US" sz="1600" smtClean="0"/>
-              <a:t>motor </a:t>
-            </a:r>
-            <a:r>
-              <a:rPr lang="en-US" sz="1600" smtClean="0"/>
-              <a:t>and p</a:t>
-            </a:r>
-            <a:r>
-              <a:rPr lang="en-US" sz="1600" smtClean="0"/>
-              <a:t>iston</a:t>
-            </a:r>
-            <a:r>
-              <a:rPr lang="en-US" sz="1600" dirty="0" smtClean="0"/>
-              <a:t>)</a:t>
-            </a:r>
-            <a:endParaRPr lang="en-US" sz="1600" dirty="0"/>
+              <a:rPr lang="en-US" sz="2000" dirty="0" smtClean="0"/>
+              <a:t>Source (Vibrating truck with motor and piston)</a:t>
+            </a:r>
+            <a:endParaRPr lang="en-US" sz="2000" dirty="0"/>
           </a:p>
         </p:txBody>
       </p:sp>
@@ -6122,8 +6103,8 @@
         </p:nvCxnSpPr>
         <p:spPr>
           <a:xfrm flipH="1" flipV="1">
-            <a:off x="1240961" y="1487584"/>
-            <a:ext cx="669266" cy="930406"/>
+            <a:off x="1215108" y="1364473"/>
+            <a:ext cx="695120" cy="1053519"/>
           </a:xfrm>
           <a:prstGeom prst="straightConnector1">
             <a:avLst/>
